--- a/DBS-Final/DBS211_Presentation_Group4.pptx
+++ b/DBS-Final/DBS211_Presentation_Group4.pptx
@@ -6,10 +6,10 @@
   </p:sldMasterIdLst>
   <p:sldIdLst>
     <p:sldId id="261" r:id="rId2"/>
-    <p:sldId id="258" r:id="rId3"/>
+    <p:sldId id="262" r:id="rId3"/>
     <p:sldId id="257" r:id="rId4"/>
-    <p:sldId id="260" r:id="rId5"/>
-    <p:sldId id="259" r:id="rId6"/>
+    <p:sldId id="263" r:id="rId5"/>
+    <p:sldId id="264" r:id="rId6"/>
   </p:sldIdLst>
   <p:sldSz cx="12192000" cy="6858000"/>
   <p:notesSz cx="6858000" cy="9144000"/>
@@ -108,6 +108,11 @@
       </a:defRPr>
     </a:lvl9pPr>
   </p:defaultTextStyle>
+  <p:extLst>
+    <p:ext uri="{EFAFB233-063F-42B5-8137-9DF3F51BA10A}">
+      <p15:sldGuideLst xmlns:p15="http://schemas.microsoft.com/office/powerpoint/2012/main"/>
+    </p:ext>
+  </p:extLst>
 </p:presentation>
 </file>
 
@@ -324,7 +329,7 @@
           <a:p>
             <a:fld id="{64F0E216-BA48-4F04-AC4F-645AA0DD6AC6}" type="datetimeFigureOut">
               <a:rPr lang="en-US" smtClean="0"/>
-              <a:t>8/5/24</a:t>
+              <a:t>8/5/2024</a:t>
             </a:fld>
             <a:endParaRPr lang="en-US" dirty="0"/>
           </a:p>
@@ -366,7 +371,7 @@
           <a:p>
             <a:fld id="{D39607A7-8386-47DB-8578-DDEDD194E5D4}" type="slidenum">
               <a:rPr lang="en-US" smtClean="0"/>
-              <a:t>‹#›</a:t>
+              <a:t>‹nº›</a:t>
             </a:fld>
             <a:endParaRPr lang="en-US" dirty="0"/>
           </a:p>
@@ -616,7 +621,7 @@
             <a:fld id="{64F0E216-BA48-4F04-AC4F-645AA0DD6AC6}" type="datetimeFigureOut">
               <a:rPr lang="en-US" smtClean="0"/>
               <a:pPr/>
-              <a:t>8/5/24</a:t>
+              <a:t>8/5/2024</a:t>
             </a:fld>
             <a:endParaRPr lang="en-US" dirty="0"/>
           </a:p>
@@ -659,7 +664,7 @@
             <a:fld id="{D39607A7-8386-47DB-8578-DDEDD194E5D4}" type="slidenum">
               <a:rPr lang="en-US" smtClean="0"/>
               <a:pPr/>
-              <a:t>‹#›</a:t>
+              <a:t>‹nº›</a:t>
             </a:fld>
             <a:endParaRPr lang="en-US" dirty="0"/>
           </a:p>
@@ -877,7 +882,7 @@
             <a:fld id="{64F0E216-BA48-4F04-AC4F-645AA0DD6AC6}" type="datetimeFigureOut">
               <a:rPr lang="en-US" smtClean="0"/>
               <a:pPr/>
-              <a:t>8/5/24</a:t>
+              <a:t>8/5/2024</a:t>
             </a:fld>
             <a:endParaRPr lang="en-US" dirty="0"/>
           </a:p>
@@ -920,7 +925,7 @@
             <a:fld id="{D39607A7-8386-47DB-8578-DDEDD194E5D4}" type="slidenum">
               <a:rPr lang="en-US" smtClean="0"/>
               <a:pPr/>
-              <a:t>‹#›</a:t>
+              <a:t>‹nº›</a:t>
             </a:fld>
             <a:endParaRPr lang="en-US" dirty="0"/>
           </a:p>
@@ -1348,7 +1353,7 @@
             <a:fld id="{64F0E216-BA48-4F04-AC4F-645AA0DD6AC6}" type="datetimeFigureOut">
               <a:rPr lang="en-US" smtClean="0"/>
               <a:pPr/>
-              <a:t>8/5/24</a:t>
+              <a:t>8/5/2024</a:t>
             </a:fld>
             <a:endParaRPr lang="en-US" dirty="0"/>
           </a:p>
@@ -1391,7 +1396,7 @@
             <a:fld id="{D39607A7-8386-47DB-8578-DDEDD194E5D4}" type="slidenum">
               <a:rPr lang="en-US" smtClean="0"/>
               <a:pPr/>
-              <a:t>‹#›</a:t>
+              <a:t>‹nº›</a:t>
             </a:fld>
             <a:endParaRPr lang="en-US" dirty="0"/>
           </a:p>
@@ -1530,7 +1535,7 @@
             <a:fld id="{64F0E216-BA48-4F04-AC4F-645AA0DD6AC6}" type="datetimeFigureOut">
               <a:rPr lang="en-US" smtClean="0"/>
               <a:pPr/>
-              <a:t>8/5/24</a:t>
+              <a:t>8/5/2024</a:t>
             </a:fld>
             <a:endParaRPr lang="en-US" dirty="0"/>
           </a:p>
@@ -1573,7 +1578,7 @@
             <a:fld id="{D39607A7-8386-47DB-8578-DDEDD194E5D4}" type="slidenum">
               <a:rPr lang="en-US" smtClean="0"/>
               <a:pPr/>
-              <a:t>‹#›</a:t>
+              <a:t>‹nº›</a:t>
             </a:fld>
             <a:endParaRPr lang="en-US" dirty="0"/>
           </a:p>
@@ -2108,7 +2113,7 @@
             <a:fld id="{64F0E216-BA48-4F04-AC4F-645AA0DD6AC6}" type="datetimeFigureOut">
               <a:rPr lang="en-US" smtClean="0"/>
               <a:pPr/>
-              <a:t>8/5/24</a:t>
+              <a:t>8/5/2024</a:t>
             </a:fld>
             <a:endParaRPr lang="en-US" dirty="0"/>
           </a:p>
@@ -2151,7 +2156,7 @@
             <a:fld id="{D39607A7-8386-47DB-8578-DDEDD194E5D4}" type="slidenum">
               <a:rPr lang="en-US" smtClean="0"/>
               <a:pPr/>
-              <a:t>‹#›</a:t>
+              <a:t>‹nº›</a:t>
             </a:fld>
             <a:endParaRPr lang="en-US" dirty="0"/>
           </a:p>
@@ -2442,7 +2447,7 @@
             <a:fld id="{64F0E216-BA48-4F04-AC4F-645AA0DD6AC6}" type="datetimeFigureOut">
               <a:rPr lang="en-US" smtClean="0"/>
               <a:pPr/>
-              <a:t>8/5/24</a:t>
+              <a:t>8/5/2024</a:t>
             </a:fld>
             <a:endParaRPr lang="en-US" dirty="0"/>
           </a:p>
@@ -2485,7 +2490,7 @@
             <a:fld id="{D39607A7-8386-47DB-8578-DDEDD194E5D4}" type="slidenum">
               <a:rPr lang="en-US" smtClean="0"/>
               <a:pPr/>
-              <a:t>‹#›</a:t>
+              <a:t>‹nº›</a:t>
             </a:fld>
             <a:endParaRPr lang="en-US" dirty="0"/>
           </a:p>
@@ -2618,7 +2623,7 @@
           <a:p>
             <a:fld id="{64F0E216-BA48-4F04-AC4F-645AA0DD6AC6}" type="datetimeFigureOut">
               <a:rPr lang="en-US" smtClean="0"/>
-              <a:t>8/5/24</a:t>
+              <a:t>8/5/2024</a:t>
             </a:fld>
             <a:endParaRPr lang="en-US"/>
           </a:p>
@@ -2660,7 +2665,7 @@
           <a:p>
             <a:fld id="{D39607A7-8386-47DB-8578-DDEDD194E5D4}" type="slidenum">
               <a:rPr lang="en-US" smtClean="0"/>
-              <a:t>‹#›</a:t>
+              <a:t>‹nº›</a:t>
             </a:fld>
             <a:endParaRPr lang="en-US"/>
           </a:p>
@@ -2798,7 +2803,7 @@
           <a:p>
             <a:fld id="{64F0E216-BA48-4F04-AC4F-645AA0DD6AC6}" type="datetimeFigureOut">
               <a:rPr lang="en-US" smtClean="0"/>
-              <a:t>8/5/24</a:t>
+              <a:t>8/5/2024</a:t>
             </a:fld>
             <a:endParaRPr lang="en-US"/>
           </a:p>
@@ -2840,7 +2845,7 @@
           <a:p>
             <a:fld id="{D39607A7-8386-47DB-8578-DDEDD194E5D4}" type="slidenum">
               <a:rPr lang="en-US" smtClean="0"/>
-              <a:t>‹#›</a:t>
+              <a:t>‹nº›</a:t>
             </a:fld>
             <a:endParaRPr lang="en-US"/>
           </a:p>
@@ -2968,7 +2973,7 @@
           <a:p>
             <a:fld id="{64F0E216-BA48-4F04-AC4F-645AA0DD6AC6}" type="datetimeFigureOut">
               <a:rPr lang="en-US" smtClean="0"/>
-              <a:t>8/5/24</a:t>
+              <a:t>8/5/2024</a:t>
             </a:fld>
             <a:endParaRPr lang="en-US"/>
           </a:p>
@@ -3010,7 +3015,7 @@
           <a:p>
             <a:fld id="{D39607A7-8386-47DB-8578-DDEDD194E5D4}" type="slidenum">
               <a:rPr lang="en-US" smtClean="0"/>
-              <a:t>‹#›</a:t>
+              <a:t>‹nº›</a:t>
             </a:fld>
             <a:endParaRPr lang="en-US"/>
           </a:p>
@@ -3225,7 +3230,7 @@
           <a:p>
             <a:fld id="{64F0E216-BA48-4F04-AC4F-645AA0DD6AC6}" type="datetimeFigureOut">
               <a:rPr lang="en-US" smtClean="0"/>
-              <a:t>8/5/24</a:t>
+              <a:t>8/5/2024</a:t>
             </a:fld>
             <a:endParaRPr lang="en-US"/>
           </a:p>
@@ -3267,7 +3272,7 @@
           <a:p>
             <a:fld id="{D39607A7-8386-47DB-8578-DDEDD194E5D4}" type="slidenum">
               <a:rPr lang="en-US" smtClean="0"/>
-              <a:t>‹#›</a:t>
+              <a:t>‹nº›</a:t>
             </a:fld>
             <a:endParaRPr lang="en-US"/>
           </a:p>
@@ -3517,7 +3522,7 @@
           <a:p>
             <a:fld id="{64F0E216-BA48-4F04-AC4F-645AA0DD6AC6}" type="datetimeFigureOut">
               <a:rPr lang="en-US" smtClean="0"/>
-              <a:t>8/5/24</a:t>
+              <a:t>8/5/2024</a:t>
             </a:fld>
             <a:endParaRPr lang="en-US"/>
           </a:p>
@@ -3559,7 +3564,7 @@
           <a:p>
             <a:fld id="{D39607A7-8386-47DB-8578-DDEDD194E5D4}" type="slidenum">
               <a:rPr lang="en-US" smtClean="0"/>
-              <a:t>‹#›</a:t>
+              <a:t>‹nº›</a:t>
             </a:fld>
             <a:endParaRPr lang="en-US"/>
           </a:p>
@@ -3947,7 +3952,7 @@
           <a:p>
             <a:fld id="{64F0E216-BA48-4F04-AC4F-645AA0DD6AC6}" type="datetimeFigureOut">
               <a:rPr lang="en-US" smtClean="0"/>
-              <a:t>8/5/24</a:t>
+              <a:t>8/5/2024</a:t>
             </a:fld>
             <a:endParaRPr lang="en-US"/>
           </a:p>
@@ -3989,7 +3994,7 @@
           <a:p>
             <a:fld id="{D39607A7-8386-47DB-8578-DDEDD194E5D4}" type="slidenum">
               <a:rPr lang="en-US" smtClean="0"/>
-              <a:t>‹#›</a:t>
+              <a:t>‹nº›</a:t>
             </a:fld>
             <a:endParaRPr lang="en-US"/>
           </a:p>
@@ -4065,7 +4070,7 @@
           <a:p>
             <a:fld id="{64F0E216-BA48-4F04-AC4F-645AA0DD6AC6}" type="datetimeFigureOut">
               <a:rPr lang="en-US" smtClean="0"/>
-              <a:t>8/5/24</a:t>
+              <a:t>8/5/2024</a:t>
             </a:fld>
             <a:endParaRPr lang="en-US"/>
           </a:p>
@@ -4107,7 +4112,7 @@
           <a:p>
             <a:fld id="{D39607A7-8386-47DB-8578-DDEDD194E5D4}" type="slidenum">
               <a:rPr lang="en-US" smtClean="0"/>
-              <a:t>‹#›</a:t>
+              <a:t>‹nº›</a:t>
             </a:fld>
             <a:endParaRPr lang="en-US"/>
           </a:p>
@@ -4160,7 +4165,7 @@
           <a:p>
             <a:fld id="{64F0E216-BA48-4F04-AC4F-645AA0DD6AC6}" type="datetimeFigureOut">
               <a:rPr lang="en-US" smtClean="0"/>
-              <a:t>8/5/24</a:t>
+              <a:t>8/5/2024</a:t>
             </a:fld>
             <a:endParaRPr lang="en-US"/>
           </a:p>
@@ -4202,7 +4207,7 @@
           <a:p>
             <a:fld id="{D39607A7-8386-47DB-8578-DDEDD194E5D4}" type="slidenum">
               <a:rPr lang="en-US" smtClean="0"/>
-              <a:t>‹#›</a:t>
+              <a:t>‹nº›</a:t>
             </a:fld>
             <a:endParaRPr lang="en-US"/>
           </a:p>
@@ -4443,7 +4448,7 @@
           <a:p>
             <a:fld id="{64F0E216-BA48-4F04-AC4F-645AA0DD6AC6}" type="datetimeFigureOut">
               <a:rPr lang="en-US" smtClean="0"/>
-              <a:t>8/5/24</a:t>
+              <a:t>8/5/2024</a:t>
             </a:fld>
             <a:endParaRPr lang="en-US"/>
           </a:p>
@@ -4485,7 +4490,7 @@
           <a:p>
             <a:fld id="{D39607A7-8386-47DB-8578-DDEDD194E5D4}" type="slidenum">
               <a:rPr lang="en-US" smtClean="0"/>
-              <a:t>‹#›</a:t>
+              <a:t>‹nº›</a:t>
             </a:fld>
             <a:endParaRPr lang="en-US"/>
           </a:p>
@@ -4734,7 +4739,7 @@
           <a:p>
             <a:fld id="{64F0E216-BA48-4F04-AC4F-645AA0DD6AC6}" type="datetimeFigureOut">
               <a:rPr lang="en-US" smtClean="0"/>
-              <a:t>8/5/24</a:t>
+              <a:t>8/5/2024</a:t>
             </a:fld>
             <a:endParaRPr lang="en-US"/>
           </a:p>
@@ -4786,7 +4791,7 @@
           <a:p>
             <a:fld id="{D39607A7-8386-47DB-8578-DDEDD194E5D4}" type="slidenum">
               <a:rPr lang="en-US" smtClean="0"/>
-              <a:t>‹#›</a:t>
+              <a:t>‹nº›</a:t>
             </a:fld>
             <a:endParaRPr lang="en-US"/>
           </a:p>
@@ -4966,7 +4971,7 @@
             <a:fld id="{64F0E216-BA48-4F04-AC4F-645AA0DD6AC6}" type="datetimeFigureOut">
               <a:rPr lang="en-US" smtClean="0"/>
               <a:pPr/>
-              <a:t>8/5/24</a:t>
+              <a:t>8/5/2024</a:t>
             </a:fld>
             <a:endParaRPr lang="en-US" dirty="0"/>
           </a:p>
@@ -5061,7 +5066,7 @@
             <a:fld id="{D39607A7-8386-47DB-8578-DDEDD194E5D4}" type="slidenum">
               <a:rPr lang="en-US" smtClean="0"/>
               <a:pPr/>
-              <a:t>‹#›</a:t>
+              <a:t>‹nº›</a:t>
             </a:fld>
             <a:endParaRPr lang="en-US" dirty="0"/>
           </a:p>
@@ -6112,40 +6117,7 @@
                   </a:outerShdw>
                 </a:effectLst>
               </a:rPr>
-              <a:t>- Alejandro Mercado </a:t>
-            </a:r>
-            <a:r>
-              <a:rPr lang="en-US" sz="2800" b="1" cap="small" dirty="0" err="1">
-                <a:gradFill flip="none" rotWithShape="1">
-                  <a:gsLst>
-                    <a:gs pos="0">
-                      <a:schemeClr val="tx1"/>
-                    </a:gs>
-                    <a:gs pos="100000">
-                      <a:schemeClr val="tx1">
-                        <a:lumMod val="75000"/>
-                      </a:schemeClr>
-                    </a:gs>
-                  </a:gsLst>
-                  <a:lin ang="5580000" scaled="0"/>
-                  <a:tileRect/>
-                </a:gradFill>
-                <a:effectLst>
-                  <a:glow rad="38100">
-                    <a:schemeClr val="bg1">
-                      <a:lumMod val="50000"/>
-                      <a:lumOff val="50000"/>
-                      <a:alpha val="20000"/>
-                    </a:schemeClr>
-                  </a:glow>
-                  <a:outerShdw blurRad="44450" dist="12700" dir="13860000" algn="tl" rotWithShape="0">
-                    <a:srgbClr val="000000">
-                      <a:alpha val="20000"/>
-                    </a:srgbClr>
-                  </a:outerShdw>
-                </a:effectLst>
-              </a:rPr>
-              <a:t>Monetti</a:t>
+              <a:t>- Alejandro Mercado Monetti</a:t>
             </a:r>
             <a:br>
               <a:rPr lang="en-US" sz="2800" b="1" cap="small" dirty="0">
@@ -6210,73 +6182,7 @@
                   </a:outerShdw>
                 </a:effectLst>
               </a:rPr>
-              <a:t>- Renan De </a:t>
-            </a:r>
-            <a:r>
-              <a:rPr lang="en-US" sz="2800" b="1" cap="small" dirty="0" err="1">
-                <a:gradFill flip="none" rotWithShape="1">
-                  <a:gsLst>
-                    <a:gs pos="0">
-                      <a:schemeClr val="tx1"/>
-                    </a:gs>
-                    <a:gs pos="100000">
-                      <a:schemeClr val="tx1">
-                        <a:lumMod val="75000"/>
-                      </a:schemeClr>
-                    </a:gs>
-                  </a:gsLst>
-                  <a:lin ang="5580000" scaled="0"/>
-                  <a:tileRect/>
-                </a:gradFill>
-                <a:effectLst>
-                  <a:glow rad="38100">
-                    <a:schemeClr val="bg1">
-                      <a:lumMod val="50000"/>
-                      <a:lumOff val="50000"/>
-                      <a:alpha val="20000"/>
-                    </a:schemeClr>
-                  </a:glow>
-                  <a:outerShdw blurRad="44450" dist="12700" dir="13860000" algn="tl" rotWithShape="0">
-                    <a:srgbClr val="000000">
-                      <a:alpha val="20000"/>
-                    </a:srgbClr>
-                  </a:outerShdw>
-                </a:effectLst>
-              </a:rPr>
-              <a:t>Alencar</a:t>
-            </a:r>
-            <a:r>
-              <a:rPr lang="en-US" sz="2800" b="1" cap="small" dirty="0">
-                <a:gradFill flip="none" rotWithShape="1">
-                  <a:gsLst>
-                    <a:gs pos="0">
-                      <a:schemeClr val="tx1"/>
-                    </a:gs>
-                    <a:gs pos="100000">
-                      <a:schemeClr val="tx1">
-                        <a:lumMod val="75000"/>
-                      </a:schemeClr>
-                    </a:gs>
-                  </a:gsLst>
-                  <a:lin ang="5580000" scaled="0"/>
-                  <a:tileRect/>
-                </a:gradFill>
-                <a:effectLst>
-                  <a:glow rad="38100">
-                    <a:schemeClr val="bg1">
-                      <a:lumMod val="50000"/>
-                      <a:lumOff val="50000"/>
-                      <a:alpha val="20000"/>
-                    </a:schemeClr>
-                  </a:glow>
-                  <a:outerShdw blurRad="44450" dist="12700" dir="13860000" algn="tl" rotWithShape="0">
-                    <a:srgbClr val="000000">
-                      <a:alpha val="20000"/>
-                    </a:srgbClr>
-                  </a:outerShdw>
-                </a:effectLst>
-              </a:rPr>
-              <a:t> Queiroz</a:t>
+              <a:t>- Renan De Alencar Queiroz</a:t>
             </a:r>
             <a:br>
               <a:rPr lang="en-US" sz="2800" b="1" cap="small" dirty="0">
@@ -6341,73 +6247,7 @@
                   </a:outerShdw>
                 </a:effectLst>
               </a:rPr>
-              <a:t>- </a:t>
-            </a:r>
-            <a:r>
-              <a:rPr lang="en-US" sz="2800" b="1" cap="small" dirty="0" err="1">
-                <a:gradFill flip="none" rotWithShape="1">
-                  <a:gsLst>
-                    <a:gs pos="0">
-                      <a:schemeClr val="tx1"/>
-                    </a:gs>
-                    <a:gs pos="100000">
-                      <a:schemeClr val="tx1">
-                        <a:lumMod val="75000"/>
-                      </a:schemeClr>
-                    </a:gs>
-                  </a:gsLst>
-                  <a:lin ang="5580000" scaled="0"/>
-                  <a:tileRect/>
-                </a:gradFill>
-                <a:effectLst>
-                  <a:glow rad="38100">
-                    <a:schemeClr val="bg1">
-                      <a:lumMod val="50000"/>
-                      <a:lumOff val="50000"/>
-                      <a:alpha val="20000"/>
-                    </a:schemeClr>
-                  </a:glow>
-                  <a:outerShdw blurRad="44450" dist="12700" dir="13860000" algn="tl" rotWithShape="0">
-                    <a:srgbClr val="000000">
-                      <a:alpha val="20000"/>
-                    </a:srgbClr>
-                  </a:outerShdw>
-                </a:effectLst>
-              </a:rPr>
-              <a:t>Seulgi</a:t>
-            </a:r>
-            <a:r>
-              <a:rPr lang="en-US" sz="2800" b="1" cap="small" dirty="0">
-                <a:gradFill flip="none" rotWithShape="1">
-                  <a:gsLst>
-                    <a:gs pos="0">
-                      <a:schemeClr val="tx1"/>
-                    </a:gs>
-                    <a:gs pos="100000">
-                      <a:schemeClr val="tx1">
-                        <a:lumMod val="75000"/>
-                      </a:schemeClr>
-                    </a:gs>
-                  </a:gsLst>
-                  <a:lin ang="5580000" scaled="0"/>
-                  <a:tileRect/>
-                </a:gradFill>
-                <a:effectLst>
-                  <a:glow rad="38100">
-                    <a:schemeClr val="bg1">
-                      <a:lumMod val="50000"/>
-                      <a:lumOff val="50000"/>
-                      <a:alpha val="20000"/>
-                    </a:schemeClr>
-                  </a:glow>
-                  <a:outerShdw blurRad="44450" dist="12700" dir="13860000" algn="tl" rotWithShape="0">
-                    <a:srgbClr val="000000">
-                      <a:alpha val="20000"/>
-                    </a:srgbClr>
-                  </a:outerShdw>
-                </a:effectLst>
-              </a:rPr>
-              <a:t> Lee</a:t>
+              <a:t>- Seulgi Lee</a:t>
             </a:r>
             <a:endParaRPr lang="en-US" sz="2800" cap="small" dirty="0">
               <a:gradFill flip="none" rotWithShape="1">
@@ -6480,6 +6320,131 @@
           <a:chExt cx="0" cy="0"/>
         </a:xfrm>
       </p:grpSpPr>
+      <p:sp useBgFill="1">
+        <p:nvSpPr>
+          <p:cNvPr id="15" name="Rectangle 14">
+            <a:extLst>
+              <a:ext uri="{FF2B5EF4-FFF2-40B4-BE49-F238E27FC236}">
+                <a16:creationId xmlns:a16="http://schemas.microsoft.com/office/drawing/2014/main" id="{8BCFA5F4-1A8E-48F5-9209-7F24485B1D78}"/>
+              </a:ext>
+              <a:ext uri="{C183D7F6-B498-43B3-948B-1728B52AA6E4}">
+                <adec:decorative xmlns:adec="http://schemas.microsoft.com/office/drawing/2017/decorative" val="1"/>
+              </a:ext>
+            </a:extLst>
+          </p:cNvPr>
+          <p:cNvSpPr>
+            <a:spLocks noGrp="1" noRot="1" noChangeAspect="1" noMove="1" noResize="1" noEditPoints="1" noAdjustHandles="1" noChangeArrowheads="1" noChangeShapeType="1" noTextEdit="1"/>
+          </p:cNvSpPr>
+          <p:nvPr>
+            <p:extLst>
+              <p:ext uri="{386F3935-93C4-4BCD-93E2-E3B085C9AB24}">
+                <p16:designElem xmlns:p16="http://schemas.microsoft.com/office/powerpoint/2015/main" val="1"/>
+              </p:ext>
+            </p:extLst>
+          </p:nvPr>
+        </p:nvSpPr>
+        <p:spPr>
+          <a:xfrm>
+            <a:off x="0" y="0"/>
+            <a:ext cx="12192000" cy="6858000"/>
+          </a:xfrm>
+          <a:prstGeom prst="rect">
+            <a:avLst/>
+          </a:prstGeom>
+          <a:ln>
+            <a:noFill/>
+          </a:ln>
+        </p:spPr>
+        <p:style>
+          <a:lnRef idx="2">
+            <a:schemeClr val="accent1">
+              <a:shade val="50000"/>
+            </a:schemeClr>
+          </a:lnRef>
+          <a:fillRef idx="1">
+            <a:schemeClr val="accent1"/>
+          </a:fillRef>
+          <a:effectRef idx="0">
+            <a:schemeClr val="accent1"/>
+          </a:effectRef>
+          <a:fontRef idx="minor">
+            <a:schemeClr val="lt1"/>
+          </a:fontRef>
+        </p:style>
+        <p:txBody>
+          <a:bodyPr rtlCol="0" anchor="ctr"/>
+          <a:lstStyle/>
+          <a:p>
+            <a:pPr algn="ctr"/>
+            <a:endParaRPr lang="en-US"/>
+          </a:p>
+        </p:txBody>
+      </p:sp>
+      <p:sp>
+        <p:nvSpPr>
+          <p:cNvPr id="16" name="Rectangle 15">
+            <a:extLst>
+              <a:ext uri="{FF2B5EF4-FFF2-40B4-BE49-F238E27FC236}">
+                <a16:creationId xmlns:a16="http://schemas.microsoft.com/office/drawing/2014/main" id="{A8074621-AE44-40C4-8323-DF5185BC954E}"/>
+              </a:ext>
+              <a:ext uri="{C183D7F6-B498-43B3-948B-1728B52AA6E4}">
+                <adec:decorative xmlns:adec="http://schemas.microsoft.com/office/drawing/2017/decorative" val="1"/>
+              </a:ext>
+            </a:extLst>
+          </p:cNvPr>
+          <p:cNvSpPr>
+            <a:spLocks noGrp="1" noRot="1" noChangeAspect="1" noMove="1" noResize="1" noEditPoints="1" noAdjustHandles="1" noChangeArrowheads="1" noChangeShapeType="1" noTextEdit="1"/>
+          </p:cNvSpPr>
+          <p:nvPr>
+            <p:extLst>
+              <p:ext uri="{386F3935-93C4-4BCD-93E2-E3B085C9AB24}">
+                <p16:designElem xmlns:p16="http://schemas.microsoft.com/office/powerpoint/2015/main" val="1"/>
+              </p:ext>
+            </p:extLst>
+          </p:nvPr>
+        </p:nvSpPr>
+        <p:spPr>
+          <a:xfrm>
+            <a:off x="0" y="0"/>
+            <a:ext cx="12192000" cy="2053062"/>
+          </a:xfrm>
+          <a:prstGeom prst="rect">
+            <a:avLst/>
+          </a:prstGeom>
+          <a:solidFill>
+            <a:schemeClr val="bg2">
+              <a:lumMod val="75000"/>
+            </a:schemeClr>
+          </a:solidFill>
+          <a:ln>
+            <a:noFill/>
+          </a:ln>
+        </p:spPr>
+        <p:style>
+          <a:lnRef idx="2">
+            <a:schemeClr val="accent1">
+              <a:shade val="50000"/>
+            </a:schemeClr>
+          </a:lnRef>
+          <a:fillRef idx="1">
+            <a:schemeClr val="accent1"/>
+          </a:fillRef>
+          <a:effectRef idx="0">
+            <a:schemeClr val="accent1"/>
+          </a:effectRef>
+          <a:fontRef idx="minor">
+            <a:schemeClr val="lt1"/>
+          </a:fontRef>
+        </p:style>
+        <p:txBody>
+          <a:bodyPr rtlCol="0" anchor="ctr"/>
+          <a:lstStyle/>
+          <a:p>
+            <a:pPr algn="ctr"/>
+            <a:endParaRPr lang="en-US"/>
+          </a:p>
+        </p:txBody>
+      </p:sp>
       <p:sp>
         <p:nvSpPr>
           <p:cNvPr id="2" name="Title 1">
@@ -6498,110 +6463,44 @@
         </p:nvSpPr>
         <p:spPr>
           <a:xfrm>
-            <a:off x="0" y="767443"/>
-            <a:ext cx="12050486" cy="4931228"/>
+            <a:off x="2247900" y="486536"/>
+            <a:ext cx="7696199" cy="1079989"/>
           </a:xfrm>
         </p:spPr>
         <p:txBody>
-          <a:bodyPr>
+          <a:bodyPr vert="horz" lIns="91440" tIns="45720" rIns="91440" bIns="45720" rtlCol="0" anchor="ctr">
             <a:normAutofit/>
           </a:bodyPr>
           <a:lstStyle/>
           <a:p>
-            <a:pPr algn="l">
+            <a:pPr>
               <a:lnSpc>
                 <a:spcPct val="90000"/>
               </a:lnSpc>
             </a:pPr>
             <a:r>
-              <a:rPr lang="en-US" sz="2200" dirty="0"/>
-              <a:t>Develop a Hospital Management System to streamline and automate hospital operations.</a:t>
-            </a:r>
-            <a:br>
-              <a:rPr lang="en-US" sz="2200" dirty="0"/>
-            </a:br>
-            <a:r>
-              <a:rPr lang="en-US" sz="2200" dirty="0"/>
-              <a:t>	</a:t>
-            </a:r>
-            <a:br>
-              <a:rPr lang="en-US" sz="2200" dirty="0"/>
-            </a:br>
-            <a:r>
-              <a:rPr lang="en-US" sz="2200" b="1" dirty="0"/>
-              <a:t>Key functionalities include:</a:t>
-            </a:r>
-            <a:br>
-              <a:rPr lang="en-US" sz="2200" b="1" dirty="0"/>
-            </a:br>
-            <a:br>
-              <a:rPr lang="en-US" sz="2200" dirty="0"/>
-            </a:br>
-            <a:r>
-              <a:rPr lang="en-US" sz="2200" dirty="0"/>
-              <a:t>- Patient Management: Register and manage patient information.</a:t>
-            </a:r>
-            <a:br>
-              <a:rPr lang="en-US" sz="2200" dirty="0"/>
-            </a:br>
-            <a:br>
-              <a:rPr lang="en-US" sz="2200" dirty="0"/>
-            </a:br>
-            <a:r>
-              <a:rPr lang="en-US" sz="2200" dirty="0"/>
-              <a:t>- Appointment Scheduling: Schedule and manage appointments with doctors.</a:t>
-            </a:r>
-            <a:br>
-              <a:rPr lang="en-US" sz="2200" dirty="0"/>
-            </a:br>
-            <a:br>
-              <a:rPr lang="en-US" sz="2200" dirty="0"/>
-            </a:br>
-            <a:r>
-              <a:rPr lang="en-US" sz="2200" dirty="0"/>
-              <a:t>- Doctor Management: Track doctor availability, specialties, and schedules.</a:t>
-            </a:r>
-            <a:br>
-              <a:rPr lang="en-US" sz="2200" dirty="0"/>
-            </a:br>
-            <a:br>
-              <a:rPr lang="en-US" sz="2200" dirty="0"/>
-            </a:br>
-            <a:r>
-              <a:rPr lang="en-US" sz="2200" dirty="0"/>
-              <a:t>- Billing: Handle billing information and payment statuses.</a:t>
-            </a:r>
-            <a:br>
-              <a:rPr lang="en-US" sz="2200" dirty="0"/>
-            </a:br>
-            <a:br>
-              <a:rPr lang="en-US" sz="2200" dirty="0"/>
-            </a:br>
-            <a:r>
-              <a:rPr lang="en-US" sz="2200" dirty="0"/>
-              <a:t>- Medical Records management: Store patient medical history and treatment records.</a:t>
-            </a:r>
-          </a:p>
-        </p:txBody>
-      </p:sp>
-      <p:sp>
-        <p:nvSpPr>
-          <p:cNvPr id="3" name="Title 1">
+              <a:rPr lang="en-US" sz="3600" dirty="0"/>
+              <a:t>Project description</a:t>
+            </a:r>
+          </a:p>
+        </p:txBody>
+      </p:sp>
+      <p:sp>
+        <p:nvSpPr>
+          <p:cNvPr id="4" name="TextBox 3">
             <a:extLst>
               <a:ext uri="{FF2B5EF4-FFF2-40B4-BE49-F238E27FC236}">
-                <a16:creationId xmlns:a16="http://schemas.microsoft.com/office/drawing/2014/main" id="{BA562D3E-6719-18DB-15E6-3C2199551DE0}"/>
+                <a16:creationId xmlns:a16="http://schemas.microsoft.com/office/drawing/2014/main" id="{A308AFA8-EFCE-FCB7-187C-4949EC196A78}"/>
               </a:ext>
             </a:extLst>
           </p:cNvPr>
-          <p:cNvSpPr txBox="1">
-            <a:spLocks/>
-          </p:cNvSpPr>
+          <p:cNvSpPr txBox="1"/>
           <p:nvPr/>
         </p:nvSpPr>
         <p:spPr>
           <a:xfrm>
-            <a:off x="2231571" y="113145"/>
-            <a:ext cx="7696199" cy="1079989"/>
+            <a:off x="0" y="2053060"/>
+            <a:ext cx="12192000" cy="4804939"/>
           </a:xfrm>
           <a:prstGeom prst="rect">
             <a:avLst/>
@@ -6611,16 +6510,22 @@
           <a:bodyPr vert="horz" lIns="91440" tIns="45720" rIns="91440" bIns="45720" rtlCol="0" anchor="ctr">
             <a:normAutofit/>
           </a:bodyPr>
-          <a:lstStyle>
-            <a:lvl1pPr algn="ctr" defTabSz="457200" rtl="0" eaLnBrk="1" latinLnBrk="0" hangingPunct="1">
+          <a:lstStyle/>
+          <a:p>
+            <a:pPr>
               <a:spcBef>
-                <a:spcPct val="0"/>
+                <a:spcPct val="20000"/>
               </a:spcBef>
-              <a:buNone/>
-              <a:defRPr sz="4800" kern="1200" cap="all">
-                <a:ln w="3175" cmpd="sng">
-                  <a:noFill/>
-                </a:ln>
+              <a:spcAft>
+                <a:spcPts val="600"/>
+              </a:spcAft>
+              <a:buClr>
+                <a:schemeClr val="tx1"/>
+              </a:buClr>
+              <a:buSzPct val="100000"/>
+            </a:pPr>
+            <a:r>
+              <a:rPr lang="en-US" sz="2000" cap="small" dirty="0">
                 <a:gradFill flip="none" rotWithShape="1">
                   <a:gsLst>
                     <a:gs pos="0">
@@ -6628,7 +6533,7 @@
                     </a:gs>
                     <a:gs pos="100000">
                       <a:schemeClr val="tx1">
-                        <a:lumMod val="65000"/>
+                        <a:lumMod val="75000"/>
                       </a:schemeClr>
                     </a:gs>
                   </a:gsLst>
@@ -6638,112 +6543,642 @@
                 <a:effectLst>
                   <a:glow rad="38100">
                     <a:schemeClr val="bg1">
-                      <a:lumMod val="65000"/>
-                      <a:lumOff val="35000"/>
-                      <a:alpha val="50000"/>
+                      <a:lumMod val="50000"/>
+                      <a:lumOff val="50000"/>
+                      <a:alpha val="20000"/>
                     </a:schemeClr>
                   </a:glow>
-                  <a:outerShdw blurRad="28575" dist="31750" dir="13200000" algn="tl" rotWithShape="0">
+                  <a:outerShdw blurRad="44450" dist="12700" dir="13860000" algn="tl" rotWithShape="0">
                     <a:srgbClr val="000000">
-                      <a:alpha val="25000"/>
+                      <a:alpha val="20000"/>
                     </a:srgbClr>
                   </a:outerShdw>
                 </a:effectLst>
-                <a:latin typeface="+mj-lt"/>
-                <a:ea typeface="+mj-ea"/>
-                <a:cs typeface="+mj-cs"/>
-              </a:defRPr>
-            </a:lvl1pPr>
-            <a:lvl2pPr eaLnBrk="1" hangingPunct="1">
-              <a:defRPr>
-                <a:solidFill>
-                  <a:schemeClr val="tx2"/>
-                </a:solidFill>
-              </a:defRPr>
-            </a:lvl2pPr>
-            <a:lvl3pPr eaLnBrk="1" hangingPunct="1">
-              <a:defRPr>
-                <a:solidFill>
-                  <a:schemeClr val="tx2"/>
-                </a:solidFill>
-              </a:defRPr>
-            </a:lvl3pPr>
-            <a:lvl4pPr eaLnBrk="1" hangingPunct="1">
-              <a:defRPr>
-                <a:solidFill>
-                  <a:schemeClr val="tx2"/>
-                </a:solidFill>
-              </a:defRPr>
-            </a:lvl4pPr>
-            <a:lvl5pPr eaLnBrk="1" hangingPunct="1">
-              <a:defRPr>
-                <a:solidFill>
-                  <a:schemeClr val="tx2"/>
-                </a:solidFill>
-              </a:defRPr>
-            </a:lvl5pPr>
-            <a:lvl6pPr eaLnBrk="1" hangingPunct="1">
-              <a:defRPr>
-                <a:solidFill>
-                  <a:schemeClr val="tx2"/>
-                </a:solidFill>
-              </a:defRPr>
-            </a:lvl6pPr>
-            <a:lvl7pPr eaLnBrk="1" hangingPunct="1">
-              <a:defRPr>
-                <a:solidFill>
-                  <a:schemeClr val="tx2"/>
-                </a:solidFill>
-              </a:defRPr>
-            </a:lvl7pPr>
-            <a:lvl8pPr eaLnBrk="1" hangingPunct="1">
-              <a:defRPr>
-                <a:solidFill>
-                  <a:schemeClr val="tx2"/>
-                </a:solidFill>
-              </a:defRPr>
-            </a:lvl8pPr>
-            <a:lvl9pPr eaLnBrk="1" hangingPunct="1">
-              <a:defRPr>
-                <a:solidFill>
-                  <a:schemeClr val="tx2"/>
-                </a:solidFill>
-              </a:defRPr>
-            </a:lvl9pPr>
-          </a:lstStyle>
-          <a:p>
-            <a:pPr>
-              <a:lnSpc>
-                <a:spcPct val="90000"/>
-              </a:lnSpc>
-            </a:pPr>
-            <a:r>
-              <a:rPr lang="en-US" sz="3600" dirty="0"/>
-              <a:t>Project description</a:t>
-            </a:r>
-            <a:endParaRPr lang="en-US" sz="3600" dirty="0">
-              <a:effectLst>
-                <a:glow rad="38100">
-                  <a:schemeClr val="bg1">
-                    <a:lumMod val="65000"/>
-                    <a:lumOff val="35000"/>
-                    <a:alpha val="40000"/>
-                  </a:schemeClr>
-                </a:glow>
-                <a:outerShdw blurRad="28575" dist="38100" dir="14040000" algn="tl" rotWithShape="0">
-                  <a:srgbClr val="000000">
-                    <a:alpha val="25000"/>
-                  </a:srgbClr>
-                </a:outerShdw>
-              </a:effectLst>
-            </a:endParaRPr>
+              </a:rPr>
+              <a:t>Develop a Hospital Management System to streamline and automate hospital operations.</a:t>
+            </a:r>
+            <a:br>
+              <a:rPr lang="en-US" sz="2000" b="1" cap="small" dirty="0">
+                <a:gradFill flip="none" rotWithShape="1">
+                  <a:gsLst>
+                    <a:gs pos="0">
+                      <a:schemeClr val="tx1"/>
+                    </a:gs>
+                    <a:gs pos="100000">
+                      <a:schemeClr val="tx1">
+                        <a:lumMod val="75000"/>
+                      </a:schemeClr>
+                    </a:gs>
+                  </a:gsLst>
+                  <a:lin ang="5580000" scaled="0"/>
+                  <a:tileRect/>
+                </a:gradFill>
+                <a:effectLst>
+                  <a:glow rad="38100">
+                    <a:schemeClr val="bg1">
+                      <a:lumMod val="50000"/>
+                      <a:lumOff val="50000"/>
+                      <a:alpha val="20000"/>
+                    </a:schemeClr>
+                  </a:glow>
+                  <a:outerShdw blurRad="44450" dist="12700" dir="13860000" algn="tl" rotWithShape="0">
+                    <a:srgbClr val="000000">
+                      <a:alpha val="20000"/>
+                    </a:srgbClr>
+                  </a:outerShdw>
+                </a:effectLst>
+              </a:rPr>
+            </a:br>
+            <a:r>
+              <a:rPr lang="en-US" sz="2000" b="1" cap="small" dirty="0">
+                <a:gradFill flip="none" rotWithShape="1">
+                  <a:gsLst>
+                    <a:gs pos="0">
+                      <a:schemeClr val="tx1"/>
+                    </a:gs>
+                    <a:gs pos="100000">
+                      <a:schemeClr val="tx1">
+                        <a:lumMod val="75000"/>
+                      </a:schemeClr>
+                    </a:gs>
+                  </a:gsLst>
+                  <a:lin ang="5580000" scaled="0"/>
+                  <a:tileRect/>
+                </a:gradFill>
+                <a:effectLst>
+                  <a:glow rad="38100">
+                    <a:schemeClr val="bg1">
+                      <a:lumMod val="50000"/>
+                      <a:lumOff val="50000"/>
+                      <a:alpha val="20000"/>
+                    </a:schemeClr>
+                  </a:glow>
+                  <a:outerShdw blurRad="44450" dist="12700" dir="13860000" algn="tl" rotWithShape="0">
+                    <a:srgbClr val="000000">
+                      <a:alpha val="20000"/>
+                    </a:srgbClr>
+                  </a:outerShdw>
+                </a:effectLst>
+              </a:rPr>
+              <a:t>	</a:t>
+            </a:r>
+            <a:br>
+              <a:rPr lang="en-US" sz="2000" b="1" cap="small" dirty="0">
+                <a:gradFill flip="none" rotWithShape="1">
+                  <a:gsLst>
+                    <a:gs pos="0">
+                      <a:schemeClr val="tx1"/>
+                    </a:gs>
+                    <a:gs pos="100000">
+                      <a:schemeClr val="tx1">
+                        <a:lumMod val="75000"/>
+                      </a:schemeClr>
+                    </a:gs>
+                  </a:gsLst>
+                  <a:lin ang="5580000" scaled="0"/>
+                  <a:tileRect/>
+                </a:gradFill>
+                <a:effectLst>
+                  <a:glow rad="38100">
+                    <a:schemeClr val="bg1">
+                      <a:lumMod val="50000"/>
+                      <a:lumOff val="50000"/>
+                      <a:alpha val="20000"/>
+                    </a:schemeClr>
+                  </a:glow>
+                  <a:outerShdw blurRad="44450" dist="12700" dir="13860000" algn="tl" rotWithShape="0">
+                    <a:srgbClr val="000000">
+                      <a:alpha val="20000"/>
+                    </a:srgbClr>
+                  </a:outerShdw>
+                </a:effectLst>
+              </a:rPr>
+            </a:br>
+            <a:r>
+              <a:rPr lang="en-US" sz="2000" b="1" cap="small" dirty="0">
+                <a:gradFill flip="none" rotWithShape="1">
+                  <a:gsLst>
+                    <a:gs pos="0">
+                      <a:schemeClr val="tx1"/>
+                    </a:gs>
+                    <a:gs pos="100000">
+                      <a:schemeClr val="tx1">
+                        <a:lumMod val="75000"/>
+                      </a:schemeClr>
+                    </a:gs>
+                  </a:gsLst>
+                  <a:lin ang="5580000" scaled="0"/>
+                  <a:tileRect/>
+                </a:gradFill>
+                <a:effectLst>
+                  <a:glow rad="38100">
+                    <a:schemeClr val="bg1">
+                      <a:lumMod val="50000"/>
+                      <a:lumOff val="50000"/>
+                      <a:alpha val="20000"/>
+                    </a:schemeClr>
+                  </a:glow>
+                  <a:outerShdw blurRad="44450" dist="12700" dir="13860000" algn="tl" rotWithShape="0">
+                    <a:srgbClr val="000000">
+                      <a:alpha val="20000"/>
+                    </a:srgbClr>
+                  </a:outerShdw>
+                </a:effectLst>
+              </a:rPr>
+              <a:t>Key functionalities include:</a:t>
+            </a:r>
+            <a:br>
+              <a:rPr lang="en-US" sz="2000" b="1" cap="small" dirty="0">
+                <a:gradFill flip="none" rotWithShape="1">
+                  <a:gsLst>
+                    <a:gs pos="0">
+                      <a:schemeClr val="tx1"/>
+                    </a:gs>
+                    <a:gs pos="100000">
+                      <a:schemeClr val="tx1">
+                        <a:lumMod val="75000"/>
+                      </a:schemeClr>
+                    </a:gs>
+                  </a:gsLst>
+                  <a:lin ang="5580000" scaled="0"/>
+                  <a:tileRect/>
+                </a:gradFill>
+                <a:effectLst>
+                  <a:glow rad="38100">
+                    <a:schemeClr val="bg1">
+                      <a:lumMod val="50000"/>
+                      <a:lumOff val="50000"/>
+                      <a:alpha val="20000"/>
+                    </a:schemeClr>
+                  </a:glow>
+                  <a:outerShdw blurRad="44450" dist="12700" dir="13860000" algn="tl" rotWithShape="0">
+                    <a:srgbClr val="000000">
+                      <a:alpha val="20000"/>
+                    </a:srgbClr>
+                  </a:outerShdw>
+                </a:effectLst>
+              </a:rPr>
+            </a:br>
+            <a:br>
+              <a:rPr lang="en-US" sz="2000" b="1" cap="small" dirty="0">
+                <a:gradFill flip="none" rotWithShape="1">
+                  <a:gsLst>
+                    <a:gs pos="0">
+                      <a:schemeClr val="tx1"/>
+                    </a:gs>
+                    <a:gs pos="100000">
+                      <a:schemeClr val="tx1">
+                        <a:lumMod val="75000"/>
+                      </a:schemeClr>
+                    </a:gs>
+                  </a:gsLst>
+                  <a:lin ang="5580000" scaled="0"/>
+                  <a:tileRect/>
+                </a:gradFill>
+                <a:effectLst>
+                  <a:glow rad="38100">
+                    <a:schemeClr val="bg1">
+                      <a:lumMod val="50000"/>
+                      <a:lumOff val="50000"/>
+                      <a:alpha val="20000"/>
+                    </a:schemeClr>
+                  </a:glow>
+                  <a:outerShdw blurRad="44450" dist="12700" dir="13860000" algn="tl" rotWithShape="0">
+                    <a:srgbClr val="000000">
+                      <a:alpha val="20000"/>
+                    </a:srgbClr>
+                  </a:outerShdw>
+                </a:effectLst>
+              </a:rPr>
+            </a:br>
+            <a:r>
+              <a:rPr lang="en-US" sz="2000" cap="small" dirty="0">
+                <a:gradFill flip="none" rotWithShape="1">
+                  <a:gsLst>
+                    <a:gs pos="0">
+                      <a:schemeClr val="tx1"/>
+                    </a:gs>
+                    <a:gs pos="100000">
+                      <a:schemeClr val="tx1">
+                        <a:lumMod val="75000"/>
+                      </a:schemeClr>
+                    </a:gs>
+                  </a:gsLst>
+                  <a:lin ang="5580000" scaled="0"/>
+                  <a:tileRect/>
+                </a:gradFill>
+                <a:effectLst>
+                  <a:glow rad="38100">
+                    <a:schemeClr val="bg1">
+                      <a:lumMod val="50000"/>
+                      <a:lumOff val="50000"/>
+                      <a:alpha val="20000"/>
+                    </a:schemeClr>
+                  </a:glow>
+                  <a:outerShdw blurRad="44450" dist="12700" dir="13860000" algn="tl" rotWithShape="0">
+                    <a:srgbClr val="000000">
+                      <a:alpha val="20000"/>
+                    </a:srgbClr>
+                  </a:outerShdw>
+                </a:effectLst>
+              </a:rPr>
+              <a:t>- Patient Management: Register and manage patient information.</a:t>
+            </a:r>
+            <a:br>
+              <a:rPr lang="en-US" sz="2000" cap="small" dirty="0">
+                <a:gradFill flip="none" rotWithShape="1">
+                  <a:gsLst>
+                    <a:gs pos="0">
+                      <a:schemeClr val="tx1"/>
+                    </a:gs>
+                    <a:gs pos="100000">
+                      <a:schemeClr val="tx1">
+                        <a:lumMod val="75000"/>
+                      </a:schemeClr>
+                    </a:gs>
+                  </a:gsLst>
+                  <a:lin ang="5580000" scaled="0"/>
+                  <a:tileRect/>
+                </a:gradFill>
+                <a:effectLst>
+                  <a:glow rad="38100">
+                    <a:schemeClr val="bg1">
+                      <a:lumMod val="50000"/>
+                      <a:lumOff val="50000"/>
+                      <a:alpha val="20000"/>
+                    </a:schemeClr>
+                  </a:glow>
+                  <a:outerShdw blurRad="44450" dist="12700" dir="13860000" algn="tl" rotWithShape="0">
+                    <a:srgbClr val="000000">
+                      <a:alpha val="20000"/>
+                    </a:srgbClr>
+                  </a:outerShdw>
+                </a:effectLst>
+              </a:rPr>
+            </a:br>
+            <a:br>
+              <a:rPr lang="en-US" sz="2000" cap="small" dirty="0">
+                <a:gradFill flip="none" rotWithShape="1">
+                  <a:gsLst>
+                    <a:gs pos="0">
+                      <a:schemeClr val="tx1"/>
+                    </a:gs>
+                    <a:gs pos="100000">
+                      <a:schemeClr val="tx1">
+                        <a:lumMod val="75000"/>
+                      </a:schemeClr>
+                    </a:gs>
+                  </a:gsLst>
+                  <a:lin ang="5580000" scaled="0"/>
+                  <a:tileRect/>
+                </a:gradFill>
+                <a:effectLst>
+                  <a:glow rad="38100">
+                    <a:schemeClr val="bg1">
+                      <a:lumMod val="50000"/>
+                      <a:lumOff val="50000"/>
+                      <a:alpha val="20000"/>
+                    </a:schemeClr>
+                  </a:glow>
+                  <a:outerShdw blurRad="44450" dist="12700" dir="13860000" algn="tl" rotWithShape="0">
+                    <a:srgbClr val="000000">
+                      <a:alpha val="20000"/>
+                    </a:srgbClr>
+                  </a:outerShdw>
+                </a:effectLst>
+              </a:rPr>
+            </a:br>
+            <a:r>
+              <a:rPr lang="en-US" sz="2000" cap="small" dirty="0">
+                <a:gradFill flip="none" rotWithShape="1">
+                  <a:gsLst>
+                    <a:gs pos="0">
+                      <a:schemeClr val="tx1"/>
+                    </a:gs>
+                    <a:gs pos="100000">
+                      <a:schemeClr val="tx1">
+                        <a:lumMod val="75000"/>
+                      </a:schemeClr>
+                    </a:gs>
+                  </a:gsLst>
+                  <a:lin ang="5580000" scaled="0"/>
+                  <a:tileRect/>
+                </a:gradFill>
+                <a:effectLst>
+                  <a:glow rad="38100">
+                    <a:schemeClr val="bg1">
+                      <a:lumMod val="50000"/>
+                      <a:lumOff val="50000"/>
+                      <a:alpha val="20000"/>
+                    </a:schemeClr>
+                  </a:glow>
+                  <a:outerShdw blurRad="44450" dist="12700" dir="13860000" algn="tl" rotWithShape="0">
+                    <a:srgbClr val="000000">
+                      <a:alpha val="20000"/>
+                    </a:srgbClr>
+                  </a:outerShdw>
+                </a:effectLst>
+              </a:rPr>
+              <a:t>- Appointment Scheduling: Schedule and manage appointments with doctors.</a:t>
+            </a:r>
+            <a:br>
+              <a:rPr lang="en-US" sz="2000" cap="small" dirty="0">
+                <a:gradFill flip="none" rotWithShape="1">
+                  <a:gsLst>
+                    <a:gs pos="0">
+                      <a:schemeClr val="tx1"/>
+                    </a:gs>
+                    <a:gs pos="100000">
+                      <a:schemeClr val="tx1">
+                        <a:lumMod val="75000"/>
+                      </a:schemeClr>
+                    </a:gs>
+                  </a:gsLst>
+                  <a:lin ang="5580000" scaled="0"/>
+                  <a:tileRect/>
+                </a:gradFill>
+                <a:effectLst>
+                  <a:glow rad="38100">
+                    <a:schemeClr val="bg1">
+                      <a:lumMod val="50000"/>
+                      <a:lumOff val="50000"/>
+                      <a:alpha val="20000"/>
+                    </a:schemeClr>
+                  </a:glow>
+                  <a:outerShdw blurRad="44450" dist="12700" dir="13860000" algn="tl" rotWithShape="0">
+                    <a:srgbClr val="000000">
+                      <a:alpha val="20000"/>
+                    </a:srgbClr>
+                  </a:outerShdw>
+                </a:effectLst>
+              </a:rPr>
+            </a:br>
+            <a:br>
+              <a:rPr lang="en-US" sz="2000" cap="small" dirty="0">
+                <a:gradFill flip="none" rotWithShape="1">
+                  <a:gsLst>
+                    <a:gs pos="0">
+                      <a:schemeClr val="tx1"/>
+                    </a:gs>
+                    <a:gs pos="100000">
+                      <a:schemeClr val="tx1">
+                        <a:lumMod val="75000"/>
+                      </a:schemeClr>
+                    </a:gs>
+                  </a:gsLst>
+                  <a:lin ang="5580000" scaled="0"/>
+                  <a:tileRect/>
+                </a:gradFill>
+                <a:effectLst>
+                  <a:glow rad="38100">
+                    <a:schemeClr val="bg1">
+                      <a:lumMod val="50000"/>
+                      <a:lumOff val="50000"/>
+                      <a:alpha val="20000"/>
+                    </a:schemeClr>
+                  </a:glow>
+                  <a:outerShdw blurRad="44450" dist="12700" dir="13860000" algn="tl" rotWithShape="0">
+                    <a:srgbClr val="000000">
+                      <a:alpha val="20000"/>
+                    </a:srgbClr>
+                  </a:outerShdw>
+                </a:effectLst>
+              </a:rPr>
+            </a:br>
+            <a:r>
+              <a:rPr lang="en-US" sz="2000" cap="small" dirty="0">
+                <a:gradFill flip="none" rotWithShape="1">
+                  <a:gsLst>
+                    <a:gs pos="0">
+                      <a:schemeClr val="tx1"/>
+                    </a:gs>
+                    <a:gs pos="100000">
+                      <a:schemeClr val="tx1">
+                        <a:lumMod val="75000"/>
+                      </a:schemeClr>
+                    </a:gs>
+                  </a:gsLst>
+                  <a:lin ang="5580000" scaled="0"/>
+                  <a:tileRect/>
+                </a:gradFill>
+                <a:effectLst>
+                  <a:glow rad="38100">
+                    <a:schemeClr val="bg1">
+                      <a:lumMod val="50000"/>
+                      <a:lumOff val="50000"/>
+                      <a:alpha val="20000"/>
+                    </a:schemeClr>
+                  </a:glow>
+                  <a:outerShdw blurRad="44450" dist="12700" dir="13860000" algn="tl" rotWithShape="0">
+                    <a:srgbClr val="000000">
+                      <a:alpha val="20000"/>
+                    </a:srgbClr>
+                  </a:outerShdw>
+                </a:effectLst>
+              </a:rPr>
+              <a:t>- Doctor Management: Track doctor availability, specialties, and schedules.</a:t>
+            </a:r>
+            <a:br>
+              <a:rPr lang="en-US" sz="2000" cap="small" dirty="0">
+                <a:gradFill flip="none" rotWithShape="1">
+                  <a:gsLst>
+                    <a:gs pos="0">
+                      <a:schemeClr val="tx1"/>
+                    </a:gs>
+                    <a:gs pos="100000">
+                      <a:schemeClr val="tx1">
+                        <a:lumMod val="75000"/>
+                      </a:schemeClr>
+                    </a:gs>
+                  </a:gsLst>
+                  <a:lin ang="5580000" scaled="0"/>
+                  <a:tileRect/>
+                </a:gradFill>
+                <a:effectLst>
+                  <a:glow rad="38100">
+                    <a:schemeClr val="bg1">
+                      <a:lumMod val="50000"/>
+                      <a:lumOff val="50000"/>
+                      <a:alpha val="20000"/>
+                    </a:schemeClr>
+                  </a:glow>
+                  <a:outerShdw blurRad="44450" dist="12700" dir="13860000" algn="tl" rotWithShape="0">
+                    <a:srgbClr val="000000">
+                      <a:alpha val="20000"/>
+                    </a:srgbClr>
+                  </a:outerShdw>
+                </a:effectLst>
+              </a:rPr>
+            </a:br>
+            <a:br>
+              <a:rPr lang="en-US" sz="2000" cap="small" dirty="0">
+                <a:gradFill flip="none" rotWithShape="1">
+                  <a:gsLst>
+                    <a:gs pos="0">
+                      <a:schemeClr val="tx1"/>
+                    </a:gs>
+                    <a:gs pos="100000">
+                      <a:schemeClr val="tx1">
+                        <a:lumMod val="75000"/>
+                      </a:schemeClr>
+                    </a:gs>
+                  </a:gsLst>
+                  <a:lin ang="5580000" scaled="0"/>
+                  <a:tileRect/>
+                </a:gradFill>
+                <a:effectLst>
+                  <a:glow rad="38100">
+                    <a:schemeClr val="bg1">
+                      <a:lumMod val="50000"/>
+                      <a:lumOff val="50000"/>
+                      <a:alpha val="20000"/>
+                    </a:schemeClr>
+                  </a:glow>
+                  <a:outerShdw blurRad="44450" dist="12700" dir="13860000" algn="tl" rotWithShape="0">
+                    <a:srgbClr val="000000">
+                      <a:alpha val="20000"/>
+                    </a:srgbClr>
+                  </a:outerShdw>
+                </a:effectLst>
+              </a:rPr>
+            </a:br>
+            <a:r>
+              <a:rPr lang="en-US" sz="2000" cap="small" dirty="0">
+                <a:gradFill flip="none" rotWithShape="1">
+                  <a:gsLst>
+                    <a:gs pos="0">
+                      <a:schemeClr val="tx1"/>
+                    </a:gs>
+                    <a:gs pos="100000">
+                      <a:schemeClr val="tx1">
+                        <a:lumMod val="75000"/>
+                      </a:schemeClr>
+                    </a:gs>
+                  </a:gsLst>
+                  <a:lin ang="5580000" scaled="0"/>
+                  <a:tileRect/>
+                </a:gradFill>
+                <a:effectLst>
+                  <a:glow rad="38100">
+                    <a:schemeClr val="bg1">
+                      <a:lumMod val="50000"/>
+                      <a:lumOff val="50000"/>
+                      <a:alpha val="20000"/>
+                    </a:schemeClr>
+                  </a:glow>
+                  <a:outerShdw blurRad="44450" dist="12700" dir="13860000" algn="tl" rotWithShape="0">
+                    <a:srgbClr val="000000">
+                      <a:alpha val="20000"/>
+                    </a:srgbClr>
+                  </a:outerShdw>
+                </a:effectLst>
+              </a:rPr>
+              <a:t>- Billing: Handle billing information and payment statuses.</a:t>
+            </a:r>
+            <a:br>
+              <a:rPr lang="en-US" sz="2000" cap="small" dirty="0">
+                <a:gradFill flip="none" rotWithShape="1">
+                  <a:gsLst>
+                    <a:gs pos="0">
+                      <a:schemeClr val="tx1"/>
+                    </a:gs>
+                    <a:gs pos="100000">
+                      <a:schemeClr val="tx1">
+                        <a:lumMod val="75000"/>
+                      </a:schemeClr>
+                    </a:gs>
+                  </a:gsLst>
+                  <a:lin ang="5580000" scaled="0"/>
+                  <a:tileRect/>
+                </a:gradFill>
+                <a:effectLst>
+                  <a:glow rad="38100">
+                    <a:schemeClr val="bg1">
+                      <a:lumMod val="50000"/>
+                      <a:lumOff val="50000"/>
+                      <a:alpha val="20000"/>
+                    </a:schemeClr>
+                  </a:glow>
+                  <a:outerShdw blurRad="44450" dist="12700" dir="13860000" algn="tl" rotWithShape="0">
+                    <a:srgbClr val="000000">
+                      <a:alpha val="20000"/>
+                    </a:srgbClr>
+                  </a:outerShdw>
+                </a:effectLst>
+              </a:rPr>
+            </a:br>
+            <a:br>
+              <a:rPr lang="en-US" sz="2000" cap="small" dirty="0">
+                <a:gradFill flip="none" rotWithShape="1">
+                  <a:gsLst>
+                    <a:gs pos="0">
+                      <a:schemeClr val="tx1"/>
+                    </a:gs>
+                    <a:gs pos="100000">
+                      <a:schemeClr val="tx1">
+                        <a:lumMod val="75000"/>
+                      </a:schemeClr>
+                    </a:gs>
+                  </a:gsLst>
+                  <a:lin ang="5580000" scaled="0"/>
+                  <a:tileRect/>
+                </a:gradFill>
+                <a:effectLst>
+                  <a:glow rad="38100">
+                    <a:schemeClr val="bg1">
+                      <a:lumMod val="50000"/>
+                      <a:lumOff val="50000"/>
+                      <a:alpha val="20000"/>
+                    </a:schemeClr>
+                  </a:glow>
+                  <a:outerShdw blurRad="44450" dist="12700" dir="13860000" algn="tl" rotWithShape="0">
+                    <a:srgbClr val="000000">
+                      <a:alpha val="20000"/>
+                    </a:srgbClr>
+                  </a:outerShdw>
+                </a:effectLst>
+              </a:rPr>
+            </a:br>
+            <a:r>
+              <a:rPr lang="en-US" sz="2000" cap="small" dirty="0">
+                <a:gradFill flip="none" rotWithShape="1">
+                  <a:gsLst>
+                    <a:gs pos="0">
+                      <a:schemeClr val="tx1"/>
+                    </a:gs>
+                    <a:gs pos="100000">
+                      <a:schemeClr val="tx1">
+                        <a:lumMod val="75000"/>
+                      </a:schemeClr>
+                    </a:gs>
+                  </a:gsLst>
+                  <a:lin ang="5580000" scaled="0"/>
+                  <a:tileRect/>
+                </a:gradFill>
+                <a:effectLst>
+                  <a:glow rad="38100">
+                    <a:schemeClr val="bg1">
+                      <a:lumMod val="50000"/>
+                      <a:lumOff val="50000"/>
+                      <a:alpha val="20000"/>
+                    </a:schemeClr>
+                  </a:glow>
+                  <a:outerShdw blurRad="44450" dist="12700" dir="13860000" algn="tl" rotWithShape="0">
+                    <a:srgbClr val="000000">
+                      <a:alpha val="20000"/>
+                    </a:srgbClr>
+                  </a:outerShdw>
+                </a:effectLst>
+              </a:rPr>
+              <a:t>- Medical Records management: Store patient medical history and treatment records.</a:t>
+            </a:r>
           </a:p>
         </p:txBody>
       </p:sp>
     </p:spTree>
     <p:extLst>
       <p:ext uri="{BB962C8B-B14F-4D97-AF65-F5344CB8AC3E}">
-        <p14:creationId xmlns:p14="http://schemas.microsoft.com/office/powerpoint/2010/main" val="2233061911"/>
+        <p14:creationId xmlns:p14="http://schemas.microsoft.com/office/powerpoint/2010/main" val="1965650058"/>
       </p:ext>
     </p:extLst>
   </p:cSld>
@@ -6840,7 +7275,7 @@
         </p:nvSpPr>
         <p:spPr>
           <a:xfrm>
-            <a:off x="138791" y="1047380"/>
+            <a:off x="0" y="2903074"/>
             <a:ext cx="12053209" cy="2031325"/>
           </a:xfrm>
           <a:prstGeom prst="rect">
@@ -6918,7 +7353,7 @@
         </p:nvSpPr>
         <p:spPr>
           <a:xfrm>
-            <a:off x="138791" y="3256972"/>
+            <a:off x="0" y="5112666"/>
             <a:ext cx="12053208" cy="1477328"/>
           </a:xfrm>
           <a:prstGeom prst="rect">
@@ -6990,7 +7425,7 @@
         </p:nvSpPr>
         <p:spPr>
           <a:xfrm>
-            <a:off x="138791" y="5189565"/>
+            <a:off x="0" y="1122747"/>
             <a:ext cx="10164539" cy="1477328"/>
           </a:xfrm>
           <a:prstGeom prst="rect">
@@ -7005,16 +7440,12 @@
           <a:lstStyle/>
           <a:p>
             <a:r>
-              <a:rPr lang="en-US" b="1" dirty="0" err="1"/>
+              <a:rPr lang="en-US" b="1" dirty="0"/>
               <a:t>S</a:t>
             </a:r>
             <a:r>
-              <a:rPr lang="en-US" sz="1800" b="1" dirty="0" err="1"/>
-              <a:t>eulgi</a:t>
-            </a:r>
-            <a:r>
               <a:rPr lang="en-US" sz="1800" b="1" dirty="0"/>
-              <a:t> Lee: Data Insertion and Business Reports</a:t>
+              <a:t>eulgi Lee: Data Insertion and Business Reports</a:t>
             </a:r>
             <a:br>
               <a:rPr lang="en-US" sz="1800" b="1" dirty="0"/>
@@ -7104,35 +7535,42 @@
         </p:nvSpPr>
         <p:spPr>
           <a:xfrm>
-            <a:off x="1249136" y="1175657"/>
-            <a:ext cx="9693728" cy="816427"/>
+            <a:off x="1249136" y="84960"/>
+            <a:ext cx="9693728" cy="734788"/>
           </a:xfrm>
         </p:spPr>
         <p:txBody>
           <a:bodyPr>
-            <a:normAutofit fontScale="90000"/>
+            <a:normAutofit/>
           </a:bodyPr>
           <a:lstStyle/>
           <a:p>
-            <a:pPr algn="l">
+            <a:pPr>
               <a:lnSpc>
                 <a:spcPct val="90000"/>
               </a:lnSpc>
             </a:pPr>
             <a:r>
-              <a:rPr lang="en-US" sz="4400" dirty="0"/>
-              <a:t>Contribution of Group Members</a:t>
-            </a:r>
-            <a:endParaRPr lang="en-US" sz="3200" dirty="0"/>
-          </a:p>
-        </p:txBody>
-      </p:sp>
-      <p:sp>
-        <p:nvSpPr>
-          <p:cNvPr id="3" name="TextBox 2">
+              <a:rPr lang="en-US" sz="3600" dirty="0"/>
+              <a:t>Overview of the Database Design</a:t>
+            </a:r>
+            <a:endParaRPr lang="en-US" sz="3600" dirty="0">
+              <a:solidFill>
+                <a:schemeClr val="tx1"/>
+              </a:solidFill>
+              <a:latin typeface="+mn-lt"/>
+              <a:ea typeface="+mn-ea"/>
+              <a:cs typeface="+mn-cs"/>
+            </a:endParaRPr>
+          </a:p>
+        </p:txBody>
+      </p:sp>
+      <p:sp>
+        <p:nvSpPr>
+          <p:cNvPr id="5" name="TextBox 4">
             <a:extLst>
               <a:ext uri="{FF2B5EF4-FFF2-40B4-BE49-F238E27FC236}">
-                <a16:creationId xmlns:a16="http://schemas.microsoft.com/office/drawing/2014/main" id="{D3CA3A59-EAAC-8C05-7BBF-B9974093B909}"/>
+                <a16:creationId xmlns:a16="http://schemas.microsoft.com/office/drawing/2014/main" id="{17775D0D-9290-2A03-6535-71B49C9523AD}"/>
               </a:ext>
             </a:extLst>
           </p:cNvPr>
@@ -7141,8 +7579,8 @@
         </p:nvSpPr>
         <p:spPr>
           <a:xfrm>
-            <a:off x="1249136" y="2024742"/>
-            <a:ext cx="9693727" cy="1754326"/>
+            <a:off x="1" y="1276756"/>
+            <a:ext cx="7592784" cy="3693319"/>
           </a:xfrm>
           <a:prstGeom prst="rect">
             <a:avLst/>
@@ -7156,57 +7594,104 @@
           <a:lstStyle/>
           <a:p>
             <a:r>
-              <a:rPr lang="en-US" sz="1800" b="1" dirty="0"/>
-              <a:t>Renan Queiroz:</a:t>
-            </a:r>
-            <a:r>
-              <a:rPr lang="en-US" sz="1800" dirty="0"/>
-              <a:t> Testing, Presentation, and Final Submission</a:t>
-            </a:r>
-            <a:br>
-              <a:rPr lang="en-US" sz="1800" dirty="0"/>
-            </a:br>
-            <a:r>
-              <a:rPr lang="en-US" sz="1800" dirty="0"/>
-              <a:t>- Execute all SQL scripts and verify data integrity and relationships between tables.</a:t>
-            </a:r>
-            <a:br>
-              <a:rPr lang="en-US" sz="1800" dirty="0"/>
-            </a:br>
-            <a:r>
-              <a:rPr lang="en-US" sz="1800" dirty="0"/>
-              <a:t>- Create a presentation describing:</a:t>
-            </a:r>
-            <a:r>
               <a:rPr lang="en-US" dirty="0"/>
-              <a:t> </a:t>
-            </a:r>
-            <a:r>
-              <a:rPr lang="en-US" sz="1800" dirty="0"/>
-              <a:t>Problem statement and project description.</a:t>
-            </a:r>
-            <a:br>
-              <a:rPr lang="en-US" sz="1800" dirty="0"/>
-            </a:br>
-            <a:r>
-              <a:rPr lang="en-US" sz="1800" dirty="0"/>
-              <a:t>- Compile the main Word document with all updates and changes based on feedback.</a:t>
-            </a:r>
-            <a:br>
-              <a:rPr lang="en-US" sz="1800" dirty="0"/>
-            </a:br>
-            <a:r>
-              <a:rPr lang="en-US" sz="1800" dirty="0"/>
-              <a:t>- Include all required elements: ERD, normalization (3NF), SQL scripts, business reports, and testing scenarios.</a:t>
-            </a:r>
-            <a:endParaRPr lang="en-US" dirty="0"/>
-          </a:p>
-        </p:txBody>
-      </p:sp>
+              <a:t>The Hospital Management System database consists of several interconnected tables to efficiently manage hospital operations:</a:t>
+            </a:r>
+          </a:p>
+          <a:p>
+            <a:pPr marL="285750" indent="-285750">
+              <a:buFontTx/>
+              <a:buChar char="-"/>
+            </a:pPr>
+            <a:r>
+              <a:rPr lang="en-US" dirty="0"/>
+              <a:t>The Patients table stores personal and contact information of patients. </a:t>
+            </a:r>
+          </a:p>
+          <a:p>
+            <a:pPr marL="285750" indent="-285750">
+              <a:buFontTx/>
+              <a:buChar char="-"/>
+            </a:pPr>
+            <a:r>
+              <a:rPr lang="en-US" dirty="0"/>
+              <a:t>The Doctors table holds professional details of doctors. </a:t>
+            </a:r>
+          </a:p>
+          <a:p>
+            <a:pPr marL="285750" indent="-285750">
+              <a:buFontTx/>
+              <a:buChar char="-"/>
+            </a:pPr>
+            <a:r>
+              <a:rPr lang="en-US" dirty="0"/>
+              <a:t>The Appointments table manages patient-doctor appointments, linking to the Patients and Doctors tables through foreign keys. </a:t>
+            </a:r>
+          </a:p>
+          <a:p>
+            <a:pPr marL="285750" indent="-285750">
+              <a:buFontTx/>
+              <a:buChar char="-"/>
+            </a:pPr>
+            <a:r>
+              <a:rPr lang="en-US" dirty="0"/>
+              <a:t>The Records table stores medical visit details, including diagnosis and treatment, also linked to Patients and Doctors. </a:t>
+            </a:r>
+          </a:p>
+          <a:p>
+            <a:pPr marL="285750" indent="-285750">
+              <a:buFontTx/>
+              <a:buChar char="-"/>
+            </a:pPr>
+            <a:r>
+              <a:rPr lang="en-US" dirty="0"/>
+              <a:t>The Billing table handles billing information, associating appointments with payment details and patient information. </a:t>
+            </a:r>
+          </a:p>
+          <a:p>
+            <a:pPr marL="285750" indent="-285750">
+              <a:buFontTx/>
+              <a:buChar char="-"/>
+            </a:pPr>
+            <a:r>
+              <a:rPr lang="en-US" dirty="0"/>
+              <a:t>The Doctors_Schedules table manages doctors' availability. </a:t>
+            </a:r>
+          </a:p>
+        </p:txBody>
+      </p:sp>
+      <p:pic>
+        <p:nvPicPr>
+          <p:cNvPr id="7" name="Picture 1" descr="A diagram of a patient schedule&#10;&#10;Description automatically generated with medium confidence">
+            <a:extLst>
+              <a:ext uri="{FF2B5EF4-FFF2-40B4-BE49-F238E27FC236}">
+                <a16:creationId xmlns:a16="http://schemas.microsoft.com/office/drawing/2014/main" id="{28E19077-FD26-4289-B978-10342C8B6E0F}"/>
+              </a:ext>
+            </a:extLst>
+          </p:cNvPr>
+          <p:cNvPicPr/>
+          <p:nvPr/>
+        </p:nvPicPr>
+        <p:blipFill>
+          <a:blip r:embed="rId2"/>
+          <a:stretch>
+            <a:fillRect/>
+          </a:stretch>
+        </p:blipFill>
+        <p:spPr>
+          <a:xfrm>
+            <a:off x="7592785" y="1352231"/>
+            <a:ext cx="4504925" cy="3605251"/>
+          </a:xfrm>
+          <a:prstGeom prst="rect">
+            <a:avLst/>
+          </a:prstGeom>
+        </p:spPr>
+      </p:pic>
     </p:spTree>
     <p:extLst>
       <p:ext uri="{BB962C8B-B14F-4D97-AF65-F5344CB8AC3E}">
-        <p14:creationId xmlns:p14="http://schemas.microsoft.com/office/powerpoint/2010/main" val="1889528979"/>
+        <p14:creationId xmlns:p14="http://schemas.microsoft.com/office/powerpoint/2010/main" val="239280088"/>
       </p:ext>
     </p:extLst>
   </p:cSld>
@@ -7241,131 +7726,6 @@
           <a:chExt cx="0" cy="0"/>
         </a:xfrm>
       </p:grpSpPr>
-      <p:sp useBgFill="1">
-        <p:nvSpPr>
-          <p:cNvPr id="15" name="Rectangle 14">
-            <a:extLst>
-              <a:ext uri="{FF2B5EF4-FFF2-40B4-BE49-F238E27FC236}">
-                <a16:creationId xmlns:a16="http://schemas.microsoft.com/office/drawing/2014/main" id="{8BCFA5F4-1A8E-48F5-9209-7F24485B1D78}"/>
-              </a:ext>
-              <a:ext uri="{C183D7F6-B498-43B3-948B-1728B52AA6E4}">
-                <adec:decorative xmlns:adec="http://schemas.microsoft.com/office/drawing/2017/decorative" val="1"/>
-              </a:ext>
-            </a:extLst>
-          </p:cNvPr>
-          <p:cNvSpPr>
-            <a:spLocks noGrp="1" noRot="1" noChangeAspect="1" noMove="1" noResize="1" noEditPoints="1" noAdjustHandles="1" noChangeArrowheads="1" noChangeShapeType="1" noTextEdit="1"/>
-          </p:cNvSpPr>
-          <p:nvPr>
-            <p:extLst>
-              <p:ext uri="{386F3935-93C4-4BCD-93E2-E3B085C9AB24}">
-                <p16:designElem xmlns:p16="http://schemas.microsoft.com/office/powerpoint/2015/main" val="1"/>
-              </p:ext>
-            </p:extLst>
-          </p:nvPr>
-        </p:nvSpPr>
-        <p:spPr>
-          <a:xfrm>
-            <a:off x="0" y="0"/>
-            <a:ext cx="12192000" cy="6858000"/>
-          </a:xfrm>
-          <a:prstGeom prst="rect">
-            <a:avLst/>
-          </a:prstGeom>
-          <a:ln>
-            <a:noFill/>
-          </a:ln>
-        </p:spPr>
-        <p:style>
-          <a:lnRef idx="2">
-            <a:schemeClr val="accent1">
-              <a:shade val="50000"/>
-            </a:schemeClr>
-          </a:lnRef>
-          <a:fillRef idx="1">
-            <a:schemeClr val="accent1"/>
-          </a:fillRef>
-          <a:effectRef idx="0">
-            <a:schemeClr val="accent1"/>
-          </a:effectRef>
-          <a:fontRef idx="minor">
-            <a:schemeClr val="lt1"/>
-          </a:fontRef>
-        </p:style>
-        <p:txBody>
-          <a:bodyPr rtlCol="0" anchor="ctr"/>
-          <a:lstStyle/>
-          <a:p>
-            <a:pPr algn="ctr"/>
-            <a:endParaRPr lang="en-US"/>
-          </a:p>
-        </p:txBody>
-      </p:sp>
-      <p:sp>
-        <p:nvSpPr>
-          <p:cNvPr id="16" name="Rectangle 15">
-            <a:extLst>
-              <a:ext uri="{FF2B5EF4-FFF2-40B4-BE49-F238E27FC236}">
-                <a16:creationId xmlns:a16="http://schemas.microsoft.com/office/drawing/2014/main" id="{A8074621-AE44-40C4-8323-DF5185BC954E}"/>
-              </a:ext>
-              <a:ext uri="{C183D7F6-B498-43B3-948B-1728B52AA6E4}">
-                <adec:decorative xmlns:adec="http://schemas.microsoft.com/office/drawing/2017/decorative" val="1"/>
-              </a:ext>
-            </a:extLst>
-          </p:cNvPr>
-          <p:cNvSpPr>
-            <a:spLocks noGrp="1" noRot="1" noChangeAspect="1" noMove="1" noResize="1" noEditPoints="1" noAdjustHandles="1" noChangeArrowheads="1" noChangeShapeType="1" noTextEdit="1"/>
-          </p:cNvSpPr>
-          <p:nvPr>
-            <p:extLst>
-              <p:ext uri="{386F3935-93C4-4BCD-93E2-E3B085C9AB24}">
-                <p16:designElem xmlns:p16="http://schemas.microsoft.com/office/powerpoint/2015/main" val="1"/>
-              </p:ext>
-            </p:extLst>
-          </p:nvPr>
-        </p:nvSpPr>
-        <p:spPr>
-          <a:xfrm>
-            <a:off x="0" y="0"/>
-            <a:ext cx="12192000" cy="2053062"/>
-          </a:xfrm>
-          <a:prstGeom prst="rect">
-            <a:avLst/>
-          </a:prstGeom>
-          <a:solidFill>
-            <a:schemeClr val="bg2">
-              <a:lumMod val="75000"/>
-            </a:schemeClr>
-          </a:solidFill>
-          <a:ln>
-            <a:noFill/>
-          </a:ln>
-        </p:spPr>
-        <p:style>
-          <a:lnRef idx="2">
-            <a:schemeClr val="accent1">
-              <a:shade val="50000"/>
-            </a:schemeClr>
-          </a:lnRef>
-          <a:fillRef idx="1">
-            <a:schemeClr val="accent1"/>
-          </a:fillRef>
-          <a:effectRef idx="0">
-            <a:schemeClr val="accent1"/>
-          </a:effectRef>
-          <a:fontRef idx="minor">
-            <a:schemeClr val="lt1"/>
-          </a:fontRef>
-        </p:style>
-        <p:txBody>
-          <a:bodyPr rtlCol="0" anchor="ctr"/>
-          <a:lstStyle/>
-          <a:p>
-            <a:pPr algn="ctr"/>
-            <a:endParaRPr lang="en-US"/>
-          </a:p>
-        </p:txBody>
-      </p:sp>
       <p:sp>
         <p:nvSpPr>
           <p:cNvPr id="2" name="Title 1">
@@ -7384,49 +7744,42 @@
         </p:nvSpPr>
         <p:spPr>
           <a:xfrm>
-            <a:off x="1141413" y="643467"/>
-            <a:ext cx="7696199" cy="1079989"/>
+            <a:off x="1249136" y="84960"/>
+            <a:ext cx="9693728" cy="734788"/>
           </a:xfrm>
         </p:spPr>
         <p:txBody>
-          <a:bodyPr vert="horz" lIns="91440" tIns="45720" rIns="91440" bIns="45720" rtlCol="0" anchor="ctr">
+          <a:bodyPr>
             <a:normAutofit/>
           </a:bodyPr>
           <a:lstStyle/>
           <a:p>
-            <a:pPr algn="l">
+            <a:pPr>
               <a:lnSpc>
                 <a:spcPct val="90000"/>
               </a:lnSpc>
             </a:pPr>
             <a:r>
-              <a:rPr lang="en-US" sz="3600">
-                <a:effectLst>
-                  <a:glow rad="38100">
-                    <a:schemeClr val="bg1">
-                      <a:lumMod val="65000"/>
-                      <a:lumOff val="35000"/>
-                      <a:alpha val="40000"/>
-                    </a:schemeClr>
-                  </a:glow>
-                  <a:outerShdw blurRad="28575" dist="38100" dir="14040000" algn="tl" rotWithShape="0">
-                    <a:srgbClr val="000000">
-                      <a:alpha val="25000"/>
-                    </a:srgbClr>
-                  </a:outerShdw>
-                </a:effectLst>
-              </a:rPr>
-              <a:t>Contribution of Group Members</a:t>
-            </a:r>
-          </a:p>
-        </p:txBody>
-      </p:sp>
-      <p:sp>
-        <p:nvSpPr>
-          <p:cNvPr id="4" name="TextBox 3">
+              <a:rPr lang="en-US" sz="3600" dirty="0"/>
+              <a:t>Overview of the Database Design</a:t>
+            </a:r>
+            <a:endParaRPr lang="en-US" sz="3600" dirty="0">
+              <a:solidFill>
+                <a:schemeClr val="tx1"/>
+              </a:solidFill>
+              <a:latin typeface="+mn-lt"/>
+              <a:ea typeface="+mn-ea"/>
+              <a:cs typeface="+mn-cs"/>
+            </a:endParaRPr>
+          </a:p>
+        </p:txBody>
+      </p:sp>
+      <p:sp>
+        <p:nvSpPr>
+          <p:cNvPr id="5" name="TextBox 4">
             <a:extLst>
               <a:ext uri="{FF2B5EF4-FFF2-40B4-BE49-F238E27FC236}">
-                <a16:creationId xmlns:a16="http://schemas.microsoft.com/office/drawing/2014/main" id="{A308AFA8-EFCE-FCB7-187C-4949EC196A78}"/>
+                <a16:creationId xmlns:a16="http://schemas.microsoft.com/office/drawing/2014/main" id="{17775D0D-9290-2A03-6535-71B49C9523AD}"/>
               </a:ext>
             </a:extLst>
           </p:cNvPr>
@@ -7435,333 +7788,129 @@
         </p:nvSpPr>
         <p:spPr>
           <a:xfrm>
-            <a:off x="1141413" y="2374795"/>
-            <a:ext cx="7696199" cy="3416406"/>
+            <a:off x="94290" y="1305341"/>
+            <a:ext cx="7261411" cy="4247317"/>
+          </a:xfrm>
+          <a:prstGeom prst="rect">
+            <a:avLst/>
+          </a:prstGeom>
+          <a:noFill/>
+        </p:spPr>
+        <p:txBody>
+          <a:bodyPr wrap="square" rtlCol="0">
+            <a:spAutoFit/>
+          </a:bodyPr>
+          <a:lstStyle/>
+          <a:p>
+            <a:r>
+              <a:rPr lang="en-US" dirty="0"/>
+              <a:t>Relationships Overview: </a:t>
+            </a:r>
+          </a:p>
+          <a:p>
+            <a:pPr marL="285750" indent="-285750">
+              <a:buFontTx/>
+              <a:buChar char="-"/>
+            </a:pPr>
+            <a:r>
+              <a:rPr lang="en-US" dirty="0"/>
+              <a:t>Patients and Appointments: One patient can have multiple appointments.</a:t>
+            </a:r>
+          </a:p>
+          <a:p>
+            <a:pPr marL="285750" indent="-285750">
+              <a:buFontTx/>
+              <a:buChar char="-"/>
+            </a:pPr>
+            <a:r>
+              <a:rPr lang="en-US" dirty="0"/>
+              <a:t>Doctors and Appointments: One doctor can have multiple appointments.</a:t>
+            </a:r>
+          </a:p>
+          <a:p>
+            <a:pPr marL="285750" indent="-285750">
+              <a:buFontTx/>
+              <a:buChar char="-"/>
+            </a:pPr>
+            <a:r>
+              <a:rPr lang="en-US" dirty="0"/>
+              <a:t>Patients and Records: One patient can have multiple medical records.</a:t>
+            </a:r>
+          </a:p>
+          <a:p>
+            <a:pPr marL="285750" indent="-285750">
+              <a:buFontTx/>
+              <a:buChar char="-"/>
+            </a:pPr>
+            <a:r>
+              <a:rPr lang="en-US" dirty="0"/>
+              <a:t>Doctors and Records: One doctor can have multiple medical records.</a:t>
+            </a:r>
+          </a:p>
+          <a:p>
+            <a:pPr marL="285750" indent="-285750">
+              <a:buFontTx/>
+              <a:buChar char="-"/>
+            </a:pPr>
+            <a:r>
+              <a:rPr lang="en-US" dirty="0"/>
+              <a:t>Patients and Billing: One patient can have multiple billing records.</a:t>
+            </a:r>
+          </a:p>
+          <a:p>
+            <a:pPr marL="285750" indent="-285750">
+              <a:buFontTx/>
+              <a:buChar char="-"/>
+            </a:pPr>
+            <a:r>
+              <a:rPr lang="en-US" dirty="0"/>
+              <a:t>Appointments and Billing: One appointment can have one billing record.</a:t>
+            </a:r>
+          </a:p>
+          <a:p>
+            <a:pPr marL="285750" indent="-285750">
+              <a:buFontTx/>
+              <a:buChar char="-"/>
+            </a:pPr>
+            <a:r>
+              <a:rPr lang="en-US" dirty="0"/>
+              <a:t>Doctors and Doctors_Schedules: One doctor can have multiple schedule entries.</a:t>
+            </a:r>
+          </a:p>
+        </p:txBody>
+      </p:sp>
+      <p:pic>
+        <p:nvPicPr>
+          <p:cNvPr id="7" name="Picture 1" descr="A diagram of a patient schedule&#10;&#10;Description automatically generated with medium confidence">
+            <a:extLst>
+              <a:ext uri="{FF2B5EF4-FFF2-40B4-BE49-F238E27FC236}">
+                <a16:creationId xmlns:a16="http://schemas.microsoft.com/office/drawing/2014/main" id="{28E19077-FD26-4289-B978-10342C8B6E0F}"/>
+              </a:ext>
+            </a:extLst>
+          </p:cNvPr>
+          <p:cNvPicPr/>
+          <p:nvPr/>
+        </p:nvPicPr>
+        <p:blipFill>
+          <a:blip r:embed="rId2"/>
+          <a:stretch>
+            <a:fillRect/>
+          </a:stretch>
+        </p:blipFill>
+        <p:spPr>
+          <a:xfrm>
+            <a:off x="7592785" y="1352231"/>
+            <a:ext cx="4504925" cy="3605251"/>
           </a:xfrm>
           <a:prstGeom prst="rect">
             <a:avLst/>
           </a:prstGeom>
         </p:spPr>
-        <p:txBody>
-          <a:bodyPr vert="horz" lIns="91440" tIns="45720" rIns="91440" bIns="45720" rtlCol="0" anchor="ctr">
-            <a:normAutofit/>
-          </a:bodyPr>
-          <a:lstStyle/>
-          <a:p>
-            <a:pPr>
-              <a:spcBef>
-                <a:spcPct val="20000"/>
-              </a:spcBef>
-              <a:spcAft>
-                <a:spcPts val="600"/>
-              </a:spcAft>
-              <a:buClr>
-                <a:schemeClr val="tx1"/>
-              </a:buClr>
-              <a:buSzPct val="100000"/>
-              <a:buFont typeface="Arial"/>
-              <a:buChar char="•"/>
-            </a:pPr>
-            <a:r>
-              <a:rPr lang="en-US" b="1" cap="small">
-                <a:gradFill flip="none" rotWithShape="1">
-                  <a:gsLst>
-                    <a:gs pos="0">
-                      <a:schemeClr val="tx1"/>
-                    </a:gs>
-                    <a:gs pos="100000">
-                      <a:schemeClr val="tx1">
-                        <a:lumMod val="75000"/>
-                      </a:schemeClr>
-                    </a:gs>
-                  </a:gsLst>
-                  <a:lin ang="5580000" scaled="0"/>
-                  <a:tileRect/>
-                </a:gradFill>
-                <a:effectLst>
-                  <a:glow rad="38100">
-                    <a:schemeClr val="bg1">
-                      <a:lumMod val="50000"/>
-                      <a:lumOff val="50000"/>
-                      <a:alpha val="20000"/>
-                    </a:schemeClr>
-                  </a:glow>
-                  <a:outerShdw blurRad="44450" dist="12700" dir="13860000" algn="tl" rotWithShape="0">
-                    <a:srgbClr val="000000">
-                      <a:alpha val="20000"/>
-                    </a:srgbClr>
-                  </a:outerShdw>
-                </a:effectLst>
-              </a:rPr>
-              <a:t>Seulgi Lee: Data Insertion and Business Reports</a:t>
-            </a:r>
-            <a:br>
-              <a:rPr lang="en-US" b="1" cap="small">
-                <a:gradFill flip="none" rotWithShape="1">
-                  <a:gsLst>
-                    <a:gs pos="0">
-                      <a:schemeClr val="tx1"/>
-                    </a:gs>
-                    <a:gs pos="100000">
-                      <a:schemeClr val="tx1">
-                        <a:lumMod val="75000"/>
-                      </a:schemeClr>
-                    </a:gs>
-                  </a:gsLst>
-                  <a:lin ang="5580000" scaled="0"/>
-                  <a:tileRect/>
-                </a:gradFill>
-                <a:effectLst>
-                  <a:glow rad="38100">
-                    <a:schemeClr val="bg1">
-                      <a:lumMod val="50000"/>
-                      <a:lumOff val="50000"/>
-                      <a:alpha val="20000"/>
-                    </a:schemeClr>
-                  </a:glow>
-                  <a:outerShdw blurRad="44450" dist="12700" dir="13860000" algn="tl" rotWithShape="0">
-                    <a:srgbClr val="000000">
-                      <a:alpha val="20000"/>
-                    </a:srgbClr>
-                  </a:outerShdw>
-                </a:effectLst>
-              </a:rPr>
-            </a:br>
-            <a:r>
-              <a:rPr lang="en-US" cap="small">
-                <a:gradFill flip="none" rotWithShape="1">
-                  <a:gsLst>
-                    <a:gs pos="0">
-                      <a:schemeClr val="tx1"/>
-                    </a:gs>
-                    <a:gs pos="100000">
-                      <a:schemeClr val="tx1">
-                        <a:lumMod val="75000"/>
-                      </a:schemeClr>
-                    </a:gs>
-                  </a:gsLst>
-                  <a:lin ang="5580000" scaled="0"/>
-                  <a:tileRect/>
-                </a:gradFill>
-                <a:effectLst>
-                  <a:glow rad="38100">
-                    <a:schemeClr val="bg1">
-                      <a:lumMod val="50000"/>
-                      <a:lumOff val="50000"/>
-                      <a:alpha val="20000"/>
-                    </a:schemeClr>
-                  </a:glow>
-                  <a:outerShdw blurRad="44450" dist="12700" dir="13860000" algn="tl" rotWithShape="0">
-                    <a:srgbClr val="000000">
-                      <a:alpha val="20000"/>
-                    </a:srgbClr>
-                  </a:outerShdw>
-                </a:effectLst>
-              </a:rPr>
-              <a:t>- Create the SQL script to insert sample data into the tables.</a:t>
-            </a:r>
-            <a:br>
-              <a:rPr lang="en-US" cap="small">
-                <a:gradFill flip="none" rotWithShape="1">
-                  <a:gsLst>
-                    <a:gs pos="0">
-                      <a:schemeClr val="tx1"/>
-                    </a:gs>
-                    <a:gs pos="100000">
-                      <a:schemeClr val="tx1">
-                        <a:lumMod val="75000"/>
-                      </a:schemeClr>
-                    </a:gs>
-                  </a:gsLst>
-                  <a:lin ang="5580000" scaled="0"/>
-                  <a:tileRect/>
-                </a:gradFill>
-                <a:effectLst>
-                  <a:glow rad="38100">
-                    <a:schemeClr val="bg1">
-                      <a:lumMod val="50000"/>
-                      <a:lumOff val="50000"/>
-                      <a:alpha val="20000"/>
-                    </a:schemeClr>
-                  </a:glow>
-                  <a:outerShdw blurRad="44450" dist="12700" dir="13860000" algn="tl" rotWithShape="0">
-                    <a:srgbClr val="000000">
-                      <a:alpha val="20000"/>
-                    </a:srgbClr>
-                  </a:outerShdw>
-                </a:effectLst>
-              </a:rPr>
-            </a:br>
-            <a:r>
-              <a:rPr lang="en-US" cap="small">
-                <a:gradFill flip="none" rotWithShape="1">
-                  <a:gsLst>
-                    <a:gs pos="0">
-                      <a:schemeClr val="tx1"/>
-                    </a:gs>
-                    <a:gs pos="100000">
-                      <a:schemeClr val="tx1">
-                        <a:lumMod val="75000"/>
-                      </a:schemeClr>
-                    </a:gs>
-                  </a:gsLst>
-                  <a:lin ang="5580000" scaled="0"/>
-                  <a:tileRect/>
-                </a:gradFill>
-                <a:effectLst>
-                  <a:glow rad="38100">
-                    <a:schemeClr val="bg1">
-                      <a:lumMod val="50000"/>
-                      <a:lumOff val="50000"/>
-                      <a:alpha val="20000"/>
-                    </a:schemeClr>
-                  </a:glow>
-                  <a:outerShdw blurRad="44450" dist="12700" dir="13860000" algn="tl" rotWithShape="0">
-                    <a:srgbClr val="000000">
-                      <a:alpha val="20000"/>
-                    </a:srgbClr>
-                  </a:outerShdw>
-                </a:effectLst>
-              </a:rPr>
-              <a:t>- Write SQL scripts to create at least 4 VIEWS.</a:t>
-            </a:r>
-            <a:br>
-              <a:rPr lang="en-US" cap="small">
-                <a:gradFill flip="none" rotWithShape="1">
-                  <a:gsLst>
-                    <a:gs pos="0">
-                      <a:schemeClr val="tx1"/>
-                    </a:gs>
-                    <a:gs pos="100000">
-                      <a:schemeClr val="tx1">
-                        <a:lumMod val="75000"/>
-                      </a:schemeClr>
-                    </a:gs>
-                  </a:gsLst>
-                  <a:lin ang="5580000" scaled="0"/>
-                  <a:tileRect/>
-                </a:gradFill>
-                <a:effectLst>
-                  <a:glow rad="38100">
-                    <a:schemeClr val="bg1">
-                      <a:lumMod val="50000"/>
-                      <a:lumOff val="50000"/>
-                      <a:alpha val="20000"/>
-                    </a:schemeClr>
-                  </a:glow>
-                  <a:outerShdw blurRad="44450" dist="12700" dir="13860000" algn="tl" rotWithShape="0">
-                    <a:srgbClr val="000000">
-                      <a:alpha val="20000"/>
-                    </a:srgbClr>
-                  </a:outerShdw>
-                </a:effectLst>
-              </a:rPr>
-            </a:br>
-            <a:r>
-              <a:rPr lang="en-US" cap="small">
-                <a:gradFill flip="none" rotWithShape="1">
-                  <a:gsLst>
-                    <a:gs pos="0">
-                      <a:schemeClr val="tx1"/>
-                    </a:gs>
-                    <a:gs pos="100000">
-                      <a:schemeClr val="tx1">
-                        <a:lumMod val="75000"/>
-                      </a:schemeClr>
-                    </a:gs>
-                  </a:gsLst>
-                  <a:lin ang="5580000" scaled="0"/>
-                  <a:tileRect/>
-                </a:gradFill>
-                <a:effectLst>
-                  <a:glow rad="38100">
-                    <a:schemeClr val="bg1">
-                      <a:lumMod val="50000"/>
-                      <a:lumOff val="50000"/>
-                      <a:alpha val="20000"/>
-                    </a:schemeClr>
-                  </a:glow>
-                  <a:outerShdw blurRad="44450" dist="12700" dir="13860000" algn="tl" rotWithShape="0">
-                    <a:srgbClr val="000000">
-                      <a:alpha val="20000"/>
-                    </a:srgbClr>
-                  </a:outerShdw>
-                </a:effectLst>
-              </a:rPr>
-              <a:t>- Include a write-up of each business report, explaining its purpose and benefits.</a:t>
-            </a:r>
-            <a:br>
-              <a:rPr lang="en-US" cap="small">
-                <a:gradFill flip="none" rotWithShape="1">
-                  <a:gsLst>
-                    <a:gs pos="0">
-                      <a:schemeClr val="tx1"/>
-                    </a:gs>
-                    <a:gs pos="100000">
-                      <a:schemeClr val="tx1">
-                        <a:lumMod val="75000"/>
-                      </a:schemeClr>
-                    </a:gs>
-                  </a:gsLst>
-                  <a:lin ang="5580000" scaled="0"/>
-                  <a:tileRect/>
-                </a:gradFill>
-                <a:effectLst>
-                  <a:glow rad="38100">
-                    <a:schemeClr val="bg1">
-                      <a:lumMod val="50000"/>
-                      <a:lumOff val="50000"/>
-                      <a:alpha val="20000"/>
-                    </a:schemeClr>
-                  </a:glow>
-                  <a:outerShdw blurRad="44450" dist="12700" dir="13860000" algn="tl" rotWithShape="0">
-                    <a:srgbClr val="000000">
-                      <a:alpha val="20000"/>
-                    </a:srgbClr>
-                  </a:outerShdw>
-                </a:effectLst>
-              </a:rPr>
-            </a:br>
-            <a:r>
-              <a:rPr lang="en-US" cap="small">
-                <a:gradFill flip="none" rotWithShape="1">
-                  <a:gsLst>
-                    <a:gs pos="0">
-                      <a:schemeClr val="tx1"/>
-                    </a:gs>
-                    <a:gs pos="100000">
-                      <a:schemeClr val="tx1">
-                        <a:lumMod val="75000"/>
-                      </a:schemeClr>
-                    </a:gs>
-                  </a:gsLst>
-                  <a:lin ang="5580000" scaled="0"/>
-                  <a:tileRect/>
-                </a:gradFill>
-                <a:effectLst>
-                  <a:glow rad="38100">
-                    <a:schemeClr val="bg1">
-                      <a:lumMod val="50000"/>
-                      <a:lumOff val="50000"/>
-                      <a:alpha val="20000"/>
-                    </a:schemeClr>
-                  </a:glow>
-                  <a:outerShdw blurRad="44450" dist="12700" dir="13860000" algn="tl" rotWithShape="0">
-                    <a:srgbClr val="000000">
-                      <a:alpha val="20000"/>
-                    </a:srgbClr>
-                  </a:outerShdw>
-                </a:effectLst>
-              </a:rPr>
-              <a:t>- Provide screenshots of the SQL queries and their output.</a:t>
-            </a:r>
-          </a:p>
-        </p:txBody>
-      </p:sp>
+      </p:pic>
     </p:spTree>
     <p:extLst>
       <p:ext uri="{BB962C8B-B14F-4D97-AF65-F5344CB8AC3E}">
-        <p14:creationId xmlns:p14="http://schemas.microsoft.com/office/powerpoint/2010/main" val="1909896174"/>
+        <p14:creationId xmlns:p14="http://schemas.microsoft.com/office/powerpoint/2010/main" val="1419171189"/>
       </p:ext>
     </p:extLst>
   </p:cSld>

--- a/DBS-Final/DBS211_Presentation_Group4.pptx
+++ b/DBS-Final/DBS211_Presentation_Group4.pptx
@@ -4,12 +4,18 @@
   <p:sldMasterIdLst>
     <p:sldMasterId id="2147483767" r:id="rId1"/>
   </p:sldMasterIdLst>
+  <p:notesMasterIdLst>
+    <p:notesMasterId r:id="rId10"/>
+  </p:notesMasterIdLst>
   <p:sldIdLst>
     <p:sldId id="261" r:id="rId2"/>
     <p:sldId id="262" r:id="rId3"/>
     <p:sldId id="257" r:id="rId4"/>
     <p:sldId id="263" r:id="rId5"/>
     <p:sldId id="264" r:id="rId6"/>
+    <p:sldId id="265" r:id="rId7"/>
+    <p:sldId id="266" r:id="rId8"/>
+    <p:sldId id="267" r:id="rId9"/>
   </p:sldIdLst>
   <p:sldSz cx="12192000" cy="6858000"/>
   <p:notesSz cx="6858000" cy="9144000"/>
@@ -116,6 +122,607 @@
 </p:presentation>
 </file>
 
+<file path=ppt/notesMasters/notesMaster1.xml><?xml version="1.0" encoding="utf-8"?>
+<p:notesMaster xmlns:a="http://schemas.openxmlformats.org/drawingml/2006/main" xmlns:r="http://schemas.openxmlformats.org/officeDocument/2006/relationships" xmlns:p="http://schemas.openxmlformats.org/presentationml/2006/main">
+  <p:cSld>
+    <p:bg>
+      <p:bgRef idx="1001">
+        <a:schemeClr val="bg1"/>
+      </p:bgRef>
+    </p:bg>
+    <p:spTree>
+      <p:nvGrpSpPr>
+        <p:cNvPr id="1" name=""/>
+        <p:cNvGrpSpPr/>
+        <p:nvPr/>
+      </p:nvGrpSpPr>
+      <p:grpSpPr>
+        <a:xfrm>
+          <a:off x="0" y="0"/>
+          <a:ext cx="0" cy="0"/>
+          <a:chOff x="0" y="0"/>
+          <a:chExt cx="0" cy="0"/>
+        </a:xfrm>
+      </p:grpSpPr>
+      <p:sp>
+        <p:nvSpPr>
+          <p:cNvPr id="2" name="Header Placeholder 1"/>
+          <p:cNvSpPr>
+            <a:spLocks noGrp="1"/>
+          </p:cNvSpPr>
+          <p:nvPr>
+            <p:ph type="hdr" sz="quarter"/>
+          </p:nvPr>
+        </p:nvSpPr>
+        <p:spPr>
+          <a:xfrm>
+            <a:off x="0" y="0"/>
+            <a:ext cx="2971800" cy="458788"/>
+          </a:xfrm>
+          <a:prstGeom prst="rect">
+            <a:avLst/>
+          </a:prstGeom>
+        </p:spPr>
+        <p:txBody>
+          <a:bodyPr vert="horz" lIns="91440" tIns="45720" rIns="91440" bIns="45720" rtlCol="0"/>
+          <a:lstStyle>
+            <a:lvl1pPr algn="l">
+              <a:defRPr sz="1200"/>
+            </a:lvl1pPr>
+          </a:lstStyle>
+          <a:p>
+            <a:endParaRPr lang="en-US"/>
+          </a:p>
+        </p:txBody>
+      </p:sp>
+      <p:sp>
+        <p:nvSpPr>
+          <p:cNvPr id="3" name="Date Placeholder 2"/>
+          <p:cNvSpPr>
+            <a:spLocks noGrp="1"/>
+          </p:cNvSpPr>
+          <p:nvPr>
+            <p:ph type="dt" idx="1"/>
+          </p:nvPr>
+        </p:nvSpPr>
+        <p:spPr>
+          <a:xfrm>
+            <a:off x="3884613" y="0"/>
+            <a:ext cx="2971800" cy="458788"/>
+          </a:xfrm>
+          <a:prstGeom prst="rect">
+            <a:avLst/>
+          </a:prstGeom>
+        </p:spPr>
+        <p:txBody>
+          <a:bodyPr vert="horz" lIns="91440" tIns="45720" rIns="91440" bIns="45720" rtlCol="0"/>
+          <a:lstStyle>
+            <a:lvl1pPr algn="r">
+              <a:defRPr sz="1200"/>
+            </a:lvl1pPr>
+          </a:lstStyle>
+          <a:p>
+            <a:fld id="{FEA79F72-C6B5-E145-9B0C-D126D929491F}" type="datetimeFigureOut">
+              <a:rPr lang="en-US" smtClean="0"/>
+              <a:t>8/7/24</a:t>
+            </a:fld>
+            <a:endParaRPr lang="en-US"/>
+          </a:p>
+        </p:txBody>
+      </p:sp>
+      <p:sp>
+        <p:nvSpPr>
+          <p:cNvPr id="4" name="Slide Image Placeholder 3"/>
+          <p:cNvSpPr>
+            <a:spLocks noGrp="1" noRot="1" noChangeAspect="1"/>
+          </p:cNvSpPr>
+          <p:nvPr>
+            <p:ph type="sldImg" idx="2"/>
+          </p:nvPr>
+        </p:nvSpPr>
+        <p:spPr>
+          <a:xfrm>
+            <a:off x="685800" y="1143000"/>
+            <a:ext cx="5486400" cy="3086100"/>
+          </a:xfrm>
+          <a:prstGeom prst="rect">
+            <a:avLst/>
+          </a:prstGeom>
+          <a:noFill/>
+          <a:ln w="12700">
+            <a:solidFill>
+              <a:prstClr val="black"/>
+            </a:solidFill>
+          </a:ln>
+        </p:spPr>
+        <p:txBody>
+          <a:bodyPr vert="horz" lIns="91440" tIns="45720" rIns="91440" bIns="45720" rtlCol="0" anchor="ctr"/>
+          <a:lstStyle/>
+          <a:p>
+            <a:endParaRPr lang="en-US"/>
+          </a:p>
+        </p:txBody>
+      </p:sp>
+      <p:sp>
+        <p:nvSpPr>
+          <p:cNvPr id="5" name="Notes Placeholder 4"/>
+          <p:cNvSpPr>
+            <a:spLocks noGrp="1"/>
+          </p:cNvSpPr>
+          <p:nvPr>
+            <p:ph type="body" sz="quarter" idx="3"/>
+          </p:nvPr>
+        </p:nvSpPr>
+        <p:spPr>
+          <a:xfrm>
+            <a:off x="685800" y="4400550"/>
+            <a:ext cx="5486400" cy="3600450"/>
+          </a:xfrm>
+          <a:prstGeom prst="rect">
+            <a:avLst/>
+          </a:prstGeom>
+        </p:spPr>
+        <p:txBody>
+          <a:bodyPr vert="horz" lIns="91440" tIns="45720" rIns="91440" bIns="45720" rtlCol="0"/>
+          <a:lstStyle/>
+          <a:p>
+            <a:pPr lvl="0"/>
+            <a:r>
+              <a:rPr lang="en-US"/>
+              <a:t>Click to edit Master text styles</a:t>
+            </a:r>
+          </a:p>
+          <a:p>
+            <a:pPr lvl="1"/>
+            <a:r>
+              <a:rPr lang="en-US"/>
+              <a:t>Second level</a:t>
+            </a:r>
+          </a:p>
+          <a:p>
+            <a:pPr lvl="2"/>
+            <a:r>
+              <a:rPr lang="en-US"/>
+              <a:t>Third level</a:t>
+            </a:r>
+          </a:p>
+          <a:p>
+            <a:pPr lvl="3"/>
+            <a:r>
+              <a:rPr lang="en-US"/>
+              <a:t>Fourth level</a:t>
+            </a:r>
+          </a:p>
+          <a:p>
+            <a:pPr lvl="4"/>
+            <a:r>
+              <a:rPr lang="en-US"/>
+              <a:t>Fifth level</a:t>
+            </a:r>
+          </a:p>
+        </p:txBody>
+      </p:sp>
+      <p:sp>
+        <p:nvSpPr>
+          <p:cNvPr id="6" name="Footer Placeholder 5"/>
+          <p:cNvSpPr>
+            <a:spLocks noGrp="1"/>
+          </p:cNvSpPr>
+          <p:nvPr>
+            <p:ph type="ftr" sz="quarter" idx="4"/>
+          </p:nvPr>
+        </p:nvSpPr>
+        <p:spPr>
+          <a:xfrm>
+            <a:off x="0" y="8685213"/>
+            <a:ext cx="2971800" cy="458787"/>
+          </a:xfrm>
+          <a:prstGeom prst="rect">
+            <a:avLst/>
+          </a:prstGeom>
+        </p:spPr>
+        <p:txBody>
+          <a:bodyPr vert="horz" lIns="91440" tIns="45720" rIns="91440" bIns="45720" rtlCol="0" anchor="b"/>
+          <a:lstStyle>
+            <a:lvl1pPr algn="l">
+              <a:defRPr sz="1200"/>
+            </a:lvl1pPr>
+          </a:lstStyle>
+          <a:p>
+            <a:endParaRPr lang="en-US"/>
+          </a:p>
+        </p:txBody>
+      </p:sp>
+      <p:sp>
+        <p:nvSpPr>
+          <p:cNvPr id="7" name="Slide Number Placeholder 6"/>
+          <p:cNvSpPr>
+            <a:spLocks noGrp="1"/>
+          </p:cNvSpPr>
+          <p:nvPr>
+            <p:ph type="sldNum" sz="quarter" idx="5"/>
+          </p:nvPr>
+        </p:nvSpPr>
+        <p:spPr>
+          <a:xfrm>
+            <a:off x="3884613" y="8685213"/>
+            <a:ext cx="2971800" cy="458787"/>
+          </a:xfrm>
+          <a:prstGeom prst="rect">
+            <a:avLst/>
+          </a:prstGeom>
+        </p:spPr>
+        <p:txBody>
+          <a:bodyPr vert="horz" lIns="91440" tIns="45720" rIns="91440" bIns="45720" rtlCol="0" anchor="b"/>
+          <a:lstStyle>
+            <a:lvl1pPr algn="r">
+              <a:defRPr sz="1200"/>
+            </a:lvl1pPr>
+          </a:lstStyle>
+          <a:p>
+            <a:fld id="{2BC8897B-37D5-8C40-B568-E9F55C831F9F}" type="slidenum">
+              <a:rPr lang="en-US" smtClean="0"/>
+              <a:t>‹#›</a:t>
+            </a:fld>
+            <a:endParaRPr lang="en-US"/>
+          </a:p>
+        </p:txBody>
+      </p:sp>
+    </p:spTree>
+    <p:extLst>
+      <p:ext uri="{BB962C8B-B14F-4D97-AF65-F5344CB8AC3E}">
+        <p14:creationId xmlns:p14="http://schemas.microsoft.com/office/powerpoint/2010/main" val="2640324824"/>
+      </p:ext>
+    </p:extLst>
+  </p:cSld>
+  <p:clrMap bg1="lt1" tx1="dk1" bg2="lt2" tx2="dk2" accent1="accent1" accent2="accent2" accent3="accent3" accent4="accent4" accent5="accent5" accent6="accent6" hlink="hlink" folHlink="folHlink"/>
+  <p:notesStyle>
+    <a:lvl1pPr marL="0" algn="l" defTabSz="914400" rtl="0" eaLnBrk="1" latinLnBrk="0" hangingPunct="1">
+      <a:defRPr sz="1200" kern="1200">
+        <a:solidFill>
+          <a:schemeClr val="tx1"/>
+        </a:solidFill>
+        <a:latin typeface="+mn-lt"/>
+        <a:ea typeface="+mn-ea"/>
+        <a:cs typeface="+mn-cs"/>
+      </a:defRPr>
+    </a:lvl1pPr>
+    <a:lvl2pPr marL="457200" algn="l" defTabSz="914400" rtl="0" eaLnBrk="1" latinLnBrk="0" hangingPunct="1">
+      <a:defRPr sz="1200" kern="1200">
+        <a:solidFill>
+          <a:schemeClr val="tx1"/>
+        </a:solidFill>
+        <a:latin typeface="+mn-lt"/>
+        <a:ea typeface="+mn-ea"/>
+        <a:cs typeface="+mn-cs"/>
+      </a:defRPr>
+    </a:lvl2pPr>
+    <a:lvl3pPr marL="914400" algn="l" defTabSz="914400" rtl="0" eaLnBrk="1" latinLnBrk="0" hangingPunct="1">
+      <a:defRPr sz="1200" kern="1200">
+        <a:solidFill>
+          <a:schemeClr val="tx1"/>
+        </a:solidFill>
+        <a:latin typeface="+mn-lt"/>
+        <a:ea typeface="+mn-ea"/>
+        <a:cs typeface="+mn-cs"/>
+      </a:defRPr>
+    </a:lvl3pPr>
+    <a:lvl4pPr marL="1371600" algn="l" defTabSz="914400" rtl="0" eaLnBrk="1" latinLnBrk="0" hangingPunct="1">
+      <a:defRPr sz="1200" kern="1200">
+        <a:solidFill>
+          <a:schemeClr val="tx1"/>
+        </a:solidFill>
+        <a:latin typeface="+mn-lt"/>
+        <a:ea typeface="+mn-ea"/>
+        <a:cs typeface="+mn-cs"/>
+      </a:defRPr>
+    </a:lvl4pPr>
+    <a:lvl5pPr marL="1828800" algn="l" defTabSz="914400" rtl="0" eaLnBrk="1" latinLnBrk="0" hangingPunct="1">
+      <a:defRPr sz="1200" kern="1200">
+        <a:solidFill>
+          <a:schemeClr val="tx1"/>
+        </a:solidFill>
+        <a:latin typeface="+mn-lt"/>
+        <a:ea typeface="+mn-ea"/>
+        <a:cs typeface="+mn-cs"/>
+      </a:defRPr>
+    </a:lvl5pPr>
+    <a:lvl6pPr marL="2286000" algn="l" defTabSz="914400" rtl="0" eaLnBrk="1" latinLnBrk="0" hangingPunct="1">
+      <a:defRPr sz="1200" kern="1200">
+        <a:solidFill>
+          <a:schemeClr val="tx1"/>
+        </a:solidFill>
+        <a:latin typeface="+mn-lt"/>
+        <a:ea typeface="+mn-ea"/>
+        <a:cs typeface="+mn-cs"/>
+      </a:defRPr>
+    </a:lvl6pPr>
+    <a:lvl7pPr marL="2743200" algn="l" defTabSz="914400" rtl="0" eaLnBrk="1" latinLnBrk="0" hangingPunct="1">
+      <a:defRPr sz="1200" kern="1200">
+        <a:solidFill>
+          <a:schemeClr val="tx1"/>
+        </a:solidFill>
+        <a:latin typeface="+mn-lt"/>
+        <a:ea typeface="+mn-ea"/>
+        <a:cs typeface="+mn-cs"/>
+      </a:defRPr>
+    </a:lvl7pPr>
+    <a:lvl8pPr marL="3200400" algn="l" defTabSz="914400" rtl="0" eaLnBrk="1" latinLnBrk="0" hangingPunct="1">
+      <a:defRPr sz="1200" kern="1200">
+        <a:solidFill>
+          <a:schemeClr val="tx1"/>
+        </a:solidFill>
+        <a:latin typeface="+mn-lt"/>
+        <a:ea typeface="+mn-ea"/>
+        <a:cs typeface="+mn-cs"/>
+      </a:defRPr>
+    </a:lvl8pPr>
+    <a:lvl9pPr marL="3657600" algn="l" defTabSz="914400" rtl="0" eaLnBrk="1" latinLnBrk="0" hangingPunct="1">
+      <a:defRPr sz="1200" kern="1200">
+        <a:solidFill>
+          <a:schemeClr val="tx1"/>
+        </a:solidFill>
+        <a:latin typeface="+mn-lt"/>
+        <a:ea typeface="+mn-ea"/>
+        <a:cs typeface="+mn-cs"/>
+      </a:defRPr>
+    </a:lvl9pPr>
+  </p:notesStyle>
+</p:notesMaster>
+</file>
+
+<file path=ppt/notesSlides/notesSlide1.xml><?xml version="1.0" encoding="utf-8"?>
+<p:notes xmlns:a="http://schemas.openxmlformats.org/drawingml/2006/main" xmlns:r="http://schemas.openxmlformats.org/officeDocument/2006/relationships" xmlns:p="http://schemas.openxmlformats.org/presentationml/2006/main">
+  <p:cSld>
+    <p:spTree>
+      <p:nvGrpSpPr>
+        <p:cNvPr id="1" name=""/>
+        <p:cNvGrpSpPr/>
+        <p:nvPr/>
+      </p:nvGrpSpPr>
+      <p:grpSpPr>
+        <a:xfrm>
+          <a:off x="0" y="0"/>
+          <a:ext cx="0" cy="0"/>
+          <a:chOff x="0" y="0"/>
+          <a:chExt cx="0" cy="0"/>
+        </a:xfrm>
+      </p:grpSpPr>
+      <p:sp>
+        <p:nvSpPr>
+          <p:cNvPr id="2" name="Slide Image Placeholder 1"/>
+          <p:cNvSpPr>
+            <a:spLocks noGrp="1" noRot="1" noChangeAspect="1"/>
+          </p:cNvSpPr>
+          <p:nvPr>
+            <p:ph type="sldImg"/>
+          </p:nvPr>
+        </p:nvSpPr>
+        <p:spPr/>
+      </p:sp>
+      <p:sp>
+        <p:nvSpPr>
+          <p:cNvPr id="3" name="Notes Placeholder 2"/>
+          <p:cNvSpPr>
+            <a:spLocks noGrp="1"/>
+          </p:cNvSpPr>
+          <p:nvPr>
+            <p:ph type="body" idx="1"/>
+          </p:nvPr>
+        </p:nvSpPr>
+        <p:spPr/>
+        <p:txBody>
+          <a:bodyPr/>
+          <a:lstStyle/>
+          <a:p>
+            <a:endParaRPr lang="en-US" dirty="0"/>
+          </a:p>
+        </p:txBody>
+      </p:sp>
+      <p:sp>
+        <p:nvSpPr>
+          <p:cNvPr id="4" name="Slide Number Placeholder 3"/>
+          <p:cNvSpPr>
+            <a:spLocks noGrp="1"/>
+          </p:cNvSpPr>
+          <p:nvPr>
+            <p:ph type="sldNum" sz="quarter" idx="5"/>
+          </p:nvPr>
+        </p:nvSpPr>
+        <p:spPr/>
+        <p:txBody>
+          <a:bodyPr/>
+          <a:lstStyle/>
+          <a:p>
+            <a:fld id="{2BC8897B-37D5-8C40-B568-E9F55C831F9F}" type="slidenum">
+              <a:rPr lang="en-US" smtClean="0"/>
+              <a:t>6</a:t>
+            </a:fld>
+            <a:endParaRPr lang="en-US"/>
+          </a:p>
+        </p:txBody>
+      </p:sp>
+    </p:spTree>
+    <p:extLst>
+      <p:ext uri="{BB962C8B-B14F-4D97-AF65-F5344CB8AC3E}">
+        <p14:creationId xmlns:p14="http://schemas.microsoft.com/office/powerpoint/2010/main" val="1754536887"/>
+      </p:ext>
+    </p:extLst>
+  </p:cSld>
+  <p:clrMapOvr>
+    <a:masterClrMapping/>
+  </p:clrMapOvr>
+</p:notes>
+</file>
+
+<file path=ppt/notesSlides/notesSlide2.xml><?xml version="1.0" encoding="utf-8"?>
+<p:notes xmlns:a="http://schemas.openxmlformats.org/drawingml/2006/main" xmlns:r="http://schemas.openxmlformats.org/officeDocument/2006/relationships" xmlns:p="http://schemas.openxmlformats.org/presentationml/2006/main">
+  <p:cSld>
+    <p:spTree>
+      <p:nvGrpSpPr>
+        <p:cNvPr id="1" name=""/>
+        <p:cNvGrpSpPr/>
+        <p:nvPr/>
+      </p:nvGrpSpPr>
+      <p:grpSpPr>
+        <a:xfrm>
+          <a:off x="0" y="0"/>
+          <a:ext cx="0" cy="0"/>
+          <a:chOff x="0" y="0"/>
+          <a:chExt cx="0" cy="0"/>
+        </a:xfrm>
+      </p:grpSpPr>
+      <p:sp>
+        <p:nvSpPr>
+          <p:cNvPr id="2" name="Slide Image Placeholder 1"/>
+          <p:cNvSpPr>
+            <a:spLocks noGrp="1" noRot="1" noChangeAspect="1"/>
+          </p:cNvSpPr>
+          <p:nvPr>
+            <p:ph type="sldImg"/>
+          </p:nvPr>
+        </p:nvSpPr>
+        <p:spPr/>
+      </p:sp>
+      <p:sp>
+        <p:nvSpPr>
+          <p:cNvPr id="3" name="Notes Placeholder 2"/>
+          <p:cNvSpPr>
+            <a:spLocks noGrp="1"/>
+          </p:cNvSpPr>
+          <p:nvPr>
+            <p:ph type="body" idx="1"/>
+          </p:nvPr>
+        </p:nvSpPr>
+        <p:spPr/>
+        <p:txBody>
+          <a:bodyPr/>
+          <a:lstStyle/>
+          <a:p>
+            <a:endParaRPr lang="en-US" dirty="0"/>
+          </a:p>
+        </p:txBody>
+      </p:sp>
+      <p:sp>
+        <p:nvSpPr>
+          <p:cNvPr id="4" name="Slide Number Placeholder 3"/>
+          <p:cNvSpPr>
+            <a:spLocks noGrp="1"/>
+          </p:cNvSpPr>
+          <p:nvPr>
+            <p:ph type="sldNum" sz="quarter" idx="5"/>
+          </p:nvPr>
+        </p:nvSpPr>
+        <p:spPr/>
+        <p:txBody>
+          <a:bodyPr/>
+          <a:lstStyle/>
+          <a:p>
+            <a:fld id="{2BC8897B-37D5-8C40-B568-E9F55C831F9F}" type="slidenum">
+              <a:rPr lang="en-US" smtClean="0"/>
+              <a:t>7</a:t>
+            </a:fld>
+            <a:endParaRPr lang="en-US"/>
+          </a:p>
+        </p:txBody>
+      </p:sp>
+    </p:spTree>
+    <p:extLst>
+      <p:ext uri="{BB962C8B-B14F-4D97-AF65-F5344CB8AC3E}">
+        <p14:creationId xmlns:p14="http://schemas.microsoft.com/office/powerpoint/2010/main" val="290227748"/>
+      </p:ext>
+    </p:extLst>
+  </p:cSld>
+  <p:clrMapOvr>
+    <a:masterClrMapping/>
+  </p:clrMapOvr>
+</p:notes>
+</file>
+
+<file path=ppt/notesSlides/notesSlide3.xml><?xml version="1.0" encoding="utf-8"?>
+<p:notes xmlns:a="http://schemas.openxmlformats.org/drawingml/2006/main" xmlns:r="http://schemas.openxmlformats.org/officeDocument/2006/relationships" xmlns:p="http://schemas.openxmlformats.org/presentationml/2006/main">
+  <p:cSld>
+    <p:spTree>
+      <p:nvGrpSpPr>
+        <p:cNvPr id="1" name=""/>
+        <p:cNvGrpSpPr/>
+        <p:nvPr/>
+      </p:nvGrpSpPr>
+      <p:grpSpPr>
+        <a:xfrm>
+          <a:off x="0" y="0"/>
+          <a:ext cx="0" cy="0"/>
+          <a:chOff x="0" y="0"/>
+          <a:chExt cx="0" cy="0"/>
+        </a:xfrm>
+      </p:grpSpPr>
+      <p:sp>
+        <p:nvSpPr>
+          <p:cNvPr id="2" name="Slide Image Placeholder 1"/>
+          <p:cNvSpPr>
+            <a:spLocks noGrp="1" noRot="1" noChangeAspect="1"/>
+          </p:cNvSpPr>
+          <p:nvPr>
+            <p:ph type="sldImg"/>
+          </p:nvPr>
+        </p:nvSpPr>
+        <p:spPr/>
+      </p:sp>
+      <p:sp>
+        <p:nvSpPr>
+          <p:cNvPr id="3" name="Notes Placeholder 2"/>
+          <p:cNvSpPr>
+            <a:spLocks noGrp="1"/>
+          </p:cNvSpPr>
+          <p:nvPr>
+            <p:ph type="body" idx="1"/>
+          </p:nvPr>
+        </p:nvSpPr>
+        <p:spPr/>
+        <p:txBody>
+          <a:bodyPr/>
+          <a:lstStyle/>
+          <a:p>
+            <a:endParaRPr lang="en-US" dirty="0"/>
+          </a:p>
+        </p:txBody>
+      </p:sp>
+      <p:sp>
+        <p:nvSpPr>
+          <p:cNvPr id="4" name="Slide Number Placeholder 3"/>
+          <p:cNvSpPr>
+            <a:spLocks noGrp="1"/>
+          </p:cNvSpPr>
+          <p:nvPr>
+            <p:ph type="sldNum" sz="quarter" idx="5"/>
+          </p:nvPr>
+        </p:nvSpPr>
+        <p:spPr/>
+        <p:txBody>
+          <a:bodyPr/>
+          <a:lstStyle/>
+          <a:p>
+            <a:fld id="{2BC8897B-37D5-8C40-B568-E9F55C831F9F}" type="slidenum">
+              <a:rPr lang="en-US" smtClean="0"/>
+              <a:t>8</a:t>
+            </a:fld>
+            <a:endParaRPr lang="en-US"/>
+          </a:p>
+        </p:txBody>
+      </p:sp>
+    </p:spTree>
+    <p:extLst>
+      <p:ext uri="{BB962C8B-B14F-4D97-AF65-F5344CB8AC3E}">
+        <p14:creationId xmlns:p14="http://schemas.microsoft.com/office/powerpoint/2010/main" val="2378952231"/>
+      </p:ext>
+    </p:extLst>
+  </p:cSld>
+  <p:clrMapOvr>
+    <a:masterClrMapping/>
+  </p:clrMapOvr>
+</p:notes>
+</file>
+
 <file path=ppt/slideLayouts/slideLayout1.xml><?xml version="1.0" encoding="utf-8"?>
 <p:sldLayout xmlns:a="http://schemas.openxmlformats.org/drawingml/2006/main" xmlns:r="http://schemas.openxmlformats.org/officeDocument/2006/relationships" xmlns:p="http://schemas.openxmlformats.org/presentationml/2006/main" type="title" preserve="1">
   <p:cSld name="Title Slide">
@@ -329,7 +936,7 @@
           <a:p>
             <a:fld id="{64F0E216-BA48-4F04-AC4F-645AA0DD6AC6}" type="datetimeFigureOut">
               <a:rPr lang="en-US" smtClean="0"/>
-              <a:t>8/5/2024</a:t>
+              <a:t>8/7/24</a:t>
             </a:fld>
             <a:endParaRPr lang="en-US" dirty="0"/>
           </a:p>
@@ -371,7 +978,7 @@
           <a:p>
             <a:fld id="{D39607A7-8386-47DB-8578-DDEDD194E5D4}" type="slidenum">
               <a:rPr lang="en-US" smtClean="0"/>
-              <a:t>‹nº›</a:t>
+              <a:t>‹#›</a:t>
             </a:fld>
             <a:endParaRPr lang="en-US" dirty="0"/>
           </a:p>
@@ -621,7 +1228,7 @@
             <a:fld id="{64F0E216-BA48-4F04-AC4F-645AA0DD6AC6}" type="datetimeFigureOut">
               <a:rPr lang="en-US" smtClean="0"/>
               <a:pPr/>
-              <a:t>8/5/2024</a:t>
+              <a:t>8/7/24</a:t>
             </a:fld>
             <a:endParaRPr lang="en-US" dirty="0"/>
           </a:p>
@@ -664,7 +1271,7 @@
             <a:fld id="{D39607A7-8386-47DB-8578-DDEDD194E5D4}" type="slidenum">
               <a:rPr lang="en-US" smtClean="0"/>
               <a:pPr/>
-              <a:t>‹nº›</a:t>
+              <a:t>‹#›</a:t>
             </a:fld>
             <a:endParaRPr lang="en-US" dirty="0"/>
           </a:p>
@@ -882,7 +1489,7 @@
             <a:fld id="{64F0E216-BA48-4F04-AC4F-645AA0DD6AC6}" type="datetimeFigureOut">
               <a:rPr lang="en-US" smtClean="0"/>
               <a:pPr/>
-              <a:t>8/5/2024</a:t>
+              <a:t>8/7/24</a:t>
             </a:fld>
             <a:endParaRPr lang="en-US" dirty="0"/>
           </a:p>
@@ -925,7 +1532,7 @@
             <a:fld id="{D39607A7-8386-47DB-8578-DDEDD194E5D4}" type="slidenum">
               <a:rPr lang="en-US" smtClean="0"/>
               <a:pPr/>
-              <a:t>‹nº›</a:t>
+              <a:t>‹#›</a:t>
             </a:fld>
             <a:endParaRPr lang="en-US" dirty="0"/>
           </a:p>
@@ -1353,7 +1960,7 @@
             <a:fld id="{64F0E216-BA48-4F04-AC4F-645AA0DD6AC6}" type="datetimeFigureOut">
               <a:rPr lang="en-US" smtClean="0"/>
               <a:pPr/>
-              <a:t>8/5/2024</a:t>
+              <a:t>8/7/24</a:t>
             </a:fld>
             <a:endParaRPr lang="en-US" dirty="0"/>
           </a:p>
@@ -1396,7 +2003,7 @@
             <a:fld id="{D39607A7-8386-47DB-8578-DDEDD194E5D4}" type="slidenum">
               <a:rPr lang="en-US" smtClean="0"/>
               <a:pPr/>
-              <a:t>‹nº›</a:t>
+              <a:t>‹#›</a:t>
             </a:fld>
             <a:endParaRPr lang="en-US" dirty="0"/>
           </a:p>
@@ -1535,7 +2142,7 @@
             <a:fld id="{64F0E216-BA48-4F04-AC4F-645AA0DD6AC6}" type="datetimeFigureOut">
               <a:rPr lang="en-US" smtClean="0"/>
               <a:pPr/>
-              <a:t>8/5/2024</a:t>
+              <a:t>8/7/24</a:t>
             </a:fld>
             <a:endParaRPr lang="en-US" dirty="0"/>
           </a:p>
@@ -1578,7 +2185,7 @@
             <a:fld id="{D39607A7-8386-47DB-8578-DDEDD194E5D4}" type="slidenum">
               <a:rPr lang="en-US" smtClean="0"/>
               <a:pPr/>
-              <a:t>‹nº›</a:t>
+              <a:t>‹#›</a:t>
             </a:fld>
             <a:endParaRPr lang="en-US" dirty="0"/>
           </a:p>
@@ -2113,7 +2720,7 @@
             <a:fld id="{64F0E216-BA48-4F04-AC4F-645AA0DD6AC6}" type="datetimeFigureOut">
               <a:rPr lang="en-US" smtClean="0"/>
               <a:pPr/>
-              <a:t>8/5/2024</a:t>
+              <a:t>8/7/24</a:t>
             </a:fld>
             <a:endParaRPr lang="en-US" dirty="0"/>
           </a:p>
@@ -2156,7 +2763,7 @@
             <a:fld id="{D39607A7-8386-47DB-8578-DDEDD194E5D4}" type="slidenum">
               <a:rPr lang="en-US" smtClean="0"/>
               <a:pPr/>
-              <a:t>‹nº›</a:t>
+              <a:t>‹#›</a:t>
             </a:fld>
             <a:endParaRPr lang="en-US" dirty="0"/>
           </a:p>
@@ -2447,7 +3054,7 @@
             <a:fld id="{64F0E216-BA48-4F04-AC4F-645AA0DD6AC6}" type="datetimeFigureOut">
               <a:rPr lang="en-US" smtClean="0"/>
               <a:pPr/>
-              <a:t>8/5/2024</a:t>
+              <a:t>8/7/24</a:t>
             </a:fld>
             <a:endParaRPr lang="en-US" dirty="0"/>
           </a:p>
@@ -2490,7 +3097,7 @@
             <a:fld id="{D39607A7-8386-47DB-8578-DDEDD194E5D4}" type="slidenum">
               <a:rPr lang="en-US" smtClean="0"/>
               <a:pPr/>
-              <a:t>‹nº›</a:t>
+              <a:t>‹#›</a:t>
             </a:fld>
             <a:endParaRPr lang="en-US" dirty="0"/>
           </a:p>
@@ -2623,7 +3230,7 @@
           <a:p>
             <a:fld id="{64F0E216-BA48-4F04-AC4F-645AA0DD6AC6}" type="datetimeFigureOut">
               <a:rPr lang="en-US" smtClean="0"/>
-              <a:t>8/5/2024</a:t>
+              <a:t>8/7/24</a:t>
             </a:fld>
             <a:endParaRPr lang="en-US"/>
           </a:p>
@@ -2665,7 +3272,7 @@
           <a:p>
             <a:fld id="{D39607A7-8386-47DB-8578-DDEDD194E5D4}" type="slidenum">
               <a:rPr lang="en-US" smtClean="0"/>
-              <a:t>‹nº›</a:t>
+              <a:t>‹#›</a:t>
             </a:fld>
             <a:endParaRPr lang="en-US"/>
           </a:p>
@@ -2803,7 +3410,7 @@
           <a:p>
             <a:fld id="{64F0E216-BA48-4F04-AC4F-645AA0DD6AC6}" type="datetimeFigureOut">
               <a:rPr lang="en-US" smtClean="0"/>
-              <a:t>8/5/2024</a:t>
+              <a:t>8/7/24</a:t>
             </a:fld>
             <a:endParaRPr lang="en-US"/>
           </a:p>
@@ -2845,7 +3452,7 @@
           <a:p>
             <a:fld id="{D39607A7-8386-47DB-8578-DDEDD194E5D4}" type="slidenum">
               <a:rPr lang="en-US" smtClean="0"/>
-              <a:t>‹nº›</a:t>
+              <a:t>‹#›</a:t>
             </a:fld>
             <a:endParaRPr lang="en-US"/>
           </a:p>
@@ -2973,7 +3580,7 @@
           <a:p>
             <a:fld id="{64F0E216-BA48-4F04-AC4F-645AA0DD6AC6}" type="datetimeFigureOut">
               <a:rPr lang="en-US" smtClean="0"/>
-              <a:t>8/5/2024</a:t>
+              <a:t>8/7/24</a:t>
             </a:fld>
             <a:endParaRPr lang="en-US"/>
           </a:p>
@@ -3015,7 +3622,7 @@
           <a:p>
             <a:fld id="{D39607A7-8386-47DB-8578-DDEDD194E5D4}" type="slidenum">
               <a:rPr lang="en-US" smtClean="0"/>
-              <a:t>‹nº›</a:t>
+              <a:t>‹#›</a:t>
             </a:fld>
             <a:endParaRPr lang="en-US"/>
           </a:p>
@@ -3230,7 +3837,7 @@
           <a:p>
             <a:fld id="{64F0E216-BA48-4F04-AC4F-645AA0DD6AC6}" type="datetimeFigureOut">
               <a:rPr lang="en-US" smtClean="0"/>
-              <a:t>8/5/2024</a:t>
+              <a:t>8/7/24</a:t>
             </a:fld>
             <a:endParaRPr lang="en-US"/>
           </a:p>
@@ -3272,7 +3879,7 @@
           <a:p>
             <a:fld id="{D39607A7-8386-47DB-8578-DDEDD194E5D4}" type="slidenum">
               <a:rPr lang="en-US" smtClean="0"/>
-              <a:t>‹nº›</a:t>
+              <a:t>‹#›</a:t>
             </a:fld>
             <a:endParaRPr lang="en-US"/>
           </a:p>
@@ -3522,7 +4129,7 @@
           <a:p>
             <a:fld id="{64F0E216-BA48-4F04-AC4F-645AA0DD6AC6}" type="datetimeFigureOut">
               <a:rPr lang="en-US" smtClean="0"/>
-              <a:t>8/5/2024</a:t>
+              <a:t>8/7/24</a:t>
             </a:fld>
             <a:endParaRPr lang="en-US"/>
           </a:p>
@@ -3564,7 +4171,7 @@
           <a:p>
             <a:fld id="{D39607A7-8386-47DB-8578-DDEDD194E5D4}" type="slidenum">
               <a:rPr lang="en-US" smtClean="0"/>
-              <a:t>‹nº›</a:t>
+              <a:t>‹#›</a:t>
             </a:fld>
             <a:endParaRPr lang="en-US"/>
           </a:p>
@@ -3952,7 +4559,7 @@
           <a:p>
             <a:fld id="{64F0E216-BA48-4F04-AC4F-645AA0DD6AC6}" type="datetimeFigureOut">
               <a:rPr lang="en-US" smtClean="0"/>
-              <a:t>8/5/2024</a:t>
+              <a:t>8/7/24</a:t>
             </a:fld>
             <a:endParaRPr lang="en-US"/>
           </a:p>
@@ -3994,7 +4601,7 @@
           <a:p>
             <a:fld id="{D39607A7-8386-47DB-8578-DDEDD194E5D4}" type="slidenum">
               <a:rPr lang="en-US" smtClean="0"/>
-              <a:t>‹nº›</a:t>
+              <a:t>‹#›</a:t>
             </a:fld>
             <a:endParaRPr lang="en-US"/>
           </a:p>
@@ -4070,7 +4677,7 @@
           <a:p>
             <a:fld id="{64F0E216-BA48-4F04-AC4F-645AA0DD6AC6}" type="datetimeFigureOut">
               <a:rPr lang="en-US" smtClean="0"/>
-              <a:t>8/5/2024</a:t>
+              <a:t>8/7/24</a:t>
             </a:fld>
             <a:endParaRPr lang="en-US"/>
           </a:p>
@@ -4112,7 +4719,7 @@
           <a:p>
             <a:fld id="{D39607A7-8386-47DB-8578-DDEDD194E5D4}" type="slidenum">
               <a:rPr lang="en-US" smtClean="0"/>
-              <a:t>‹nº›</a:t>
+              <a:t>‹#›</a:t>
             </a:fld>
             <a:endParaRPr lang="en-US"/>
           </a:p>
@@ -4165,7 +4772,7 @@
           <a:p>
             <a:fld id="{64F0E216-BA48-4F04-AC4F-645AA0DD6AC6}" type="datetimeFigureOut">
               <a:rPr lang="en-US" smtClean="0"/>
-              <a:t>8/5/2024</a:t>
+              <a:t>8/7/24</a:t>
             </a:fld>
             <a:endParaRPr lang="en-US"/>
           </a:p>
@@ -4207,7 +4814,7 @@
           <a:p>
             <a:fld id="{D39607A7-8386-47DB-8578-DDEDD194E5D4}" type="slidenum">
               <a:rPr lang="en-US" smtClean="0"/>
-              <a:t>‹nº›</a:t>
+              <a:t>‹#›</a:t>
             </a:fld>
             <a:endParaRPr lang="en-US"/>
           </a:p>
@@ -4448,7 +5055,7 @@
           <a:p>
             <a:fld id="{64F0E216-BA48-4F04-AC4F-645AA0DD6AC6}" type="datetimeFigureOut">
               <a:rPr lang="en-US" smtClean="0"/>
-              <a:t>8/5/2024</a:t>
+              <a:t>8/7/24</a:t>
             </a:fld>
             <a:endParaRPr lang="en-US"/>
           </a:p>
@@ -4490,7 +5097,7 @@
           <a:p>
             <a:fld id="{D39607A7-8386-47DB-8578-DDEDD194E5D4}" type="slidenum">
               <a:rPr lang="en-US" smtClean="0"/>
-              <a:t>‹nº›</a:t>
+              <a:t>‹#›</a:t>
             </a:fld>
             <a:endParaRPr lang="en-US"/>
           </a:p>
@@ -4739,7 +5346,7 @@
           <a:p>
             <a:fld id="{64F0E216-BA48-4F04-AC4F-645AA0DD6AC6}" type="datetimeFigureOut">
               <a:rPr lang="en-US" smtClean="0"/>
-              <a:t>8/5/2024</a:t>
+              <a:t>8/7/24</a:t>
             </a:fld>
             <a:endParaRPr lang="en-US"/>
           </a:p>
@@ -4791,7 +5398,7 @@
           <a:p>
             <a:fld id="{D39607A7-8386-47DB-8578-DDEDD194E5D4}" type="slidenum">
               <a:rPr lang="en-US" smtClean="0"/>
-              <a:t>‹nº›</a:t>
+              <a:t>‹#›</a:t>
             </a:fld>
             <a:endParaRPr lang="en-US"/>
           </a:p>
@@ -4971,7 +5578,7 @@
             <a:fld id="{64F0E216-BA48-4F04-AC4F-645AA0DD6AC6}" type="datetimeFigureOut">
               <a:rPr lang="en-US" smtClean="0"/>
               <a:pPr/>
-              <a:t>8/5/2024</a:t>
+              <a:t>8/7/24</a:t>
             </a:fld>
             <a:endParaRPr lang="en-US" dirty="0"/>
           </a:p>
@@ -5066,7 +5673,7 @@
             <a:fld id="{D39607A7-8386-47DB-8578-DDEDD194E5D4}" type="slidenum">
               <a:rPr lang="en-US" smtClean="0"/>
               <a:pPr/>
-              <a:t>‹nº›</a:t>
+              <a:t>‹#›</a:t>
             </a:fld>
             <a:endParaRPr lang="en-US" dirty="0"/>
           </a:p>
@@ -7354,7 +7961,7 @@
         <p:spPr>
           <a:xfrm>
             <a:off x="0" y="5112666"/>
-            <a:ext cx="12053208" cy="1477328"/>
+            <a:ext cx="12053208" cy="1200329"/>
           </a:xfrm>
           <a:prstGeom prst="rect">
             <a:avLst/>
@@ -7399,13 +8006,6 @@
             <a:r>
               <a:rPr lang="en-US" sz="1800" dirty="0"/>
               <a:t>- Compile the main Word document with all updates and changes based on feedback.</a:t>
-            </a:r>
-            <a:br>
-              <a:rPr lang="en-US" sz="1800" dirty="0"/>
-            </a:br>
-            <a:r>
-              <a:rPr lang="en-US" sz="1800" dirty="0"/>
-              <a:t>- Include all required elements: ERD, normalization (3NF), SQL scripts, business reports, and testing scenarios.</a:t>
             </a:r>
             <a:endParaRPr lang="en-US" dirty="0"/>
           </a:p>
@@ -7911,6 +8511,911 @@
     <p:extLst>
       <p:ext uri="{BB962C8B-B14F-4D97-AF65-F5344CB8AC3E}">
         <p14:creationId xmlns:p14="http://schemas.microsoft.com/office/powerpoint/2010/main" val="1419171189"/>
+      </p:ext>
+    </p:extLst>
+  </p:cSld>
+  <p:clrMapOvr>
+    <a:masterClrMapping/>
+  </p:clrMapOvr>
+</p:sld>
+</file>
+
+<file path=ppt/slides/slide6.xml><?xml version="1.0" encoding="utf-8"?>
+<p:sld xmlns:a="http://schemas.openxmlformats.org/drawingml/2006/main" xmlns:r="http://schemas.openxmlformats.org/officeDocument/2006/relationships" xmlns:p="http://schemas.openxmlformats.org/presentationml/2006/main">
+  <p:cSld>
+    <p:bg>
+      <p:bgPr>
+        <a:solidFill>
+          <a:schemeClr val="bg2"/>
+        </a:solidFill>
+        <a:effectLst/>
+      </p:bgPr>
+    </p:bg>
+    <p:spTree>
+      <p:nvGrpSpPr>
+        <p:cNvPr id="1" name=""/>
+        <p:cNvGrpSpPr/>
+        <p:nvPr/>
+      </p:nvGrpSpPr>
+      <p:grpSpPr>
+        <a:xfrm>
+          <a:off x="0" y="0"/>
+          <a:ext cx="0" cy="0"/>
+          <a:chOff x="0" y="0"/>
+          <a:chExt cx="0" cy="0"/>
+        </a:xfrm>
+      </p:grpSpPr>
+      <p:sp>
+        <p:nvSpPr>
+          <p:cNvPr id="2" name="Title 1">
+            <a:extLst>
+              <a:ext uri="{FF2B5EF4-FFF2-40B4-BE49-F238E27FC236}">
+                <a16:creationId xmlns:a16="http://schemas.microsoft.com/office/drawing/2014/main" id="{F3877A34-D505-AB24-D8F6-789973D75956}"/>
+              </a:ext>
+            </a:extLst>
+          </p:cNvPr>
+          <p:cNvSpPr>
+            <a:spLocks noGrp="1"/>
+          </p:cNvSpPr>
+          <p:nvPr>
+            <p:ph type="ctrTitle"/>
+          </p:nvPr>
+        </p:nvSpPr>
+        <p:spPr>
+          <a:xfrm>
+            <a:off x="1249136" y="84960"/>
+            <a:ext cx="9693728" cy="734788"/>
+          </a:xfrm>
+        </p:spPr>
+        <p:txBody>
+          <a:bodyPr>
+            <a:normAutofit/>
+          </a:bodyPr>
+          <a:lstStyle/>
+          <a:p>
+            <a:pPr>
+              <a:lnSpc>
+                <a:spcPct val="90000"/>
+              </a:lnSpc>
+            </a:pPr>
+            <a:r>
+              <a:rPr lang="en-US" sz="3600" dirty="0"/>
+              <a:t>Business report</a:t>
+            </a:r>
+            <a:endParaRPr lang="en-US" sz="3600" dirty="0">
+              <a:solidFill>
+                <a:schemeClr val="tx1"/>
+              </a:solidFill>
+              <a:latin typeface="+mn-lt"/>
+              <a:ea typeface="+mn-ea"/>
+              <a:cs typeface="+mn-cs"/>
+            </a:endParaRPr>
+          </a:p>
+        </p:txBody>
+      </p:sp>
+      <p:sp>
+        <p:nvSpPr>
+          <p:cNvPr id="5" name="TextBox 4">
+            <a:extLst>
+              <a:ext uri="{FF2B5EF4-FFF2-40B4-BE49-F238E27FC236}">
+                <a16:creationId xmlns:a16="http://schemas.microsoft.com/office/drawing/2014/main" id="{17775D0D-9290-2A03-6535-71B49C9523AD}"/>
+              </a:ext>
+            </a:extLst>
+          </p:cNvPr>
+          <p:cNvSpPr txBox="1"/>
+          <p:nvPr/>
+        </p:nvSpPr>
+        <p:spPr>
+          <a:xfrm>
+            <a:off x="94290" y="928978"/>
+            <a:ext cx="11399371" cy="646331"/>
+          </a:xfrm>
+          <a:prstGeom prst="rect">
+            <a:avLst/>
+          </a:prstGeom>
+          <a:noFill/>
+        </p:spPr>
+        <p:txBody>
+          <a:bodyPr wrap="square" rtlCol="0">
+            <a:spAutoFit/>
+          </a:bodyPr>
+          <a:lstStyle/>
+          <a:p>
+            <a:r>
+              <a:rPr lang="en-US" dirty="0"/>
+              <a:t>Explanation of how the system works. </a:t>
+            </a:r>
+          </a:p>
+          <a:p>
+            <a:r>
+              <a:rPr lang="en-US" dirty="0"/>
+              <a:t>Story: Bob McKenzie’s Appointment and Medical Record Journey</a:t>
+            </a:r>
+          </a:p>
+        </p:txBody>
+      </p:sp>
+      <p:grpSp>
+        <p:nvGrpSpPr>
+          <p:cNvPr id="6" name="Group 5">
+            <a:extLst>
+              <a:ext uri="{FF2B5EF4-FFF2-40B4-BE49-F238E27FC236}">
+                <a16:creationId xmlns:a16="http://schemas.microsoft.com/office/drawing/2014/main" id="{068B0E7B-E072-B360-36AF-1C35A822653A}"/>
+              </a:ext>
+            </a:extLst>
+          </p:cNvPr>
+          <p:cNvGrpSpPr/>
+          <p:nvPr/>
+        </p:nvGrpSpPr>
+        <p:grpSpPr>
+          <a:xfrm>
+            <a:off x="0" y="1953337"/>
+            <a:ext cx="11806177" cy="729792"/>
+            <a:chOff x="0" y="4283924"/>
+            <a:chExt cx="11806177" cy="729792"/>
+          </a:xfrm>
+        </p:grpSpPr>
+        <p:pic>
+          <p:nvPicPr>
+            <p:cNvPr id="3" name="Picture 2">
+              <a:extLst>
+                <a:ext uri="{FF2B5EF4-FFF2-40B4-BE49-F238E27FC236}">
+                  <a16:creationId xmlns:a16="http://schemas.microsoft.com/office/drawing/2014/main" id="{30DDC4E2-78FE-F1AA-0546-3EA1B8C3F567}"/>
+                </a:ext>
+              </a:extLst>
+            </p:cNvPr>
+            <p:cNvPicPr>
+              <a:picLocks noChangeAspect="1"/>
+            </p:cNvPicPr>
+            <p:nvPr/>
+          </p:nvPicPr>
+          <p:blipFill>
+            <a:blip r:embed="rId3"/>
+            <a:stretch>
+              <a:fillRect/>
+            </a:stretch>
+          </p:blipFill>
+          <p:spPr>
+            <a:xfrm>
+              <a:off x="0" y="4657133"/>
+              <a:ext cx="7772400" cy="356583"/>
+            </a:xfrm>
+            <a:prstGeom prst="rect">
+              <a:avLst/>
+            </a:prstGeom>
+          </p:spPr>
+        </p:pic>
+        <p:sp>
+          <p:nvSpPr>
+            <p:cNvPr id="4" name="TextBox 3">
+              <a:extLst>
+                <a:ext uri="{FF2B5EF4-FFF2-40B4-BE49-F238E27FC236}">
+                  <a16:creationId xmlns:a16="http://schemas.microsoft.com/office/drawing/2014/main" id="{DDC4B293-62D9-1476-C01E-BCADE4BDB7D1}"/>
+                </a:ext>
+              </a:extLst>
+            </p:cNvPr>
+            <p:cNvSpPr txBox="1"/>
+            <p:nvPr/>
+          </p:nvSpPr>
+          <p:spPr>
+            <a:xfrm>
+              <a:off x="1" y="4283924"/>
+              <a:ext cx="11806176" cy="369332"/>
+            </a:xfrm>
+            <a:prstGeom prst="rect">
+              <a:avLst/>
+            </a:prstGeom>
+            <a:noFill/>
+          </p:spPr>
+          <p:txBody>
+            <a:bodyPr wrap="square" rtlCol="0">
+              <a:spAutoFit/>
+            </a:bodyPr>
+            <a:lstStyle/>
+            <a:p>
+              <a:pPr marL="342900" indent="-342900">
+                <a:buAutoNum type="arabicPeriod"/>
+              </a:pPr>
+              <a:r>
+                <a:rPr lang="en-US" dirty="0"/>
+                <a:t>Bob McKenzie, a new patient, arrives at the hospital and provides his personal information to register.</a:t>
+              </a:r>
+            </a:p>
+          </p:txBody>
+        </p:sp>
+      </p:grpSp>
+      <p:grpSp>
+        <p:nvGrpSpPr>
+          <p:cNvPr id="12" name="Group 11">
+            <a:extLst>
+              <a:ext uri="{FF2B5EF4-FFF2-40B4-BE49-F238E27FC236}">
+                <a16:creationId xmlns:a16="http://schemas.microsoft.com/office/drawing/2014/main" id="{B360F51C-11F0-86E8-BA9C-AEC83B41FD6C}"/>
+              </a:ext>
+            </a:extLst>
+          </p:cNvPr>
+          <p:cNvGrpSpPr/>
+          <p:nvPr/>
+        </p:nvGrpSpPr>
+        <p:grpSpPr>
+          <a:xfrm>
+            <a:off x="0" y="3334876"/>
+            <a:ext cx="11343190" cy="892413"/>
+            <a:chOff x="94290" y="5552659"/>
+            <a:chExt cx="11343190" cy="892413"/>
+          </a:xfrm>
+        </p:grpSpPr>
+        <p:sp>
+          <p:nvSpPr>
+            <p:cNvPr id="10" name="TextBox 9">
+              <a:extLst>
+                <a:ext uri="{FF2B5EF4-FFF2-40B4-BE49-F238E27FC236}">
+                  <a16:creationId xmlns:a16="http://schemas.microsoft.com/office/drawing/2014/main" id="{CA48153A-8EAC-E4AB-0AF5-B6AACF34DE2D}"/>
+                </a:ext>
+              </a:extLst>
+            </p:cNvPr>
+            <p:cNvSpPr txBox="1"/>
+            <p:nvPr/>
+          </p:nvSpPr>
+          <p:spPr>
+            <a:xfrm>
+              <a:off x="94290" y="5552659"/>
+              <a:ext cx="11343190" cy="369332"/>
+            </a:xfrm>
+            <a:prstGeom prst="rect">
+              <a:avLst/>
+            </a:prstGeom>
+            <a:noFill/>
+          </p:spPr>
+          <p:txBody>
+            <a:bodyPr wrap="square" rtlCol="0">
+              <a:spAutoFit/>
+            </a:bodyPr>
+            <a:lstStyle/>
+            <a:p>
+              <a:r>
+                <a:rPr lang="en-US" dirty="0"/>
+                <a:t>2. Dr. Alice Brown a cardiologist, is registered in the hospital’s system.</a:t>
+              </a:r>
+            </a:p>
+          </p:txBody>
+        </p:sp>
+        <p:pic>
+          <p:nvPicPr>
+            <p:cNvPr id="11" name="Picture 10">
+              <a:extLst>
+                <a:ext uri="{FF2B5EF4-FFF2-40B4-BE49-F238E27FC236}">
+                  <a16:creationId xmlns:a16="http://schemas.microsoft.com/office/drawing/2014/main" id="{612E2429-B636-2F9B-CB2B-CFE09A6FA0C2}"/>
+                </a:ext>
+              </a:extLst>
+            </p:cNvPr>
+            <p:cNvPicPr>
+              <a:picLocks noChangeAspect="1"/>
+            </p:cNvPicPr>
+            <p:nvPr/>
+          </p:nvPicPr>
+          <p:blipFill>
+            <a:blip r:embed="rId4"/>
+            <a:stretch>
+              <a:fillRect/>
+            </a:stretch>
+          </p:blipFill>
+          <p:spPr>
+            <a:xfrm>
+              <a:off x="94290" y="6048159"/>
+              <a:ext cx="7772400" cy="396913"/>
+            </a:xfrm>
+            <a:prstGeom prst="rect">
+              <a:avLst/>
+            </a:prstGeom>
+          </p:spPr>
+        </p:pic>
+      </p:grpSp>
+      <p:grpSp>
+        <p:nvGrpSpPr>
+          <p:cNvPr id="17" name="Group 16">
+            <a:extLst>
+              <a:ext uri="{FF2B5EF4-FFF2-40B4-BE49-F238E27FC236}">
+                <a16:creationId xmlns:a16="http://schemas.microsoft.com/office/drawing/2014/main" id="{54BA012D-1440-945C-F7DC-F0B4C7EDAA45}"/>
+              </a:ext>
+            </a:extLst>
+          </p:cNvPr>
+          <p:cNvGrpSpPr/>
+          <p:nvPr/>
+        </p:nvGrpSpPr>
+        <p:grpSpPr>
+          <a:xfrm>
+            <a:off x="0" y="4949005"/>
+            <a:ext cx="11343190" cy="762870"/>
+            <a:chOff x="0" y="5884002"/>
+            <a:chExt cx="11343190" cy="762870"/>
+          </a:xfrm>
+        </p:grpSpPr>
+        <p:sp>
+          <p:nvSpPr>
+            <p:cNvPr id="14" name="TextBox 13">
+              <a:extLst>
+                <a:ext uri="{FF2B5EF4-FFF2-40B4-BE49-F238E27FC236}">
+                  <a16:creationId xmlns:a16="http://schemas.microsoft.com/office/drawing/2014/main" id="{153E3911-BB0E-8DDA-148C-1E80500036D4}"/>
+                </a:ext>
+              </a:extLst>
+            </p:cNvPr>
+            <p:cNvSpPr txBox="1"/>
+            <p:nvPr/>
+          </p:nvSpPr>
+          <p:spPr>
+            <a:xfrm>
+              <a:off x="0" y="5884002"/>
+              <a:ext cx="11343190" cy="369332"/>
+            </a:xfrm>
+            <a:prstGeom prst="rect">
+              <a:avLst/>
+            </a:prstGeom>
+            <a:noFill/>
+          </p:spPr>
+          <p:txBody>
+            <a:bodyPr wrap="square" rtlCol="0">
+              <a:spAutoFit/>
+            </a:bodyPr>
+            <a:lstStyle/>
+            <a:p>
+              <a:r>
+                <a:rPr lang="en-US" dirty="0"/>
+                <a:t>3. Bob McKenzie schedules an appointment with Dr. Alice Brown for a regular checkup.</a:t>
+              </a:r>
+            </a:p>
+          </p:txBody>
+        </p:sp>
+        <p:pic>
+          <p:nvPicPr>
+            <p:cNvPr id="16" name="Picture 15">
+              <a:extLst>
+                <a:ext uri="{FF2B5EF4-FFF2-40B4-BE49-F238E27FC236}">
+                  <a16:creationId xmlns:a16="http://schemas.microsoft.com/office/drawing/2014/main" id="{0ED34913-9288-F145-C567-F699B6317E65}"/>
+                </a:ext>
+              </a:extLst>
+            </p:cNvPr>
+            <p:cNvPicPr>
+              <a:picLocks noChangeAspect="1"/>
+            </p:cNvPicPr>
+            <p:nvPr/>
+          </p:nvPicPr>
+          <p:blipFill>
+            <a:blip r:embed="rId5"/>
+            <a:stretch>
+              <a:fillRect/>
+            </a:stretch>
+          </p:blipFill>
+          <p:spPr>
+            <a:xfrm>
+              <a:off x="0" y="6253334"/>
+              <a:ext cx="7772400" cy="393538"/>
+            </a:xfrm>
+            <a:prstGeom prst="rect">
+              <a:avLst/>
+            </a:prstGeom>
+          </p:spPr>
+        </p:pic>
+      </p:grpSp>
+    </p:spTree>
+    <p:extLst>
+      <p:ext uri="{BB962C8B-B14F-4D97-AF65-F5344CB8AC3E}">
+        <p14:creationId xmlns:p14="http://schemas.microsoft.com/office/powerpoint/2010/main" val="3208722245"/>
+      </p:ext>
+    </p:extLst>
+  </p:cSld>
+  <p:clrMapOvr>
+    <a:masterClrMapping/>
+  </p:clrMapOvr>
+</p:sld>
+</file>
+
+<file path=ppt/slides/slide7.xml><?xml version="1.0" encoding="utf-8"?>
+<p:sld xmlns:a="http://schemas.openxmlformats.org/drawingml/2006/main" xmlns:r="http://schemas.openxmlformats.org/officeDocument/2006/relationships" xmlns:p="http://schemas.openxmlformats.org/presentationml/2006/main">
+  <p:cSld>
+    <p:bg>
+      <p:bgPr>
+        <a:solidFill>
+          <a:schemeClr val="bg2"/>
+        </a:solidFill>
+        <a:effectLst/>
+      </p:bgPr>
+    </p:bg>
+    <p:spTree>
+      <p:nvGrpSpPr>
+        <p:cNvPr id="1" name=""/>
+        <p:cNvGrpSpPr/>
+        <p:nvPr/>
+      </p:nvGrpSpPr>
+      <p:grpSpPr>
+        <a:xfrm>
+          <a:off x="0" y="0"/>
+          <a:ext cx="0" cy="0"/>
+          <a:chOff x="0" y="0"/>
+          <a:chExt cx="0" cy="0"/>
+        </a:xfrm>
+      </p:grpSpPr>
+      <p:sp>
+        <p:nvSpPr>
+          <p:cNvPr id="2" name="Title 1">
+            <a:extLst>
+              <a:ext uri="{FF2B5EF4-FFF2-40B4-BE49-F238E27FC236}">
+                <a16:creationId xmlns:a16="http://schemas.microsoft.com/office/drawing/2014/main" id="{F3877A34-D505-AB24-D8F6-789973D75956}"/>
+              </a:ext>
+            </a:extLst>
+          </p:cNvPr>
+          <p:cNvSpPr>
+            <a:spLocks noGrp="1"/>
+          </p:cNvSpPr>
+          <p:nvPr>
+            <p:ph type="ctrTitle"/>
+          </p:nvPr>
+        </p:nvSpPr>
+        <p:spPr>
+          <a:xfrm>
+            <a:off x="1249136" y="84960"/>
+            <a:ext cx="9693728" cy="734788"/>
+          </a:xfrm>
+        </p:spPr>
+        <p:txBody>
+          <a:bodyPr>
+            <a:normAutofit/>
+          </a:bodyPr>
+          <a:lstStyle/>
+          <a:p>
+            <a:pPr>
+              <a:lnSpc>
+                <a:spcPct val="90000"/>
+              </a:lnSpc>
+            </a:pPr>
+            <a:r>
+              <a:rPr lang="en-US" sz="3600" dirty="0"/>
+              <a:t>Business report</a:t>
+            </a:r>
+            <a:endParaRPr lang="en-US" sz="3600" dirty="0">
+              <a:solidFill>
+                <a:schemeClr val="tx1"/>
+              </a:solidFill>
+              <a:latin typeface="+mn-lt"/>
+              <a:ea typeface="+mn-ea"/>
+              <a:cs typeface="+mn-cs"/>
+            </a:endParaRPr>
+          </a:p>
+        </p:txBody>
+      </p:sp>
+      <p:sp>
+        <p:nvSpPr>
+          <p:cNvPr id="5" name="TextBox 4">
+            <a:extLst>
+              <a:ext uri="{FF2B5EF4-FFF2-40B4-BE49-F238E27FC236}">
+                <a16:creationId xmlns:a16="http://schemas.microsoft.com/office/drawing/2014/main" id="{17775D0D-9290-2A03-6535-71B49C9523AD}"/>
+              </a:ext>
+            </a:extLst>
+          </p:cNvPr>
+          <p:cNvSpPr txBox="1"/>
+          <p:nvPr/>
+        </p:nvSpPr>
+        <p:spPr>
+          <a:xfrm>
+            <a:off x="94290" y="928978"/>
+            <a:ext cx="11399371" cy="646331"/>
+          </a:xfrm>
+          <a:prstGeom prst="rect">
+            <a:avLst/>
+          </a:prstGeom>
+          <a:noFill/>
+        </p:spPr>
+        <p:txBody>
+          <a:bodyPr wrap="square" rtlCol="0">
+            <a:spAutoFit/>
+          </a:bodyPr>
+          <a:lstStyle/>
+          <a:p>
+            <a:r>
+              <a:rPr lang="en-US" dirty="0"/>
+              <a:t>Explanation of how the system works. </a:t>
+            </a:r>
+          </a:p>
+          <a:p>
+            <a:r>
+              <a:rPr lang="en-US" dirty="0"/>
+              <a:t>Story: Bob McKenzie’s Appointment and Medical Record Journey</a:t>
+            </a:r>
+          </a:p>
+        </p:txBody>
+      </p:sp>
+      <p:grpSp>
+        <p:nvGrpSpPr>
+          <p:cNvPr id="23" name="Group 22">
+            <a:extLst>
+              <a:ext uri="{FF2B5EF4-FFF2-40B4-BE49-F238E27FC236}">
+                <a16:creationId xmlns:a16="http://schemas.microsoft.com/office/drawing/2014/main" id="{80721EFD-FFBB-E345-6885-73813FF9FFED}"/>
+              </a:ext>
+            </a:extLst>
+          </p:cNvPr>
+          <p:cNvGrpSpPr/>
+          <p:nvPr/>
+        </p:nvGrpSpPr>
+        <p:grpSpPr>
+          <a:xfrm>
+            <a:off x="94290" y="2016674"/>
+            <a:ext cx="10429720" cy="825713"/>
+            <a:chOff x="0" y="5929022"/>
+            <a:chExt cx="10429720" cy="825713"/>
+          </a:xfrm>
+        </p:grpSpPr>
+        <p:sp>
+          <p:nvSpPr>
+            <p:cNvPr id="20" name="TextBox 19">
+              <a:extLst>
+                <a:ext uri="{FF2B5EF4-FFF2-40B4-BE49-F238E27FC236}">
+                  <a16:creationId xmlns:a16="http://schemas.microsoft.com/office/drawing/2014/main" id="{152B035C-AAD8-B88F-62D5-8661A4652DDD}"/>
+                </a:ext>
+              </a:extLst>
+            </p:cNvPr>
+            <p:cNvSpPr txBox="1"/>
+            <p:nvPr/>
+          </p:nvSpPr>
+          <p:spPr>
+            <a:xfrm>
+              <a:off x="0" y="5929022"/>
+              <a:ext cx="10429720" cy="369332"/>
+            </a:xfrm>
+            <a:prstGeom prst="rect">
+              <a:avLst/>
+            </a:prstGeom>
+            <a:noFill/>
+          </p:spPr>
+          <p:txBody>
+            <a:bodyPr wrap="square" rtlCol="0">
+              <a:spAutoFit/>
+            </a:bodyPr>
+            <a:lstStyle/>
+            <a:p>
+              <a:r>
+                <a:rPr lang="en-US" dirty="0"/>
+                <a:t>4. Dr. Alice Brown’s schedule is updated to reflect her availability.</a:t>
+              </a:r>
+            </a:p>
+          </p:txBody>
+        </p:sp>
+        <p:pic>
+          <p:nvPicPr>
+            <p:cNvPr id="22" name="Picture 21">
+              <a:extLst>
+                <a:ext uri="{FF2B5EF4-FFF2-40B4-BE49-F238E27FC236}">
+                  <a16:creationId xmlns:a16="http://schemas.microsoft.com/office/drawing/2014/main" id="{D7B7FCEC-FE78-1A6D-34BC-80B933165A87}"/>
+                </a:ext>
+              </a:extLst>
+            </p:cNvPr>
+            <p:cNvPicPr>
+              <a:picLocks noChangeAspect="1"/>
+            </p:cNvPicPr>
+            <p:nvPr/>
+          </p:nvPicPr>
+          <p:blipFill>
+            <a:blip r:embed="rId3"/>
+            <a:stretch>
+              <a:fillRect/>
+            </a:stretch>
+          </p:blipFill>
+          <p:spPr>
+            <a:xfrm>
+              <a:off x="22185" y="6320326"/>
+              <a:ext cx="7772400" cy="434409"/>
+            </a:xfrm>
+            <a:prstGeom prst="rect">
+              <a:avLst/>
+            </a:prstGeom>
+          </p:spPr>
+        </p:pic>
+      </p:grpSp>
+      <p:grpSp>
+        <p:nvGrpSpPr>
+          <p:cNvPr id="28" name="Group 27">
+            <a:extLst>
+              <a:ext uri="{FF2B5EF4-FFF2-40B4-BE49-F238E27FC236}">
+                <a16:creationId xmlns:a16="http://schemas.microsoft.com/office/drawing/2014/main" id="{092B5B18-D671-C12B-65D8-D7940F70D91D}"/>
+              </a:ext>
+            </a:extLst>
+          </p:cNvPr>
+          <p:cNvGrpSpPr/>
+          <p:nvPr/>
+        </p:nvGrpSpPr>
+        <p:grpSpPr>
+          <a:xfrm>
+            <a:off x="0" y="3405473"/>
+            <a:ext cx="12192000" cy="1041138"/>
+            <a:chOff x="0" y="6505572"/>
+            <a:chExt cx="12192000" cy="1041138"/>
+          </a:xfrm>
+        </p:grpSpPr>
+        <p:sp>
+          <p:nvSpPr>
+            <p:cNvPr id="25" name="TextBox 24">
+              <a:extLst>
+                <a:ext uri="{FF2B5EF4-FFF2-40B4-BE49-F238E27FC236}">
+                  <a16:creationId xmlns:a16="http://schemas.microsoft.com/office/drawing/2014/main" id="{07B870AD-0B4D-6A94-8496-39F419C32B70}"/>
+                </a:ext>
+              </a:extLst>
+            </p:cNvPr>
+            <p:cNvSpPr txBox="1"/>
+            <p:nvPr/>
+          </p:nvSpPr>
+          <p:spPr>
+            <a:xfrm>
+              <a:off x="0" y="6505572"/>
+              <a:ext cx="12192000" cy="646331"/>
+            </a:xfrm>
+            <a:prstGeom prst="rect">
+              <a:avLst/>
+            </a:prstGeom>
+            <a:noFill/>
+          </p:spPr>
+          <p:txBody>
+            <a:bodyPr wrap="square" rtlCol="0">
+              <a:spAutoFit/>
+            </a:bodyPr>
+            <a:lstStyle/>
+            <a:p>
+              <a:r>
+                <a:rPr lang="en-US" dirty="0"/>
+                <a:t>5. Bob McKenzie visits Dr. Alice Brown for his scheduled checkup on August 5, 2024. </a:t>
+              </a:r>
+            </a:p>
+            <a:p>
+              <a:r>
+                <a:rPr lang="en-US" dirty="0"/>
+                <a:t>During the visit, Dr. Brown diagnoses John with hypertension and prescribes medication.</a:t>
+              </a:r>
+            </a:p>
+          </p:txBody>
+        </p:sp>
+        <p:pic>
+          <p:nvPicPr>
+            <p:cNvPr id="27" name="Picture 26">
+              <a:extLst>
+                <a:ext uri="{FF2B5EF4-FFF2-40B4-BE49-F238E27FC236}">
+                  <a16:creationId xmlns:a16="http://schemas.microsoft.com/office/drawing/2014/main" id="{80722955-926B-02DB-6FF4-A59C86F854A1}"/>
+                </a:ext>
+              </a:extLst>
+            </p:cNvPr>
+            <p:cNvPicPr>
+              <a:picLocks noChangeAspect="1"/>
+            </p:cNvPicPr>
+            <p:nvPr/>
+          </p:nvPicPr>
+          <p:blipFill>
+            <a:blip r:embed="rId4"/>
+            <a:stretch>
+              <a:fillRect/>
+            </a:stretch>
+          </p:blipFill>
+          <p:spPr>
+            <a:xfrm>
+              <a:off x="0" y="7151903"/>
+              <a:ext cx="7866690" cy="394807"/>
+            </a:xfrm>
+            <a:prstGeom prst="rect">
+              <a:avLst/>
+            </a:prstGeom>
+          </p:spPr>
+        </p:pic>
+      </p:grpSp>
+      <p:grpSp>
+        <p:nvGrpSpPr>
+          <p:cNvPr id="15" name="Group 14">
+            <a:extLst>
+              <a:ext uri="{FF2B5EF4-FFF2-40B4-BE49-F238E27FC236}">
+                <a16:creationId xmlns:a16="http://schemas.microsoft.com/office/drawing/2014/main" id="{AFF17C91-FC2E-FB69-754D-8B0B0058D7D5}"/>
+              </a:ext>
+            </a:extLst>
+          </p:cNvPr>
+          <p:cNvGrpSpPr/>
+          <p:nvPr/>
+        </p:nvGrpSpPr>
+        <p:grpSpPr>
+          <a:xfrm>
+            <a:off x="0" y="5071271"/>
+            <a:ext cx="11875625" cy="1041046"/>
+            <a:chOff x="0" y="5408453"/>
+            <a:chExt cx="11875625" cy="1041046"/>
+          </a:xfrm>
+        </p:grpSpPr>
+        <p:sp>
+          <p:nvSpPr>
+            <p:cNvPr id="8" name="TextBox 7">
+              <a:extLst>
+                <a:ext uri="{FF2B5EF4-FFF2-40B4-BE49-F238E27FC236}">
+                  <a16:creationId xmlns:a16="http://schemas.microsoft.com/office/drawing/2014/main" id="{2D5E12BD-2D07-C3CB-BAA5-9942A42A49BF}"/>
+                </a:ext>
+              </a:extLst>
+            </p:cNvPr>
+            <p:cNvSpPr txBox="1"/>
+            <p:nvPr/>
+          </p:nvSpPr>
+          <p:spPr>
+            <a:xfrm>
+              <a:off x="0" y="5408453"/>
+              <a:ext cx="11875625" cy="646331"/>
+            </a:xfrm>
+            <a:prstGeom prst="rect">
+              <a:avLst/>
+            </a:prstGeom>
+            <a:noFill/>
+          </p:spPr>
+          <p:txBody>
+            <a:bodyPr wrap="square" rtlCol="0">
+              <a:spAutoFit/>
+            </a:bodyPr>
+            <a:lstStyle/>
+            <a:p>
+              <a:r>
+                <a:rPr lang="en-US" dirty="0"/>
+                <a:t>6. The hospital generates a bill for Bob McKenzie visit. The total amount for the consultation is $200, which Bob pays $100. The payment status is defined as unpaid showing that a debt exists.</a:t>
+              </a:r>
+            </a:p>
+          </p:txBody>
+        </p:sp>
+        <p:pic>
+          <p:nvPicPr>
+            <p:cNvPr id="13" name="Picture 12">
+              <a:extLst>
+                <a:ext uri="{FF2B5EF4-FFF2-40B4-BE49-F238E27FC236}">
+                  <a16:creationId xmlns:a16="http://schemas.microsoft.com/office/drawing/2014/main" id="{48C072CD-3403-178D-6018-DA7E2A9A4D15}"/>
+                </a:ext>
+              </a:extLst>
+            </p:cNvPr>
+            <p:cNvPicPr>
+              <a:picLocks noChangeAspect="1"/>
+            </p:cNvPicPr>
+            <p:nvPr/>
+          </p:nvPicPr>
+          <p:blipFill>
+            <a:blip r:embed="rId5"/>
+            <a:stretch>
+              <a:fillRect/>
+            </a:stretch>
+          </p:blipFill>
+          <p:spPr>
+            <a:xfrm>
+              <a:off x="0" y="6054784"/>
+              <a:ext cx="7772400" cy="394715"/>
+            </a:xfrm>
+            <a:prstGeom prst="rect">
+              <a:avLst/>
+            </a:prstGeom>
+          </p:spPr>
+        </p:pic>
+      </p:grpSp>
+    </p:spTree>
+    <p:extLst>
+      <p:ext uri="{BB962C8B-B14F-4D97-AF65-F5344CB8AC3E}">
+        <p14:creationId xmlns:p14="http://schemas.microsoft.com/office/powerpoint/2010/main" val="2762156096"/>
+      </p:ext>
+    </p:extLst>
+  </p:cSld>
+  <p:clrMapOvr>
+    <a:masterClrMapping/>
+  </p:clrMapOvr>
+</p:sld>
+</file>
+
+<file path=ppt/slides/slide8.xml><?xml version="1.0" encoding="utf-8"?>
+<p:sld xmlns:a="http://schemas.openxmlformats.org/drawingml/2006/main" xmlns:r="http://schemas.openxmlformats.org/officeDocument/2006/relationships" xmlns:p="http://schemas.openxmlformats.org/presentationml/2006/main">
+  <p:cSld>
+    <p:bg>
+      <p:bgPr>
+        <a:solidFill>
+          <a:schemeClr val="bg2"/>
+        </a:solidFill>
+        <a:effectLst/>
+      </p:bgPr>
+    </p:bg>
+    <p:spTree>
+      <p:nvGrpSpPr>
+        <p:cNvPr id="1" name=""/>
+        <p:cNvGrpSpPr/>
+        <p:nvPr/>
+      </p:nvGrpSpPr>
+      <p:grpSpPr>
+        <a:xfrm>
+          <a:off x="0" y="0"/>
+          <a:ext cx="0" cy="0"/>
+          <a:chOff x="0" y="0"/>
+          <a:chExt cx="0" cy="0"/>
+        </a:xfrm>
+      </p:grpSpPr>
+      <p:sp>
+        <p:nvSpPr>
+          <p:cNvPr id="2" name="Title 1">
+            <a:extLst>
+              <a:ext uri="{FF2B5EF4-FFF2-40B4-BE49-F238E27FC236}">
+                <a16:creationId xmlns:a16="http://schemas.microsoft.com/office/drawing/2014/main" id="{F3877A34-D505-AB24-D8F6-789973D75956}"/>
+              </a:ext>
+            </a:extLst>
+          </p:cNvPr>
+          <p:cNvSpPr>
+            <a:spLocks noGrp="1"/>
+          </p:cNvSpPr>
+          <p:nvPr>
+            <p:ph type="ctrTitle"/>
+          </p:nvPr>
+        </p:nvSpPr>
+        <p:spPr>
+          <a:xfrm>
+            <a:off x="1249136" y="84960"/>
+            <a:ext cx="9693728" cy="734788"/>
+          </a:xfrm>
+        </p:spPr>
+        <p:txBody>
+          <a:bodyPr>
+            <a:normAutofit fontScale="90000"/>
+          </a:bodyPr>
+          <a:lstStyle/>
+          <a:p>
+            <a:pPr>
+              <a:lnSpc>
+                <a:spcPct val="90000"/>
+              </a:lnSpc>
+            </a:pPr>
+            <a:r>
+              <a:rPr lang="en-US" sz="3600" dirty="0"/>
+              <a:t>Information Retrieval from Visual Studio</a:t>
+            </a:r>
+            <a:endParaRPr lang="en-US" sz="3600" dirty="0">
+              <a:solidFill>
+                <a:schemeClr val="tx1"/>
+              </a:solidFill>
+              <a:latin typeface="+mn-lt"/>
+              <a:ea typeface="+mn-ea"/>
+              <a:cs typeface="+mn-cs"/>
+            </a:endParaRPr>
+          </a:p>
+        </p:txBody>
+      </p:sp>
+      <p:sp>
+        <p:nvSpPr>
+          <p:cNvPr id="5" name="TextBox 4">
+            <a:extLst>
+              <a:ext uri="{FF2B5EF4-FFF2-40B4-BE49-F238E27FC236}">
+                <a16:creationId xmlns:a16="http://schemas.microsoft.com/office/drawing/2014/main" id="{17775D0D-9290-2A03-6535-71B49C9523AD}"/>
+              </a:ext>
+            </a:extLst>
+          </p:cNvPr>
+          <p:cNvSpPr txBox="1"/>
+          <p:nvPr/>
+        </p:nvSpPr>
+        <p:spPr>
+          <a:xfrm rot="21027716">
+            <a:off x="840822" y="3198168"/>
+            <a:ext cx="11399371" cy="461665"/>
+          </a:xfrm>
+          <a:prstGeom prst="rect">
+            <a:avLst/>
+          </a:prstGeom>
+          <a:noFill/>
+        </p:spPr>
+        <p:txBody>
+          <a:bodyPr wrap="square" rtlCol="0">
+            <a:spAutoFit/>
+          </a:bodyPr>
+          <a:lstStyle/>
+          <a:p>
+            <a:pPr algn="ctr"/>
+            <a:r>
+              <a:rPr lang="en-US" sz="2400" dirty="0">
+                <a:highlight>
+                  <a:srgbClr val="FFFF00"/>
+                </a:highlight>
+              </a:rPr>
+              <a:t>Screenshots of SQL queries executed in Visual Studio.</a:t>
+            </a:r>
+          </a:p>
+        </p:txBody>
+      </p:sp>
+    </p:spTree>
+    <p:extLst>
+      <p:ext uri="{BB962C8B-B14F-4D97-AF65-F5344CB8AC3E}">
+        <p14:creationId xmlns:p14="http://schemas.microsoft.com/office/powerpoint/2010/main" val="1245606035"/>
       </p:ext>
     </p:extLst>
   </p:cSld>
@@ -8174,4 +9679,319 @@
     </a:ext>
   </a:extLst>
 </a:theme>
+</file>
+
+<file path=ppt/theme/theme2.xml><?xml version="1.0" encoding="utf-8"?>
+<a:theme xmlns:a="http://schemas.openxmlformats.org/drawingml/2006/main" name="Office Theme">
+  <a:themeElements>
+    <a:clrScheme name="Office">
+      <a:dk1>
+        <a:sysClr val="windowText" lastClr="000000"/>
+      </a:dk1>
+      <a:lt1>
+        <a:sysClr val="window" lastClr="FFFFFF"/>
+      </a:lt1>
+      <a:dk2>
+        <a:srgbClr val="0E2841"/>
+      </a:dk2>
+      <a:lt2>
+        <a:srgbClr val="E8E8E8"/>
+      </a:lt2>
+      <a:accent1>
+        <a:srgbClr val="156082"/>
+      </a:accent1>
+      <a:accent2>
+        <a:srgbClr val="E97132"/>
+      </a:accent2>
+      <a:accent3>
+        <a:srgbClr val="196B24"/>
+      </a:accent3>
+      <a:accent4>
+        <a:srgbClr val="0F9ED5"/>
+      </a:accent4>
+      <a:accent5>
+        <a:srgbClr val="A02B93"/>
+      </a:accent5>
+      <a:accent6>
+        <a:srgbClr val="4EA72E"/>
+      </a:accent6>
+      <a:hlink>
+        <a:srgbClr val="467886"/>
+      </a:hlink>
+      <a:folHlink>
+        <a:srgbClr val="96607D"/>
+      </a:folHlink>
+    </a:clrScheme>
+    <a:fontScheme name="Office">
+      <a:majorFont>
+        <a:latin typeface="Aptos Display" panose="02110004020202020204"/>
+        <a:ea typeface=""/>
+        <a:cs typeface=""/>
+        <a:font script="Jpan" typeface="游ゴシック Light"/>
+        <a:font script="Hang" typeface="맑은 고딕"/>
+        <a:font script="Hans" typeface="等线 Light"/>
+        <a:font script="Hant" typeface="新細明體"/>
+        <a:font script="Arab" typeface="Times New Roman"/>
+        <a:font script="Hebr" typeface="Times New Roman"/>
+        <a:font script="Thai" typeface="Angsana New"/>
+        <a:font script="Ethi" typeface="Nyala"/>
+        <a:font script="Beng" typeface="Vrinda"/>
+        <a:font script="Gujr" typeface="Shruti"/>
+        <a:font script="Khmr" typeface="MoolBoran"/>
+        <a:font script="Knda" typeface="Tunga"/>
+        <a:font script="Guru" typeface="Raavi"/>
+        <a:font script="Cans" typeface="Euphemia"/>
+        <a:font script="Cher" typeface="Plantagenet Cherokee"/>
+        <a:font script="Yiii" typeface="Microsoft Yi Baiti"/>
+        <a:font script="Tibt" typeface="Microsoft Himalaya"/>
+        <a:font script="Thaa" typeface="MV Boli"/>
+        <a:font script="Deva" typeface="Mangal"/>
+        <a:font script="Telu" typeface="Gautami"/>
+        <a:font script="Taml" typeface="Latha"/>
+        <a:font script="Syrc" typeface="Estrangelo Edessa"/>
+        <a:font script="Orya" typeface="Kalinga"/>
+        <a:font script="Mlym" typeface="Kartika"/>
+        <a:font script="Laoo" typeface="DokChampa"/>
+        <a:font script="Sinh" typeface="Iskoola Pota"/>
+        <a:font script="Mong" typeface="Mongolian Baiti"/>
+        <a:font script="Viet" typeface="Times New Roman"/>
+        <a:font script="Uigh" typeface="Microsoft Uighur"/>
+        <a:font script="Geor" typeface="Sylfaen"/>
+        <a:font script="Armn" typeface="Arial"/>
+        <a:font script="Bugi" typeface="Leelawadee UI"/>
+        <a:font script="Bopo" typeface="Microsoft JhengHei"/>
+        <a:font script="Java" typeface="Javanese Text"/>
+        <a:font script="Lisu" typeface="Segoe UI"/>
+        <a:font script="Mymr" typeface="Myanmar Text"/>
+        <a:font script="Nkoo" typeface="Ebrima"/>
+        <a:font script="Olck" typeface="Nirmala UI"/>
+        <a:font script="Osma" typeface="Ebrima"/>
+        <a:font script="Phag" typeface="Phagspa"/>
+        <a:font script="Syrn" typeface="Estrangelo Edessa"/>
+        <a:font script="Syrj" typeface="Estrangelo Edessa"/>
+        <a:font script="Syre" typeface="Estrangelo Edessa"/>
+        <a:font script="Sora" typeface="Nirmala UI"/>
+        <a:font script="Tale" typeface="Microsoft Tai Le"/>
+        <a:font script="Talu" typeface="Microsoft New Tai Lue"/>
+        <a:font script="Tfng" typeface="Ebrima"/>
+      </a:majorFont>
+      <a:minorFont>
+        <a:latin typeface="Aptos" panose="02110004020202020204"/>
+        <a:ea typeface=""/>
+        <a:cs typeface=""/>
+        <a:font script="Jpan" typeface="游ゴシック"/>
+        <a:font script="Hang" typeface="맑은 고딕"/>
+        <a:font script="Hans" typeface="等线"/>
+        <a:font script="Hant" typeface="新細明體"/>
+        <a:font script="Arab" typeface="Arial"/>
+        <a:font script="Hebr" typeface="Arial"/>
+        <a:font script="Thai" typeface="Cordia New"/>
+        <a:font script="Ethi" typeface="Nyala"/>
+        <a:font script="Beng" typeface="Vrinda"/>
+        <a:font script="Gujr" typeface="Shruti"/>
+        <a:font script="Khmr" typeface="DaunPenh"/>
+        <a:font script="Knda" typeface="Tunga"/>
+        <a:font script="Guru" typeface="Raavi"/>
+        <a:font script="Cans" typeface="Euphemia"/>
+        <a:font script="Cher" typeface="Plantagenet Cherokee"/>
+        <a:font script="Yiii" typeface="Microsoft Yi Baiti"/>
+        <a:font script="Tibt" typeface="Microsoft Himalaya"/>
+        <a:font script="Thaa" typeface="MV Boli"/>
+        <a:font script="Deva" typeface="Mangal"/>
+        <a:font script="Telu" typeface="Gautami"/>
+        <a:font script="Taml" typeface="Latha"/>
+        <a:font script="Syrc" typeface="Estrangelo Edessa"/>
+        <a:font script="Orya" typeface="Kalinga"/>
+        <a:font script="Mlym" typeface="Kartika"/>
+        <a:font script="Laoo" typeface="DokChampa"/>
+        <a:font script="Sinh" typeface="Iskoola Pota"/>
+        <a:font script="Mong" typeface="Mongolian Baiti"/>
+        <a:font script="Viet" typeface="Arial"/>
+        <a:font script="Uigh" typeface="Microsoft Uighur"/>
+        <a:font script="Geor" typeface="Sylfaen"/>
+        <a:font script="Armn" typeface="Arial"/>
+        <a:font script="Bugi" typeface="Leelawadee UI"/>
+        <a:font script="Bopo" typeface="Microsoft JhengHei"/>
+        <a:font script="Java" typeface="Javanese Text"/>
+        <a:font script="Lisu" typeface="Segoe UI"/>
+        <a:font script="Mymr" typeface="Myanmar Text"/>
+        <a:font script="Nkoo" typeface="Ebrima"/>
+        <a:font script="Olck" typeface="Nirmala UI"/>
+        <a:font script="Osma" typeface="Ebrima"/>
+        <a:font script="Phag" typeface="Phagspa"/>
+        <a:font script="Syrn" typeface="Estrangelo Edessa"/>
+        <a:font script="Syrj" typeface="Estrangelo Edessa"/>
+        <a:font script="Syre" typeface="Estrangelo Edessa"/>
+        <a:font script="Sora" typeface="Nirmala UI"/>
+        <a:font script="Tale" typeface="Microsoft Tai Le"/>
+        <a:font script="Talu" typeface="Microsoft New Tai Lue"/>
+        <a:font script="Tfng" typeface="Ebrima"/>
+      </a:minorFont>
+    </a:fontScheme>
+    <a:fmtScheme name="Office">
+      <a:fillStyleLst>
+        <a:solidFill>
+          <a:schemeClr val="phClr"/>
+        </a:solidFill>
+        <a:gradFill rotWithShape="1">
+          <a:gsLst>
+            <a:gs pos="0">
+              <a:schemeClr val="phClr">
+                <a:lumMod val="110000"/>
+                <a:satMod val="105000"/>
+                <a:tint val="67000"/>
+              </a:schemeClr>
+            </a:gs>
+            <a:gs pos="50000">
+              <a:schemeClr val="phClr">
+                <a:lumMod val="105000"/>
+                <a:satMod val="103000"/>
+                <a:tint val="73000"/>
+              </a:schemeClr>
+            </a:gs>
+            <a:gs pos="100000">
+              <a:schemeClr val="phClr">
+                <a:lumMod val="105000"/>
+                <a:satMod val="109000"/>
+                <a:tint val="81000"/>
+              </a:schemeClr>
+            </a:gs>
+          </a:gsLst>
+          <a:lin ang="5400000" scaled="0"/>
+        </a:gradFill>
+        <a:gradFill rotWithShape="1">
+          <a:gsLst>
+            <a:gs pos="0">
+              <a:schemeClr val="phClr">
+                <a:satMod val="103000"/>
+                <a:lumMod val="102000"/>
+                <a:tint val="94000"/>
+              </a:schemeClr>
+            </a:gs>
+            <a:gs pos="50000">
+              <a:schemeClr val="phClr">
+                <a:satMod val="110000"/>
+                <a:lumMod val="100000"/>
+                <a:shade val="100000"/>
+              </a:schemeClr>
+            </a:gs>
+            <a:gs pos="100000">
+              <a:schemeClr val="phClr">
+                <a:lumMod val="99000"/>
+                <a:satMod val="120000"/>
+                <a:shade val="78000"/>
+              </a:schemeClr>
+            </a:gs>
+          </a:gsLst>
+          <a:lin ang="5400000" scaled="0"/>
+        </a:gradFill>
+      </a:fillStyleLst>
+      <a:lnStyleLst>
+        <a:ln w="12700" cap="flat" cmpd="sng" algn="ctr">
+          <a:solidFill>
+            <a:schemeClr val="phClr"/>
+          </a:solidFill>
+          <a:prstDash val="solid"/>
+          <a:miter lim="800000"/>
+        </a:ln>
+        <a:ln w="19050" cap="flat" cmpd="sng" algn="ctr">
+          <a:solidFill>
+            <a:schemeClr val="phClr"/>
+          </a:solidFill>
+          <a:prstDash val="solid"/>
+          <a:miter lim="800000"/>
+        </a:ln>
+        <a:ln w="25400" cap="flat" cmpd="sng" algn="ctr">
+          <a:solidFill>
+            <a:schemeClr val="phClr"/>
+          </a:solidFill>
+          <a:prstDash val="solid"/>
+          <a:miter lim="800000"/>
+        </a:ln>
+      </a:lnStyleLst>
+      <a:effectStyleLst>
+        <a:effectStyle>
+          <a:effectLst/>
+        </a:effectStyle>
+        <a:effectStyle>
+          <a:effectLst/>
+        </a:effectStyle>
+        <a:effectStyle>
+          <a:effectLst>
+            <a:outerShdw blurRad="57150" dist="19050" dir="5400000" algn="ctr" rotWithShape="0">
+              <a:srgbClr val="000000">
+                <a:alpha val="63000"/>
+              </a:srgbClr>
+            </a:outerShdw>
+          </a:effectLst>
+        </a:effectStyle>
+      </a:effectStyleLst>
+      <a:bgFillStyleLst>
+        <a:solidFill>
+          <a:schemeClr val="phClr"/>
+        </a:solidFill>
+        <a:solidFill>
+          <a:schemeClr val="phClr">
+            <a:tint val="95000"/>
+            <a:satMod val="170000"/>
+          </a:schemeClr>
+        </a:solidFill>
+        <a:gradFill rotWithShape="1">
+          <a:gsLst>
+            <a:gs pos="0">
+              <a:schemeClr val="phClr">
+                <a:tint val="93000"/>
+                <a:satMod val="150000"/>
+                <a:shade val="98000"/>
+                <a:lumMod val="102000"/>
+              </a:schemeClr>
+            </a:gs>
+            <a:gs pos="50000">
+              <a:schemeClr val="phClr">
+                <a:tint val="98000"/>
+                <a:satMod val="130000"/>
+                <a:shade val="90000"/>
+                <a:lumMod val="103000"/>
+              </a:schemeClr>
+            </a:gs>
+            <a:gs pos="100000">
+              <a:schemeClr val="phClr">
+                <a:shade val="63000"/>
+                <a:satMod val="120000"/>
+              </a:schemeClr>
+            </a:gs>
+          </a:gsLst>
+          <a:lin ang="5400000" scaled="0"/>
+        </a:gradFill>
+      </a:bgFillStyleLst>
+    </a:fmtScheme>
+  </a:themeElements>
+  <a:objectDefaults>
+    <a:lnDef>
+      <a:spPr/>
+      <a:bodyPr/>
+      <a:lstStyle/>
+      <a:style>
+        <a:lnRef idx="2">
+          <a:schemeClr val="accent1"/>
+        </a:lnRef>
+        <a:fillRef idx="0">
+          <a:schemeClr val="accent1"/>
+        </a:fillRef>
+        <a:effectRef idx="1">
+          <a:schemeClr val="accent1"/>
+        </a:effectRef>
+        <a:fontRef idx="minor">
+          <a:schemeClr val="tx1"/>
+        </a:fontRef>
+      </a:style>
+    </a:lnDef>
+  </a:objectDefaults>
+  <a:extraClrSchemeLst/>
+  <a:extLst>
+    <a:ext uri="{05A4C25C-085E-4340-85A3-A5531E510DB2}">
+      <thm15:themeFamily xmlns:thm15="http://schemas.microsoft.com/office/thememl/2012/main" name="Office Theme" id="{2E142A2C-CD16-42D6-873A-C26D2A0506FA}" vid="{1BDDFF52-6CD6-40A5-AB3C-68EB2F1E4D0A}"/>
+    </a:ext>
+  </a:extLst>
+</a:theme>
 </file>
--- a/DBS-Final/DBS211_Presentation_Group4.pptx
+++ b/DBS-Final/DBS211_Presentation_Group4.pptx
@@ -8179,8 +8179,8 @@
         </p:nvSpPr>
         <p:spPr>
           <a:xfrm>
-            <a:off x="1" y="1276756"/>
-            <a:ext cx="7592784" cy="3693319"/>
+            <a:off x="1" y="958692"/>
+            <a:ext cx="7592784" cy="5025671"/>
           </a:xfrm>
           <a:prstGeom prst="rect">
             <a:avLst/>
@@ -8193,79 +8193,90 @@
           </a:bodyPr>
           <a:lstStyle/>
           <a:p>
+            <a:pPr>
+              <a:lnSpc>
+                <a:spcPct val="150000"/>
+              </a:lnSpc>
+            </a:pPr>
             <a:r>
               <a:rPr lang="en-US" dirty="0"/>
               <a:t>The Hospital Management System database consists of several interconnected tables to efficiently manage hospital operations:</a:t>
             </a:r>
           </a:p>
           <a:p>
-            <a:pPr marL="285750" indent="-285750">
-              <a:buFontTx/>
-              <a:buChar char="-"/>
+            <a:pPr>
+              <a:lnSpc>
+                <a:spcPct val="150000"/>
+              </a:lnSpc>
             </a:pPr>
             <a:r>
               <a:rPr lang="en-US" dirty="0"/>
-              <a:t>The Patients table stores personal and contact information of patients. </a:t>
-            </a:r>
-          </a:p>
-          <a:p>
-            <a:pPr marL="285750" indent="-285750">
-              <a:buFontTx/>
-              <a:buChar char="-"/>
+              <a:t>- The Patients table stores personal and contact information of patients. </a:t>
+            </a:r>
+          </a:p>
+          <a:p>
+            <a:pPr>
+              <a:lnSpc>
+                <a:spcPct val="150000"/>
+              </a:lnSpc>
             </a:pPr>
             <a:r>
               <a:rPr lang="en-US" dirty="0"/>
-              <a:t>The Doctors table holds professional details of doctors. </a:t>
-            </a:r>
-          </a:p>
-          <a:p>
-            <a:pPr marL="285750" indent="-285750">
-              <a:buFontTx/>
-              <a:buChar char="-"/>
+              <a:t>- The Doctors table holds professional details of doctors. </a:t>
+            </a:r>
+          </a:p>
+          <a:p>
+            <a:pPr>
+              <a:lnSpc>
+                <a:spcPct val="150000"/>
+              </a:lnSpc>
             </a:pPr>
             <a:r>
               <a:rPr lang="en-US" dirty="0"/>
-              <a:t>The Appointments table manages patient-doctor appointments, linking to the Patients and Doctors tables through foreign keys. </a:t>
-            </a:r>
-          </a:p>
-          <a:p>
-            <a:pPr marL="285750" indent="-285750">
-              <a:buFontTx/>
-              <a:buChar char="-"/>
+              <a:t>- The Appointments table manages patient-doctor appointments, linking to the Patients and Doctors tables through foreign keys. </a:t>
+            </a:r>
+          </a:p>
+          <a:p>
+            <a:pPr>
+              <a:lnSpc>
+                <a:spcPct val="150000"/>
+              </a:lnSpc>
             </a:pPr>
             <a:r>
               <a:rPr lang="en-US" dirty="0"/>
-              <a:t>The Records table stores medical visit details, including diagnosis and treatment, also linked to Patients and Doctors. </a:t>
-            </a:r>
-          </a:p>
-          <a:p>
-            <a:pPr marL="285750" indent="-285750">
-              <a:buFontTx/>
-              <a:buChar char="-"/>
+              <a:t>- The Records table stores medical visit details, including diagnosis and treatment, also linked to Patients and Doctors. </a:t>
+            </a:r>
+          </a:p>
+          <a:p>
+            <a:pPr>
+              <a:lnSpc>
+                <a:spcPct val="150000"/>
+              </a:lnSpc>
             </a:pPr>
             <a:r>
               <a:rPr lang="en-US" dirty="0"/>
-              <a:t>The Billing table handles billing information, associating appointments with payment details and patient information. </a:t>
-            </a:r>
-          </a:p>
-          <a:p>
-            <a:pPr marL="285750" indent="-285750">
-              <a:buFontTx/>
-              <a:buChar char="-"/>
+              <a:t>- The Billing table handles billing information, associating appointments with payment details and patient information. </a:t>
+            </a:r>
+          </a:p>
+          <a:p>
+            <a:pPr>
+              <a:lnSpc>
+                <a:spcPct val="150000"/>
+              </a:lnSpc>
             </a:pPr>
             <a:r>
               <a:rPr lang="en-US" dirty="0"/>
-              <a:t>The Doctors_Schedules table manages doctors' availability. </a:t>
+              <a:t>- The Doctors_Schedules table manages doctors' availability. </a:t>
             </a:r>
           </a:p>
         </p:txBody>
       </p:sp>
       <p:pic>
         <p:nvPicPr>
-          <p:cNvPr id="7" name="Picture 1" descr="A diagram of a patient schedule&#10;&#10;Description automatically generated with medium confidence">
+          <p:cNvPr id="3" name="Picture 1" descr="A diagram of a patient schedule&#10;&#10;Description automatically generated with medium confidence">
             <a:extLst>
               <a:ext uri="{FF2B5EF4-FFF2-40B4-BE49-F238E27FC236}">
-                <a16:creationId xmlns:a16="http://schemas.microsoft.com/office/drawing/2014/main" id="{28E19077-FD26-4289-B978-10342C8B6E0F}"/>
+                <a16:creationId xmlns:a16="http://schemas.microsoft.com/office/drawing/2014/main" id="{2CAF371E-3F67-D3A7-7368-6408E7310D59}"/>
               </a:ext>
             </a:extLst>
           </p:cNvPr>
@@ -8280,7 +8291,7 @@
         </p:blipFill>
         <p:spPr>
           <a:xfrm>
-            <a:off x="7592785" y="1352231"/>
+            <a:off x="7592785" y="958692"/>
             <a:ext cx="4504925" cy="3605251"/>
           </a:xfrm>
           <a:prstGeom prst="rect">
@@ -8388,8 +8399,8 @@
         </p:nvSpPr>
         <p:spPr>
           <a:xfrm>
-            <a:off x="94290" y="1305341"/>
-            <a:ext cx="7261411" cy="4247317"/>
+            <a:off x="94290" y="916372"/>
+            <a:ext cx="7892242" cy="5856668"/>
           </a:xfrm>
           <a:prstGeom prst="rect">
             <a:avLst/>
@@ -8402,6 +8413,11 @@
           </a:bodyPr>
           <a:lstStyle/>
           <a:p>
+            <a:pPr>
+              <a:lnSpc>
+                <a:spcPct val="150000"/>
+              </a:lnSpc>
+            </a:pPr>
             <a:r>
               <a:rPr lang="en-US" dirty="0"/>
               <a:t>Relationships Overview: </a:t>
@@ -8409,6 +8425,9 @@
           </a:p>
           <a:p>
             <a:pPr marL="285750" indent="-285750">
+              <a:lnSpc>
+                <a:spcPct val="150000"/>
+              </a:lnSpc>
               <a:buFontTx/>
               <a:buChar char="-"/>
             </a:pPr>
@@ -8419,6 +8438,9 @@
           </a:p>
           <a:p>
             <a:pPr marL="285750" indent="-285750">
+              <a:lnSpc>
+                <a:spcPct val="150000"/>
+              </a:lnSpc>
               <a:buFontTx/>
               <a:buChar char="-"/>
             </a:pPr>
@@ -8429,6 +8451,9 @@
           </a:p>
           <a:p>
             <a:pPr marL="285750" indent="-285750">
+              <a:lnSpc>
+                <a:spcPct val="150000"/>
+              </a:lnSpc>
               <a:buFontTx/>
               <a:buChar char="-"/>
             </a:pPr>
@@ -8439,6 +8464,9 @@
           </a:p>
           <a:p>
             <a:pPr marL="285750" indent="-285750">
+              <a:lnSpc>
+                <a:spcPct val="150000"/>
+              </a:lnSpc>
               <a:buFontTx/>
               <a:buChar char="-"/>
             </a:pPr>
@@ -8449,6 +8477,9 @@
           </a:p>
           <a:p>
             <a:pPr marL="285750" indent="-285750">
+              <a:lnSpc>
+                <a:spcPct val="150000"/>
+              </a:lnSpc>
               <a:buFontTx/>
               <a:buChar char="-"/>
             </a:pPr>
@@ -8459,6 +8490,9 @@
           </a:p>
           <a:p>
             <a:pPr marL="285750" indent="-285750">
+              <a:lnSpc>
+                <a:spcPct val="150000"/>
+              </a:lnSpc>
               <a:buFontTx/>
               <a:buChar char="-"/>
             </a:pPr>
@@ -8469,6 +8503,9 @@
           </a:p>
           <a:p>
             <a:pPr marL="285750" indent="-285750">
+              <a:lnSpc>
+                <a:spcPct val="150000"/>
+              </a:lnSpc>
               <a:buFontTx/>
               <a:buChar char="-"/>
             </a:pPr>
@@ -8499,7 +8536,7 @@
         </p:blipFill>
         <p:spPr>
           <a:xfrm>
-            <a:off x="7592785" y="1352231"/>
+            <a:off x="7592785" y="958648"/>
             <a:ext cx="4504925" cy="3605251"/>
           </a:xfrm>
           <a:prstGeom prst="rect">
@@ -8636,181 +8673,6 @@
       </p:sp>
       <p:grpSp>
         <p:nvGrpSpPr>
-          <p:cNvPr id="6" name="Group 5">
-            <a:extLst>
-              <a:ext uri="{FF2B5EF4-FFF2-40B4-BE49-F238E27FC236}">
-                <a16:creationId xmlns:a16="http://schemas.microsoft.com/office/drawing/2014/main" id="{068B0E7B-E072-B360-36AF-1C35A822653A}"/>
-              </a:ext>
-            </a:extLst>
-          </p:cNvPr>
-          <p:cNvGrpSpPr/>
-          <p:nvPr/>
-        </p:nvGrpSpPr>
-        <p:grpSpPr>
-          <a:xfrm>
-            <a:off x="0" y="1953337"/>
-            <a:ext cx="11806177" cy="729792"/>
-            <a:chOff x="0" y="4283924"/>
-            <a:chExt cx="11806177" cy="729792"/>
-          </a:xfrm>
-        </p:grpSpPr>
-        <p:pic>
-          <p:nvPicPr>
-            <p:cNvPr id="3" name="Picture 2">
-              <a:extLst>
-                <a:ext uri="{FF2B5EF4-FFF2-40B4-BE49-F238E27FC236}">
-                  <a16:creationId xmlns:a16="http://schemas.microsoft.com/office/drawing/2014/main" id="{30DDC4E2-78FE-F1AA-0546-3EA1B8C3F567}"/>
-                </a:ext>
-              </a:extLst>
-            </p:cNvPr>
-            <p:cNvPicPr>
-              <a:picLocks noChangeAspect="1"/>
-            </p:cNvPicPr>
-            <p:nvPr/>
-          </p:nvPicPr>
-          <p:blipFill>
-            <a:blip r:embed="rId3"/>
-            <a:stretch>
-              <a:fillRect/>
-            </a:stretch>
-          </p:blipFill>
-          <p:spPr>
-            <a:xfrm>
-              <a:off x="0" y="4657133"/>
-              <a:ext cx="7772400" cy="356583"/>
-            </a:xfrm>
-            <a:prstGeom prst="rect">
-              <a:avLst/>
-            </a:prstGeom>
-          </p:spPr>
-        </p:pic>
-        <p:sp>
-          <p:nvSpPr>
-            <p:cNvPr id="4" name="TextBox 3">
-              <a:extLst>
-                <a:ext uri="{FF2B5EF4-FFF2-40B4-BE49-F238E27FC236}">
-                  <a16:creationId xmlns:a16="http://schemas.microsoft.com/office/drawing/2014/main" id="{DDC4B293-62D9-1476-C01E-BCADE4BDB7D1}"/>
-                </a:ext>
-              </a:extLst>
-            </p:cNvPr>
-            <p:cNvSpPr txBox="1"/>
-            <p:nvPr/>
-          </p:nvSpPr>
-          <p:spPr>
-            <a:xfrm>
-              <a:off x="1" y="4283924"/>
-              <a:ext cx="11806176" cy="369332"/>
-            </a:xfrm>
-            <a:prstGeom prst="rect">
-              <a:avLst/>
-            </a:prstGeom>
-            <a:noFill/>
-          </p:spPr>
-          <p:txBody>
-            <a:bodyPr wrap="square" rtlCol="0">
-              <a:spAutoFit/>
-            </a:bodyPr>
-            <a:lstStyle/>
-            <a:p>
-              <a:pPr marL="342900" indent="-342900">
-                <a:buAutoNum type="arabicPeriod"/>
-              </a:pPr>
-              <a:r>
-                <a:rPr lang="en-US" dirty="0"/>
-                <a:t>Bob McKenzie, a new patient, arrives at the hospital and provides his personal information to register.</a:t>
-              </a:r>
-            </a:p>
-          </p:txBody>
-        </p:sp>
-      </p:grpSp>
-      <p:grpSp>
-        <p:nvGrpSpPr>
-          <p:cNvPr id="12" name="Group 11">
-            <a:extLst>
-              <a:ext uri="{FF2B5EF4-FFF2-40B4-BE49-F238E27FC236}">
-                <a16:creationId xmlns:a16="http://schemas.microsoft.com/office/drawing/2014/main" id="{B360F51C-11F0-86E8-BA9C-AEC83B41FD6C}"/>
-              </a:ext>
-            </a:extLst>
-          </p:cNvPr>
-          <p:cNvGrpSpPr/>
-          <p:nvPr/>
-        </p:nvGrpSpPr>
-        <p:grpSpPr>
-          <a:xfrm>
-            <a:off x="0" y="3334876"/>
-            <a:ext cx="11343190" cy="892413"/>
-            <a:chOff x="94290" y="5552659"/>
-            <a:chExt cx="11343190" cy="892413"/>
-          </a:xfrm>
-        </p:grpSpPr>
-        <p:sp>
-          <p:nvSpPr>
-            <p:cNvPr id="10" name="TextBox 9">
-              <a:extLst>
-                <a:ext uri="{FF2B5EF4-FFF2-40B4-BE49-F238E27FC236}">
-                  <a16:creationId xmlns:a16="http://schemas.microsoft.com/office/drawing/2014/main" id="{CA48153A-8EAC-E4AB-0AF5-B6AACF34DE2D}"/>
-                </a:ext>
-              </a:extLst>
-            </p:cNvPr>
-            <p:cNvSpPr txBox="1"/>
-            <p:nvPr/>
-          </p:nvSpPr>
-          <p:spPr>
-            <a:xfrm>
-              <a:off x="94290" y="5552659"/>
-              <a:ext cx="11343190" cy="369332"/>
-            </a:xfrm>
-            <a:prstGeom prst="rect">
-              <a:avLst/>
-            </a:prstGeom>
-            <a:noFill/>
-          </p:spPr>
-          <p:txBody>
-            <a:bodyPr wrap="square" rtlCol="0">
-              <a:spAutoFit/>
-            </a:bodyPr>
-            <a:lstStyle/>
-            <a:p>
-              <a:r>
-                <a:rPr lang="en-US" dirty="0"/>
-                <a:t>2. Dr. Alice Brown a cardiologist, is registered in the hospital’s system.</a:t>
-              </a:r>
-            </a:p>
-          </p:txBody>
-        </p:sp>
-        <p:pic>
-          <p:nvPicPr>
-            <p:cNvPr id="11" name="Picture 10">
-              <a:extLst>
-                <a:ext uri="{FF2B5EF4-FFF2-40B4-BE49-F238E27FC236}">
-                  <a16:creationId xmlns:a16="http://schemas.microsoft.com/office/drawing/2014/main" id="{612E2429-B636-2F9B-CB2B-CFE09A6FA0C2}"/>
-                </a:ext>
-              </a:extLst>
-            </p:cNvPr>
-            <p:cNvPicPr>
-              <a:picLocks noChangeAspect="1"/>
-            </p:cNvPicPr>
-            <p:nvPr/>
-          </p:nvPicPr>
-          <p:blipFill>
-            <a:blip r:embed="rId4"/>
-            <a:stretch>
-              <a:fillRect/>
-            </a:stretch>
-          </p:blipFill>
-          <p:spPr>
-            <a:xfrm>
-              <a:off x="94290" y="6048159"/>
-              <a:ext cx="7772400" cy="396913"/>
-            </a:xfrm>
-            <a:prstGeom prst="rect">
-              <a:avLst/>
-            </a:prstGeom>
-          </p:spPr>
-        </p:pic>
-      </p:grpSp>
-      <p:grpSp>
-        <p:nvGrpSpPr>
           <p:cNvPr id="17" name="Group 16">
             <a:extLst>
               <a:ext uri="{FF2B5EF4-FFF2-40B4-BE49-F238E27FC236}">
@@ -8824,9 +8686,9 @@
         <p:grpSpPr>
           <a:xfrm>
             <a:off x="0" y="4949005"/>
-            <a:ext cx="11343190" cy="762870"/>
+            <a:ext cx="11343190" cy="1512481"/>
             <a:chOff x="0" y="5884002"/>
-            <a:chExt cx="11343190" cy="762870"/>
+            <a:chExt cx="11343190" cy="1512481"/>
           </a:xfrm>
         </p:grpSpPr>
         <p:sp>
@@ -8879,6 +8741,125 @@
             <p:nvPr/>
           </p:nvPicPr>
           <p:blipFill>
+            <a:blip r:embed="rId3"/>
+            <a:stretch>
+              <a:fillRect/>
+            </a:stretch>
+          </p:blipFill>
+          <p:spPr>
+            <a:xfrm>
+              <a:off x="94290" y="7002945"/>
+              <a:ext cx="7772400" cy="393538"/>
+            </a:xfrm>
+            <a:prstGeom prst="rect">
+              <a:avLst/>
+            </a:prstGeom>
+          </p:spPr>
+        </p:pic>
+      </p:grpSp>
+      <p:grpSp>
+        <p:nvGrpSpPr>
+          <p:cNvPr id="39" name="Group 38">
+            <a:extLst>
+              <a:ext uri="{FF2B5EF4-FFF2-40B4-BE49-F238E27FC236}">
+                <a16:creationId xmlns:a16="http://schemas.microsoft.com/office/drawing/2014/main" id="{41ACED74-2693-A2FE-9386-FD6746609EBA}"/>
+              </a:ext>
+            </a:extLst>
+          </p:cNvPr>
+          <p:cNvGrpSpPr/>
+          <p:nvPr/>
+        </p:nvGrpSpPr>
+        <p:grpSpPr>
+          <a:xfrm>
+            <a:off x="0" y="1688778"/>
+            <a:ext cx="11806176" cy="1349699"/>
+            <a:chOff x="1" y="1953337"/>
+            <a:chExt cx="11806176" cy="1349699"/>
+          </a:xfrm>
+        </p:grpSpPr>
+        <p:pic>
+          <p:nvPicPr>
+            <p:cNvPr id="3" name="Picture 2">
+              <a:extLst>
+                <a:ext uri="{FF2B5EF4-FFF2-40B4-BE49-F238E27FC236}">
+                  <a16:creationId xmlns:a16="http://schemas.microsoft.com/office/drawing/2014/main" id="{30DDC4E2-78FE-F1AA-0546-3EA1B8C3F567}"/>
+                </a:ext>
+              </a:extLst>
+            </p:cNvPr>
+            <p:cNvPicPr>
+              <a:picLocks noChangeAspect="1"/>
+            </p:cNvPicPr>
+            <p:nvPr/>
+          </p:nvPicPr>
+          <p:blipFill>
+            <a:blip r:embed="rId4"/>
+            <a:stretch>
+              <a:fillRect/>
+            </a:stretch>
+          </p:blipFill>
+          <p:spPr>
+            <a:xfrm>
+              <a:off x="94290" y="2923892"/>
+              <a:ext cx="7846880" cy="360000"/>
+            </a:xfrm>
+            <a:prstGeom prst="rect">
+              <a:avLst/>
+            </a:prstGeom>
+          </p:spPr>
+        </p:pic>
+        <p:sp>
+          <p:nvSpPr>
+            <p:cNvPr id="4" name="TextBox 3">
+              <a:extLst>
+                <a:ext uri="{FF2B5EF4-FFF2-40B4-BE49-F238E27FC236}">
+                  <a16:creationId xmlns:a16="http://schemas.microsoft.com/office/drawing/2014/main" id="{DDC4B293-62D9-1476-C01E-BCADE4BDB7D1}"/>
+                </a:ext>
+              </a:extLst>
+            </p:cNvPr>
+            <p:cNvSpPr txBox="1"/>
+            <p:nvPr/>
+          </p:nvSpPr>
+          <p:spPr>
+            <a:xfrm>
+              <a:off x="1" y="1953337"/>
+              <a:ext cx="11806176" cy="369332"/>
+            </a:xfrm>
+            <a:prstGeom prst="rect">
+              <a:avLst/>
+            </a:prstGeom>
+            <a:noFill/>
+          </p:spPr>
+          <p:txBody>
+            <a:bodyPr wrap="square" rtlCol="0">
+              <a:spAutoFit/>
+            </a:bodyPr>
+            <a:lstStyle/>
+            <a:p>
+              <a:pPr marL="342900" indent="-342900">
+                <a:buAutoNum type="arabicPeriod"/>
+              </a:pPr>
+              <a:r>
+                <a:rPr lang="en-US" dirty="0"/>
+                <a:t>Bob McKenzie, a new patient, arrives at the hospital and provides his personal information to register.</a:t>
+              </a:r>
+            </a:p>
+          </p:txBody>
+        </p:sp>
+        <p:pic>
+          <p:nvPicPr>
+            <p:cNvPr id="7" name="Picture 6">
+              <a:extLst>
+                <a:ext uri="{FF2B5EF4-FFF2-40B4-BE49-F238E27FC236}">
+                  <a16:creationId xmlns:a16="http://schemas.microsoft.com/office/drawing/2014/main" id="{FE374E6E-BF9D-929A-3674-E09007D65AEB}"/>
+                </a:ext>
+              </a:extLst>
+            </p:cNvPr>
+            <p:cNvPicPr>
+              <a:picLocks noChangeAspect="1"/>
+            </p:cNvPicPr>
+            <p:nvPr/>
+          </p:nvPicPr>
+          <p:blipFill>
             <a:blip r:embed="rId5"/>
             <a:stretch>
               <a:fillRect/>
@@ -8886,14 +8867,796 @@
           </p:blipFill>
           <p:spPr>
             <a:xfrm>
-              <a:off x="0" y="6253334"/>
-              <a:ext cx="7772400" cy="393538"/>
+              <a:off x="94290" y="2351225"/>
+              <a:ext cx="7772400" cy="446607"/>
             </a:xfrm>
             <a:prstGeom prst="rect">
               <a:avLst/>
             </a:prstGeom>
           </p:spPr>
         </p:pic>
+        <p:grpSp>
+          <p:nvGrpSpPr>
+            <p:cNvPr id="22" name="Group 21">
+              <a:extLst>
+                <a:ext uri="{FF2B5EF4-FFF2-40B4-BE49-F238E27FC236}">
+                  <a16:creationId xmlns:a16="http://schemas.microsoft.com/office/drawing/2014/main" id="{02FE8DD8-E8B4-181A-08A4-BA7579098C29}"/>
+                </a:ext>
+              </a:extLst>
+            </p:cNvPr>
+            <p:cNvGrpSpPr/>
+            <p:nvPr/>
+          </p:nvGrpSpPr>
+          <p:grpSpPr>
+            <a:xfrm>
+              <a:off x="8014632" y="2386349"/>
+              <a:ext cx="2140370" cy="369332"/>
+              <a:chOff x="8014632" y="2386349"/>
+              <a:chExt cx="2140370" cy="369332"/>
+            </a:xfrm>
+          </p:grpSpPr>
+          <p:sp>
+            <p:nvSpPr>
+              <p:cNvPr id="9" name="TextBox 8">
+                <a:extLst>
+                  <a:ext uri="{FF2B5EF4-FFF2-40B4-BE49-F238E27FC236}">
+                    <a16:creationId xmlns:a16="http://schemas.microsoft.com/office/drawing/2014/main" id="{5FC04700-EE66-EC70-929A-05BAFEA558B2}"/>
+                  </a:ext>
+                </a:extLst>
+              </p:cNvPr>
+              <p:cNvSpPr txBox="1"/>
+              <p:nvPr/>
+            </p:nvSpPr>
+            <p:spPr>
+              <a:xfrm>
+                <a:off x="8691651" y="2386349"/>
+                <a:ext cx="1463351" cy="369332"/>
+              </a:xfrm>
+              <a:prstGeom prst="rect">
+                <a:avLst/>
+              </a:prstGeom>
+              <a:noFill/>
+            </p:spPr>
+            <p:txBody>
+              <a:bodyPr wrap="square" rtlCol="0">
+                <a:spAutoFit/>
+              </a:bodyPr>
+              <a:lstStyle/>
+              <a:p>
+                <a:r>
+                  <a:rPr lang="en-US" dirty="0">
+                    <a:solidFill>
+                      <a:srgbClr val="FFFF00"/>
+                    </a:solidFill>
+                  </a:rPr>
+                  <a:t>Input Data</a:t>
+                </a:r>
+              </a:p>
+            </p:txBody>
+          </p:sp>
+          <p:sp>
+            <p:nvSpPr>
+              <p:cNvPr id="19" name="Right Arrow 18">
+                <a:extLst>
+                  <a:ext uri="{FF2B5EF4-FFF2-40B4-BE49-F238E27FC236}">
+                    <a16:creationId xmlns:a16="http://schemas.microsoft.com/office/drawing/2014/main" id="{C372E5A8-959C-8AFA-4822-AA4F5879F957}"/>
+                  </a:ext>
+                </a:extLst>
+              </p:cNvPr>
+              <p:cNvSpPr/>
+              <p:nvPr/>
+            </p:nvSpPr>
+            <p:spPr>
+              <a:xfrm>
+                <a:off x="8014632" y="2455257"/>
+                <a:ext cx="534109" cy="287729"/>
+              </a:xfrm>
+              <a:prstGeom prst="rightArrow">
+                <a:avLst/>
+              </a:prstGeom>
+            </p:spPr>
+            <p:style>
+              <a:lnRef idx="2">
+                <a:schemeClr val="accent1">
+                  <a:shade val="15000"/>
+                </a:schemeClr>
+              </a:lnRef>
+              <a:fillRef idx="1">
+                <a:schemeClr val="accent1"/>
+              </a:fillRef>
+              <a:effectRef idx="0">
+                <a:schemeClr val="accent1"/>
+              </a:effectRef>
+              <a:fontRef idx="minor">
+                <a:schemeClr val="lt1"/>
+              </a:fontRef>
+            </p:style>
+            <p:txBody>
+              <a:bodyPr rtlCol="0" anchor="ctr"/>
+              <a:lstStyle/>
+              <a:p>
+                <a:pPr algn="ctr"/>
+                <a:endParaRPr lang="en-US" dirty="0"/>
+              </a:p>
+            </p:txBody>
+          </p:sp>
+        </p:grpSp>
+        <p:grpSp>
+          <p:nvGrpSpPr>
+            <p:cNvPr id="25" name="Group 24">
+              <a:extLst>
+                <a:ext uri="{FF2B5EF4-FFF2-40B4-BE49-F238E27FC236}">
+                  <a16:creationId xmlns:a16="http://schemas.microsoft.com/office/drawing/2014/main" id="{7504FAA8-4666-778D-0A89-E2D22AF4F228}"/>
+                </a:ext>
+              </a:extLst>
+            </p:cNvPr>
+            <p:cNvGrpSpPr/>
+            <p:nvPr/>
+          </p:nvGrpSpPr>
+          <p:grpSpPr>
+            <a:xfrm>
+              <a:off x="8014632" y="2933704"/>
+              <a:ext cx="2326173" cy="369332"/>
+              <a:chOff x="8014632" y="2933704"/>
+              <a:chExt cx="2326173" cy="369332"/>
+            </a:xfrm>
+          </p:grpSpPr>
+          <p:sp>
+            <p:nvSpPr>
+              <p:cNvPr id="13" name="TextBox 12">
+                <a:extLst>
+                  <a:ext uri="{FF2B5EF4-FFF2-40B4-BE49-F238E27FC236}">
+                    <a16:creationId xmlns:a16="http://schemas.microsoft.com/office/drawing/2014/main" id="{D8778098-FFE9-5BC9-5A9D-4F3FE9FEAC71}"/>
+                  </a:ext>
+                </a:extLst>
+              </p:cNvPr>
+              <p:cNvSpPr txBox="1"/>
+              <p:nvPr/>
+            </p:nvSpPr>
+            <p:spPr>
+              <a:xfrm>
+                <a:off x="8622203" y="2933704"/>
+                <a:ext cx="1718602" cy="369332"/>
+              </a:xfrm>
+              <a:prstGeom prst="rect">
+                <a:avLst/>
+              </a:prstGeom>
+              <a:noFill/>
+            </p:spPr>
+            <p:txBody>
+              <a:bodyPr wrap="square" rtlCol="0">
+                <a:spAutoFit/>
+              </a:bodyPr>
+              <a:lstStyle/>
+              <a:p>
+                <a:r>
+                  <a:rPr lang="en-US" dirty="0">
+                    <a:solidFill>
+                      <a:srgbClr val="FFFF00"/>
+                    </a:solidFill>
+                  </a:rPr>
+                  <a:t>Output Data</a:t>
+                </a:r>
+              </a:p>
+            </p:txBody>
+          </p:sp>
+          <p:sp>
+            <p:nvSpPr>
+              <p:cNvPr id="24" name="Right Arrow 23">
+                <a:extLst>
+                  <a:ext uri="{FF2B5EF4-FFF2-40B4-BE49-F238E27FC236}">
+                    <a16:creationId xmlns:a16="http://schemas.microsoft.com/office/drawing/2014/main" id="{337546B6-2E65-B2AD-6B8F-5629DE56C7A3}"/>
+                  </a:ext>
+                </a:extLst>
+              </p:cNvPr>
+              <p:cNvSpPr/>
+              <p:nvPr/>
+            </p:nvSpPr>
+            <p:spPr>
+              <a:xfrm>
+                <a:off x="8014632" y="2960027"/>
+                <a:ext cx="534109" cy="287729"/>
+              </a:xfrm>
+              <a:prstGeom prst="rightArrow">
+                <a:avLst/>
+              </a:prstGeom>
+            </p:spPr>
+            <p:style>
+              <a:lnRef idx="2">
+                <a:schemeClr val="accent1">
+                  <a:shade val="15000"/>
+                </a:schemeClr>
+              </a:lnRef>
+              <a:fillRef idx="1">
+                <a:schemeClr val="accent1"/>
+              </a:fillRef>
+              <a:effectRef idx="0">
+                <a:schemeClr val="accent1"/>
+              </a:effectRef>
+              <a:fontRef idx="minor">
+                <a:schemeClr val="lt1"/>
+              </a:fontRef>
+            </p:style>
+            <p:txBody>
+              <a:bodyPr rtlCol="0" anchor="ctr"/>
+              <a:lstStyle/>
+              <a:p>
+                <a:pPr algn="ctr"/>
+                <a:endParaRPr lang="en-US" dirty="0"/>
+              </a:p>
+            </p:txBody>
+          </p:sp>
+        </p:grpSp>
+      </p:grpSp>
+      <p:grpSp>
+        <p:nvGrpSpPr>
+          <p:cNvPr id="40" name="Group 39">
+            <a:extLst>
+              <a:ext uri="{FF2B5EF4-FFF2-40B4-BE49-F238E27FC236}">
+                <a16:creationId xmlns:a16="http://schemas.microsoft.com/office/drawing/2014/main" id="{4D0518A2-2BD1-4BB8-EA18-BC12BB7AD389}"/>
+              </a:ext>
+            </a:extLst>
+          </p:cNvPr>
+          <p:cNvGrpSpPr/>
+          <p:nvPr/>
+        </p:nvGrpSpPr>
+        <p:grpSpPr>
+          <a:xfrm>
+            <a:off x="0" y="3254755"/>
+            <a:ext cx="11343190" cy="1358136"/>
+            <a:chOff x="0" y="3438908"/>
+            <a:chExt cx="11343190" cy="1358136"/>
+          </a:xfrm>
+        </p:grpSpPr>
+        <p:sp>
+          <p:nvSpPr>
+            <p:cNvPr id="10" name="TextBox 9">
+              <a:extLst>
+                <a:ext uri="{FF2B5EF4-FFF2-40B4-BE49-F238E27FC236}">
+                  <a16:creationId xmlns:a16="http://schemas.microsoft.com/office/drawing/2014/main" id="{CA48153A-8EAC-E4AB-0AF5-B6AACF34DE2D}"/>
+                </a:ext>
+              </a:extLst>
+            </p:cNvPr>
+            <p:cNvSpPr txBox="1"/>
+            <p:nvPr/>
+          </p:nvSpPr>
+          <p:spPr>
+            <a:xfrm>
+              <a:off x="0" y="3438908"/>
+              <a:ext cx="11343190" cy="369332"/>
+            </a:xfrm>
+            <a:prstGeom prst="rect">
+              <a:avLst/>
+            </a:prstGeom>
+            <a:noFill/>
+          </p:spPr>
+          <p:txBody>
+            <a:bodyPr wrap="square" rtlCol="0">
+              <a:spAutoFit/>
+            </a:bodyPr>
+            <a:lstStyle/>
+            <a:p>
+              <a:r>
+                <a:rPr lang="en-US" dirty="0"/>
+                <a:t>2. Dr. Alice Brown, a cardiologist, is registered in the hospital’s system.</a:t>
+              </a:r>
+            </a:p>
+          </p:txBody>
+        </p:sp>
+        <p:pic>
+          <p:nvPicPr>
+            <p:cNvPr id="11" name="Picture 10">
+              <a:extLst>
+                <a:ext uri="{FF2B5EF4-FFF2-40B4-BE49-F238E27FC236}">
+                  <a16:creationId xmlns:a16="http://schemas.microsoft.com/office/drawing/2014/main" id="{612E2429-B636-2F9B-CB2B-CFE09A6FA0C2}"/>
+                </a:ext>
+              </a:extLst>
+            </p:cNvPr>
+            <p:cNvPicPr>
+              <a:picLocks noChangeAspect="1"/>
+            </p:cNvPicPr>
+            <p:nvPr/>
+          </p:nvPicPr>
+          <p:blipFill>
+            <a:blip r:embed="rId6"/>
+            <a:stretch>
+              <a:fillRect/>
+            </a:stretch>
+          </p:blipFill>
+          <p:spPr>
+            <a:xfrm>
+              <a:off x="94290" y="4400131"/>
+              <a:ext cx="7772400" cy="396913"/>
+            </a:xfrm>
+            <a:prstGeom prst="rect">
+              <a:avLst/>
+            </a:prstGeom>
+          </p:spPr>
+        </p:pic>
+        <p:pic>
+          <p:nvPicPr>
+            <p:cNvPr id="21" name="Picture 20">
+              <a:extLst>
+                <a:ext uri="{FF2B5EF4-FFF2-40B4-BE49-F238E27FC236}">
+                  <a16:creationId xmlns:a16="http://schemas.microsoft.com/office/drawing/2014/main" id="{388AB49E-B698-0479-3C6D-1F00CEA79C80}"/>
+                </a:ext>
+              </a:extLst>
+            </p:cNvPr>
+            <p:cNvPicPr>
+              <a:picLocks noChangeAspect="1"/>
+            </p:cNvPicPr>
+            <p:nvPr/>
+          </p:nvPicPr>
+          <p:blipFill>
+            <a:blip r:embed="rId7"/>
+            <a:stretch>
+              <a:fillRect/>
+            </a:stretch>
+          </p:blipFill>
+          <p:spPr>
+            <a:xfrm>
+              <a:off x="94290" y="3812054"/>
+              <a:ext cx="5400000" cy="450000"/>
+            </a:xfrm>
+            <a:prstGeom prst="rect">
+              <a:avLst/>
+            </a:prstGeom>
+          </p:spPr>
+        </p:pic>
+        <p:grpSp>
+          <p:nvGrpSpPr>
+            <p:cNvPr id="26" name="Group 25">
+              <a:extLst>
+                <a:ext uri="{FF2B5EF4-FFF2-40B4-BE49-F238E27FC236}">
+                  <a16:creationId xmlns:a16="http://schemas.microsoft.com/office/drawing/2014/main" id="{1DAD2E4E-DEDE-9A8B-664F-4C1F1EB44AFD}"/>
+                </a:ext>
+              </a:extLst>
+            </p:cNvPr>
+            <p:cNvGrpSpPr/>
+            <p:nvPr/>
+          </p:nvGrpSpPr>
+          <p:grpSpPr>
+            <a:xfrm>
+              <a:off x="5671595" y="3846133"/>
+              <a:ext cx="2100805" cy="369332"/>
+              <a:chOff x="8014632" y="2393847"/>
+              <a:chExt cx="2100805" cy="369332"/>
+            </a:xfrm>
+          </p:grpSpPr>
+          <p:sp>
+            <p:nvSpPr>
+              <p:cNvPr id="27" name="TextBox 26">
+                <a:extLst>
+                  <a:ext uri="{FF2B5EF4-FFF2-40B4-BE49-F238E27FC236}">
+                    <a16:creationId xmlns:a16="http://schemas.microsoft.com/office/drawing/2014/main" id="{04526FEA-072D-6ABD-8CC3-558B156FE9AD}"/>
+                  </a:ext>
+                </a:extLst>
+              </p:cNvPr>
+              <p:cNvSpPr txBox="1"/>
+              <p:nvPr/>
+            </p:nvSpPr>
+            <p:spPr>
+              <a:xfrm>
+                <a:off x="8652086" y="2393847"/>
+                <a:ext cx="1463351" cy="369332"/>
+              </a:xfrm>
+              <a:prstGeom prst="rect">
+                <a:avLst/>
+              </a:prstGeom>
+              <a:noFill/>
+            </p:spPr>
+            <p:txBody>
+              <a:bodyPr wrap="square" rtlCol="0">
+                <a:spAutoFit/>
+              </a:bodyPr>
+              <a:lstStyle/>
+              <a:p>
+                <a:r>
+                  <a:rPr lang="en-US" dirty="0">
+                    <a:solidFill>
+                      <a:srgbClr val="FFFF00"/>
+                    </a:solidFill>
+                  </a:rPr>
+                  <a:t>Input Data</a:t>
+                </a:r>
+              </a:p>
+            </p:txBody>
+          </p:sp>
+          <p:sp>
+            <p:nvSpPr>
+              <p:cNvPr id="28" name="Right Arrow 27">
+                <a:extLst>
+                  <a:ext uri="{FF2B5EF4-FFF2-40B4-BE49-F238E27FC236}">
+                    <a16:creationId xmlns:a16="http://schemas.microsoft.com/office/drawing/2014/main" id="{8163C3B2-E7F8-7065-7685-B76EBDBC4D87}"/>
+                  </a:ext>
+                </a:extLst>
+              </p:cNvPr>
+              <p:cNvSpPr/>
+              <p:nvPr/>
+            </p:nvSpPr>
+            <p:spPr>
+              <a:xfrm>
+                <a:off x="8014632" y="2455257"/>
+                <a:ext cx="534109" cy="287729"/>
+              </a:xfrm>
+              <a:prstGeom prst="rightArrow">
+                <a:avLst/>
+              </a:prstGeom>
+            </p:spPr>
+            <p:style>
+              <a:lnRef idx="2">
+                <a:schemeClr val="accent1">
+                  <a:shade val="15000"/>
+                </a:schemeClr>
+              </a:lnRef>
+              <a:fillRef idx="1">
+                <a:schemeClr val="accent1"/>
+              </a:fillRef>
+              <a:effectRef idx="0">
+                <a:schemeClr val="accent1"/>
+              </a:effectRef>
+              <a:fontRef idx="minor">
+                <a:schemeClr val="lt1"/>
+              </a:fontRef>
+            </p:style>
+            <p:txBody>
+              <a:bodyPr rtlCol="0" anchor="ctr"/>
+              <a:lstStyle/>
+              <a:p>
+                <a:pPr algn="ctr"/>
+                <a:endParaRPr lang="en-US" dirty="0"/>
+              </a:p>
+            </p:txBody>
+          </p:sp>
+        </p:grpSp>
+        <p:grpSp>
+          <p:nvGrpSpPr>
+            <p:cNvPr id="29" name="Group 28">
+              <a:extLst>
+                <a:ext uri="{FF2B5EF4-FFF2-40B4-BE49-F238E27FC236}">
+                  <a16:creationId xmlns:a16="http://schemas.microsoft.com/office/drawing/2014/main" id="{A3DEC484-4229-7A4F-23F1-4A9E1ACEC9AB}"/>
+                </a:ext>
+              </a:extLst>
+            </p:cNvPr>
+            <p:cNvGrpSpPr/>
+            <p:nvPr/>
+          </p:nvGrpSpPr>
+          <p:grpSpPr>
+            <a:xfrm>
+              <a:off x="8014632" y="4400131"/>
+              <a:ext cx="2395621" cy="369332"/>
+              <a:chOff x="8014632" y="2931427"/>
+              <a:chExt cx="2395621" cy="369332"/>
+            </a:xfrm>
+          </p:grpSpPr>
+          <p:sp>
+            <p:nvSpPr>
+              <p:cNvPr id="30" name="TextBox 29">
+                <a:extLst>
+                  <a:ext uri="{FF2B5EF4-FFF2-40B4-BE49-F238E27FC236}">
+                    <a16:creationId xmlns:a16="http://schemas.microsoft.com/office/drawing/2014/main" id="{F64111A7-2A4C-1A82-4813-29A71A0CEC04}"/>
+                  </a:ext>
+                </a:extLst>
+              </p:cNvPr>
+              <p:cNvSpPr txBox="1"/>
+              <p:nvPr/>
+            </p:nvSpPr>
+            <p:spPr>
+              <a:xfrm>
+                <a:off x="8691651" y="2931427"/>
+                <a:ext cx="1718602" cy="369332"/>
+              </a:xfrm>
+              <a:prstGeom prst="rect">
+                <a:avLst/>
+              </a:prstGeom>
+              <a:noFill/>
+            </p:spPr>
+            <p:txBody>
+              <a:bodyPr wrap="square" rtlCol="0">
+                <a:spAutoFit/>
+              </a:bodyPr>
+              <a:lstStyle/>
+              <a:p>
+                <a:r>
+                  <a:rPr lang="en-US" dirty="0">
+                    <a:solidFill>
+                      <a:srgbClr val="FFFF00"/>
+                    </a:solidFill>
+                  </a:rPr>
+                  <a:t>Output Data</a:t>
+                </a:r>
+              </a:p>
+            </p:txBody>
+          </p:sp>
+          <p:sp>
+            <p:nvSpPr>
+              <p:cNvPr id="31" name="Right Arrow 30">
+                <a:extLst>
+                  <a:ext uri="{FF2B5EF4-FFF2-40B4-BE49-F238E27FC236}">
+                    <a16:creationId xmlns:a16="http://schemas.microsoft.com/office/drawing/2014/main" id="{929214BC-3419-63BB-A455-7C0FB9BCB617}"/>
+                  </a:ext>
+                </a:extLst>
+              </p:cNvPr>
+              <p:cNvSpPr/>
+              <p:nvPr/>
+            </p:nvSpPr>
+            <p:spPr>
+              <a:xfrm>
+                <a:off x="8014632" y="2960027"/>
+                <a:ext cx="534109" cy="287729"/>
+              </a:xfrm>
+              <a:prstGeom prst="rightArrow">
+                <a:avLst/>
+              </a:prstGeom>
+            </p:spPr>
+            <p:style>
+              <a:lnRef idx="2">
+                <a:schemeClr val="accent1">
+                  <a:shade val="15000"/>
+                </a:schemeClr>
+              </a:lnRef>
+              <a:fillRef idx="1">
+                <a:schemeClr val="accent1"/>
+              </a:fillRef>
+              <a:effectRef idx="0">
+                <a:schemeClr val="accent1"/>
+              </a:effectRef>
+              <a:fontRef idx="minor">
+                <a:schemeClr val="lt1"/>
+              </a:fontRef>
+            </p:style>
+            <p:txBody>
+              <a:bodyPr rtlCol="0" anchor="ctr"/>
+              <a:lstStyle/>
+              <a:p>
+                <a:pPr algn="ctr"/>
+                <a:endParaRPr lang="en-US" dirty="0"/>
+              </a:p>
+            </p:txBody>
+          </p:sp>
+        </p:grpSp>
+      </p:grpSp>
+      <p:pic>
+        <p:nvPicPr>
+          <p:cNvPr id="32" name="Picture 31">
+            <a:extLst>
+              <a:ext uri="{FF2B5EF4-FFF2-40B4-BE49-F238E27FC236}">
+                <a16:creationId xmlns:a16="http://schemas.microsoft.com/office/drawing/2014/main" id="{50AFC446-D0F0-896F-3C4B-EA94750EE4E5}"/>
+              </a:ext>
+            </a:extLst>
+          </p:cNvPr>
+          <p:cNvPicPr>
+            <a:picLocks noChangeAspect="1"/>
+          </p:cNvPicPr>
+          <p:nvPr/>
+        </p:nvPicPr>
+        <p:blipFill>
+          <a:blip r:embed="rId8"/>
+          <a:stretch>
+            <a:fillRect/>
+          </a:stretch>
+        </p:blipFill>
+        <p:spPr>
+          <a:xfrm>
+            <a:off x="94290" y="5429969"/>
+            <a:ext cx="7772400" cy="526347"/>
+          </a:xfrm>
+          <a:prstGeom prst="rect">
+            <a:avLst/>
+          </a:prstGeom>
+        </p:spPr>
+      </p:pic>
+      <p:grpSp>
+        <p:nvGrpSpPr>
+          <p:cNvPr id="33" name="Group 32">
+            <a:extLst>
+              <a:ext uri="{FF2B5EF4-FFF2-40B4-BE49-F238E27FC236}">
+                <a16:creationId xmlns:a16="http://schemas.microsoft.com/office/drawing/2014/main" id="{DA604769-5EBD-FC03-D031-C5B760AC4600}"/>
+              </a:ext>
+            </a:extLst>
+          </p:cNvPr>
+          <p:cNvGrpSpPr/>
+          <p:nvPr/>
+        </p:nvGrpSpPr>
+        <p:grpSpPr>
+          <a:xfrm>
+            <a:off x="8068895" y="5443210"/>
+            <a:ext cx="2140370" cy="369332"/>
+            <a:chOff x="8014632" y="2386349"/>
+            <a:chExt cx="2140370" cy="369332"/>
+          </a:xfrm>
+        </p:grpSpPr>
+        <p:sp>
+          <p:nvSpPr>
+            <p:cNvPr id="34" name="TextBox 33">
+              <a:extLst>
+                <a:ext uri="{FF2B5EF4-FFF2-40B4-BE49-F238E27FC236}">
+                  <a16:creationId xmlns:a16="http://schemas.microsoft.com/office/drawing/2014/main" id="{8B2D38A6-98A2-7A6A-9467-7CD3ADA3A97C}"/>
+                </a:ext>
+              </a:extLst>
+            </p:cNvPr>
+            <p:cNvSpPr txBox="1"/>
+            <p:nvPr/>
+          </p:nvSpPr>
+          <p:spPr>
+            <a:xfrm>
+              <a:off x="8691651" y="2386349"/>
+              <a:ext cx="1463351" cy="369332"/>
+            </a:xfrm>
+            <a:prstGeom prst="rect">
+              <a:avLst/>
+            </a:prstGeom>
+            <a:noFill/>
+          </p:spPr>
+          <p:txBody>
+            <a:bodyPr wrap="square" rtlCol="0">
+              <a:spAutoFit/>
+            </a:bodyPr>
+            <a:lstStyle/>
+            <a:p>
+              <a:r>
+                <a:rPr lang="en-US" dirty="0">
+                  <a:solidFill>
+                    <a:srgbClr val="FFFF00"/>
+                  </a:solidFill>
+                </a:rPr>
+                <a:t>Input Data</a:t>
+              </a:r>
+            </a:p>
+          </p:txBody>
+        </p:sp>
+        <p:sp>
+          <p:nvSpPr>
+            <p:cNvPr id="35" name="Right Arrow 34">
+              <a:extLst>
+                <a:ext uri="{FF2B5EF4-FFF2-40B4-BE49-F238E27FC236}">
+                  <a16:creationId xmlns:a16="http://schemas.microsoft.com/office/drawing/2014/main" id="{E2974E18-E459-8C63-3B01-71DF30461245}"/>
+                </a:ext>
+              </a:extLst>
+            </p:cNvPr>
+            <p:cNvSpPr/>
+            <p:nvPr/>
+          </p:nvSpPr>
+          <p:spPr>
+            <a:xfrm>
+              <a:off x="8014632" y="2455257"/>
+              <a:ext cx="534109" cy="287729"/>
+            </a:xfrm>
+            <a:prstGeom prst="rightArrow">
+              <a:avLst/>
+            </a:prstGeom>
+          </p:spPr>
+          <p:style>
+            <a:lnRef idx="2">
+              <a:schemeClr val="accent1">
+                <a:shade val="15000"/>
+              </a:schemeClr>
+            </a:lnRef>
+            <a:fillRef idx="1">
+              <a:schemeClr val="accent1"/>
+            </a:fillRef>
+            <a:effectRef idx="0">
+              <a:schemeClr val="accent1"/>
+            </a:effectRef>
+            <a:fontRef idx="minor">
+              <a:schemeClr val="lt1"/>
+            </a:fontRef>
+          </p:style>
+          <p:txBody>
+            <a:bodyPr rtlCol="0" anchor="ctr"/>
+            <a:lstStyle/>
+            <a:p>
+              <a:pPr algn="ctr"/>
+              <a:endParaRPr lang="en-US" dirty="0"/>
+            </a:p>
+          </p:txBody>
+        </p:sp>
+      </p:grpSp>
+      <p:grpSp>
+        <p:nvGrpSpPr>
+          <p:cNvPr id="36" name="Group 35">
+            <a:extLst>
+              <a:ext uri="{FF2B5EF4-FFF2-40B4-BE49-F238E27FC236}">
+                <a16:creationId xmlns:a16="http://schemas.microsoft.com/office/drawing/2014/main" id="{7F48F30F-C67E-EE4F-DB1F-63A32A1C017C}"/>
+              </a:ext>
+            </a:extLst>
+          </p:cNvPr>
+          <p:cNvGrpSpPr/>
+          <p:nvPr/>
+        </p:nvGrpSpPr>
+        <p:grpSpPr>
+          <a:xfrm>
+            <a:off x="8068895" y="5990565"/>
+            <a:ext cx="2326173" cy="369332"/>
+            <a:chOff x="8014632" y="2933704"/>
+            <a:chExt cx="2326173" cy="369332"/>
+          </a:xfrm>
+        </p:grpSpPr>
+        <p:sp>
+          <p:nvSpPr>
+            <p:cNvPr id="37" name="TextBox 36">
+              <a:extLst>
+                <a:ext uri="{FF2B5EF4-FFF2-40B4-BE49-F238E27FC236}">
+                  <a16:creationId xmlns:a16="http://schemas.microsoft.com/office/drawing/2014/main" id="{31BA772A-5F37-E180-DDA2-17DF72D60181}"/>
+                </a:ext>
+              </a:extLst>
+            </p:cNvPr>
+            <p:cNvSpPr txBox="1"/>
+            <p:nvPr/>
+          </p:nvSpPr>
+          <p:spPr>
+            <a:xfrm>
+              <a:off x="8622203" y="2933704"/>
+              <a:ext cx="1718602" cy="369332"/>
+            </a:xfrm>
+            <a:prstGeom prst="rect">
+              <a:avLst/>
+            </a:prstGeom>
+            <a:noFill/>
+          </p:spPr>
+          <p:txBody>
+            <a:bodyPr wrap="square" rtlCol="0">
+              <a:spAutoFit/>
+            </a:bodyPr>
+            <a:lstStyle/>
+            <a:p>
+              <a:r>
+                <a:rPr lang="en-US" dirty="0">
+                  <a:solidFill>
+                    <a:srgbClr val="FFFF00"/>
+                  </a:solidFill>
+                </a:rPr>
+                <a:t>Output Data</a:t>
+              </a:r>
+            </a:p>
+          </p:txBody>
+        </p:sp>
+        <p:sp>
+          <p:nvSpPr>
+            <p:cNvPr id="38" name="Right Arrow 37">
+              <a:extLst>
+                <a:ext uri="{FF2B5EF4-FFF2-40B4-BE49-F238E27FC236}">
+                  <a16:creationId xmlns:a16="http://schemas.microsoft.com/office/drawing/2014/main" id="{429F0BBF-C761-9A69-15C8-AB6E54FC6031}"/>
+                </a:ext>
+              </a:extLst>
+            </p:cNvPr>
+            <p:cNvSpPr/>
+            <p:nvPr/>
+          </p:nvSpPr>
+          <p:spPr>
+            <a:xfrm>
+              <a:off x="8014632" y="2960027"/>
+              <a:ext cx="534109" cy="287729"/>
+            </a:xfrm>
+            <a:prstGeom prst="rightArrow">
+              <a:avLst/>
+            </a:prstGeom>
+          </p:spPr>
+          <p:style>
+            <a:lnRef idx="2">
+              <a:schemeClr val="accent1">
+                <a:shade val="15000"/>
+              </a:schemeClr>
+            </a:lnRef>
+            <a:fillRef idx="1">
+              <a:schemeClr val="accent1"/>
+            </a:fillRef>
+            <a:effectRef idx="0">
+              <a:schemeClr val="accent1"/>
+            </a:effectRef>
+            <a:fontRef idx="minor">
+              <a:schemeClr val="lt1"/>
+            </a:fontRef>
+          </p:style>
+          <p:txBody>
+            <a:bodyPr rtlCol="0" anchor="ctr"/>
+            <a:lstStyle/>
+            <a:p>
+              <a:pPr algn="ctr"/>
+              <a:endParaRPr lang="en-US" dirty="0"/>
+            </a:p>
+          </p:txBody>
+        </p:sp>
       </p:grpSp>
     </p:spTree>
     <p:extLst>
@@ -9036,10 +9799,10 @@
         </p:nvGrpSpPr>
         <p:grpSpPr>
           <a:xfrm>
-            <a:off x="94290" y="2016674"/>
-            <a:ext cx="10429720" cy="825713"/>
-            <a:chOff x="0" y="5929022"/>
-            <a:chExt cx="10429720" cy="825713"/>
+            <a:off x="0" y="1786794"/>
+            <a:ext cx="10429720" cy="1471953"/>
+            <a:chOff x="-94290" y="5928704"/>
+            <a:chExt cx="10429720" cy="1471953"/>
           </a:xfrm>
         </p:grpSpPr>
         <p:sp>
@@ -9056,7 +9819,7 @@
           </p:nvSpPr>
           <p:spPr>
             <a:xfrm>
-              <a:off x="0" y="5929022"/>
+              <a:off x="-94290" y="5928704"/>
               <a:ext cx="10429720" cy="369332"/>
             </a:xfrm>
             <a:prstGeom prst="rect">
@@ -9099,7 +9862,7 @@
           </p:blipFill>
           <p:spPr>
             <a:xfrm>
-              <a:off x="22185" y="6320326"/>
+              <a:off x="0" y="6966248"/>
               <a:ext cx="7772400" cy="434409"/>
             </a:xfrm>
             <a:prstGeom prst="rect">
@@ -9123,9 +9886,9 @@
         <p:grpSpPr>
           <a:xfrm>
             <a:off x="0" y="3405473"/>
-            <a:ext cx="12192000" cy="1041138"/>
+            <a:ext cx="12192000" cy="1589268"/>
             <a:chOff x="0" y="6505572"/>
-            <a:chExt cx="12192000" cy="1041138"/>
+            <a:chExt cx="12192000" cy="1589268"/>
           </a:xfrm>
         </p:grpSpPr>
         <p:sp>
@@ -9191,7 +9954,7 @@
           </p:blipFill>
           <p:spPr>
             <a:xfrm>
-              <a:off x="0" y="7151903"/>
+              <a:off x="94290" y="7700033"/>
               <a:ext cx="7866690" cy="394807"/>
             </a:xfrm>
             <a:prstGeom prst="rect">
@@ -9215,9 +9978,9 @@
         <p:grpSpPr>
           <a:xfrm>
             <a:off x="0" y="5071271"/>
-            <a:ext cx="11875625" cy="1041046"/>
+            <a:ext cx="11875625" cy="1665798"/>
             <a:chOff x="0" y="5408453"/>
-            <a:chExt cx="11875625" cy="1041046"/>
+            <a:chExt cx="11875625" cy="1665798"/>
           </a:xfrm>
         </p:grpSpPr>
         <p:sp>
@@ -9277,7 +10040,7 @@
           </p:blipFill>
           <p:spPr>
             <a:xfrm>
-              <a:off x="0" y="6054784"/>
+              <a:off x="94290" y="6679536"/>
               <a:ext cx="7772400" cy="394715"/>
             </a:xfrm>
             <a:prstGeom prst="rect">
@@ -9286,6 +10049,764 @@
           </p:spPr>
         </p:pic>
       </p:grpSp>
+      <p:pic>
+        <p:nvPicPr>
+          <p:cNvPr id="3" name="Picture 2">
+            <a:extLst>
+              <a:ext uri="{FF2B5EF4-FFF2-40B4-BE49-F238E27FC236}">
+                <a16:creationId xmlns:a16="http://schemas.microsoft.com/office/drawing/2014/main" id="{BA2A73D0-C6B6-0FD0-CF8E-CDCB60293F45}"/>
+              </a:ext>
+            </a:extLst>
+          </p:cNvPr>
+          <p:cNvPicPr>
+            <a:picLocks noChangeAspect="1"/>
+          </p:cNvPicPr>
+          <p:nvPr/>
+        </p:nvPicPr>
+        <p:blipFill>
+          <a:blip r:embed="rId6"/>
+          <a:stretch>
+            <a:fillRect/>
+          </a:stretch>
+        </p:blipFill>
+        <p:spPr>
+          <a:xfrm>
+            <a:off x="94290" y="2243203"/>
+            <a:ext cx="6164288" cy="450000"/>
+          </a:xfrm>
+          <a:prstGeom prst="rect">
+            <a:avLst/>
+          </a:prstGeom>
+        </p:spPr>
+      </p:pic>
+      <p:grpSp>
+        <p:nvGrpSpPr>
+          <p:cNvPr id="4" name="Group 3">
+            <a:extLst>
+              <a:ext uri="{FF2B5EF4-FFF2-40B4-BE49-F238E27FC236}">
+                <a16:creationId xmlns:a16="http://schemas.microsoft.com/office/drawing/2014/main" id="{6A92E007-5ECD-E979-CA2C-E6FF94905754}"/>
+              </a:ext>
+            </a:extLst>
+          </p:cNvPr>
+          <p:cNvGrpSpPr/>
+          <p:nvPr/>
+        </p:nvGrpSpPr>
+        <p:grpSpPr>
+          <a:xfrm>
+            <a:off x="6431924" y="2258270"/>
+            <a:ext cx="2140370" cy="369332"/>
+            <a:chOff x="8014632" y="2386349"/>
+            <a:chExt cx="2140370" cy="369332"/>
+          </a:xfrm>
+        </p:grpSpPr>
+        <p:sp>
+          <p:nvSpPr>
+            <p:cNvPr id="6" name="TextBox 5">
+              <a:extLst>
+                <a:ext uri="{FF2B5EF4-FFF2-40B4-BE49-F238E27FC236}">
+                  <a16:creationId xmlns:a16="http://schemas.microsoft.com/office/drawing/2014/main" id="{6B5714F0-D075-09D9-A67A-0796EBFA1C2E}"/>
+                </a:ext>
+              </a:extLst>
+            </p:cNvPr>
+            <p:cNvSpPr txBox="1"/>
+            <p:nvPr/>
+          </p:nvSpPr>
+          <p:spPr>
+            <a:xfrm>
+              <a:off x="8691651" y="2386349"/>
+              <a:ext cx="1463351" cy="369332"/>
+            </a:xfrm>
+            <a:prstGeom prst="rect">
+              <a:avLst/>
+            </a:prstGeom>
+            <a:noFill/>
+          </p:spPr>
+          <p:txBody>
+            <a:bodyPr wrap="square" rtlCol="0">
+              <a:spAutoFit/>
+            </a:bodyPr>
+            <a:lstStyle/>
+            <a:p>
+              <a:r>
+                <a:rPr lang="en-US" dirty="0">
+                  <a:solidFill>
+                    <a:srgbClr val="FFFF00"/>
+                  </a:solidFill>
+                </a:rPr>
+                <a:t>Input Data</a:t>
+              </a:r>
+            </a:p>
+          </p:txBody>
+        </p:sp>
+        <p:sp>
+          <p:nvSpPr>
+            <p:cNvPr id="7" name="Right Arrow 6">
+              <a:extLst>
+                <a:ext uri="{FF2B5EF4-FFF2-40B4-BE49-F238E27FC236}">
+                  <a16:creationId xmlns:a16="http://schemas.microsoft.com/office/drawing/2014/main" id="{45A03CED-FCE8-1908-D428-A778B21D42BD}"/>
+                </a:ext>
+              </a:extLst>
+            </p:cNvPr>
+            <p:cNvSpPr/>
+            <p:nvPr/>
+          </p:nvSpPr>
+          <p:spPr>
+            <a:xfrm>
+              <a:off x="8014632" y="2455257"/>
+              <a:ext cx="534109" cy="287729"/>
+            </a:xfrm>
+            <a:prstGeom prst="rightArrow">
+              <a:avLst/>
+            </a:prstGeom>
+          </p:spPr>
+          <p:style>
+            <a:lnRef idx="2">
+              <a:schemeClr val="accent1">
+                <a:shade val="15000"/>
+              </a:schemeClr>
+            </a:lnRef>
+            <a:fillRef idx="1">
+              <a:schemeClr val="accent1"/>
+            </a:fillRef>
+            <a:effectRef idx="0">
+              <a:schemeClr val="accent1"/>
+            </a:effectRef>
+            <a:fontRef idx="minor">
+              <a:schemeClr val="lt1"/>
+            </a:fontRef>
+          </p:style>
+          <p:txBody>
+            <a:bodyPr rtlCol="0" anchor="ctr"/>
+            <a:lstStyle/>
+            <a:p>
+              <a:pPr algn="ctr"/>
+              <a:endParaRPr lang="en-US" dirty="0"/>
+            </a:p>
+          </p:txBody>
+        </p:sp>
+      </p:grpSp>
+      <p:grpSp>
+        <p:nvGrpSpPr>
+          <p:cNvPr id="9" name="Group 8">
+            <a:extLst>
+              <a:ext uri="{FF2B5EF4-FFF2-40B4-BE49-F238E27FC236}">
+                <a16:creationId xmlns:a16="http://schemas.microsoft.com/office/drawing/2014/main" id="{EC2DCF74-D665-4081-0D34-8FF1E614E1F7}"/>
+              </a:ext>
+            </a:extLst>
+          </p:cNvPr>
+          <p:cNvGrpSpPr/>
+          <p:nvPr/>
+        </p:nvGrpSpPr>
+        <p:grpSpPr>
+          <a:xfrm>
+            <a:off x="7964723" y="2850525"/>
+            <a:ext cx="2326173" cy="369332"/>
+            <a:chOff x="8014632" y="2933704"/>
+            <a:chExt cx="2326173" cy="369332"/>
+          </a:xfrm>
+        </p:grpSpPr>
+        <p:sp>
+          <p:nvSpPr>
+            <p:cNvPr id="10" name="TextBox 9">
+              <a:extLst>
+                <a:ext uri="{FF2B5EF4-FFF2-40B4-BE49-F238E27FC236}">
+                  <a16:creationId xmlns:a16="http://schemas.microsoft.com/office/drawing/2014/main" id="{990EEC5D-A703-BB73-5C2E-37093186AA2C}"/>
+                </a:ext>
+              </a:extLst>
+            </p:cNvPr>
+            <p:cNvSpPr txBox="1"/>
+            <p:nvPr/>
+          </p:nvSpPr>
+          <p:spPr>
+            <a:xfrm>
+              <a:off x="8622203" y="2933704"/>
+              <a:ext cx="1718602" cy="369332"/>
+            </a:xfrm>
+            <a:prstGeom prst="rect">
+              <a:avLst/>
+            </a:prstGeom>
+            <a:noFill/>
+          </p:spPr>
+          <p:txBody>
+            <a:bodyPr wrap="square" rtlCol="0">
+              <a:spAutoFit/>
+            </a:bodyPr>
+            <a:lstStyle/>
+            <a:p>
+              <a:r>
+                <a:rPr lang="en-US" dirty="0">
+                  <a:solidFill>
+                    <a:srgbClr val="FFFF00"/>
+                  </a:solidFill>
+                </a:rPr>
+                <a:t>Output Data</a:t>
+              </a:r>
+            </a:p>
+          </p:txBody>
+        </p:sp>
+        <p:sp>
+          <p:nvSpPr>
+            <p:cNvPr id="11" name="Right Arrow 10">
+              <a:extLst>
+                <a:ext uri="{FF2B5EF4-FFF2-40B4-BE49-F238E27FC236}">
+                  <a16:creationId xmlns:a16="http://schemas.microsoft.com/office/drawing/2014/main" id="{631FC0ED-8034-4DF9-A5AC-43313C6B026E}"/>
+                </a:ext>
+              </a:extLst>
+            </p:cNvPr>
+            <p:cNvSpPr/>
+            <p:nvPr/>
+          </p:nvSpPr>
+          <p:spPr>
+            <a:xfrm>
+              <a:off x="8014632" y="2960027"/>
+              <a:ext cx="534109" cy="287729"/>
+            </a:xfrm>
+            <a:prstGeom prst="rightArrow">
+              <a:avLst/>
+            </a:prstGeom>
+          </p:spPr>
+          <p:style>
+            <a:lnRef idx="2">
+              <a:schemeClr val="accent1">
+                <a:shade val="15000"/>
+              </a:schemeClr>
+            </a:lnRef>
+            <a:fillRef idx="1">
+              <a:schemeClr val="accent1"/>
+            </a:fillRef>
+            <a:effectRef idx="0">
+              <a:schemeClr val="accent1"/>
+            </a:effectRef>
+            <a:fontRef idx="minor">
+              <a:schemeClr val="lt1"/>
+            </a:fontRef>
+          </p:style>
+          <p:txBody>
+            <a:bodyPr rtlCol="0" anchor="ctr"/>
+            <a:lstStyle/>
+            <a:p>
+              <a:pPr algn="ctr"/>
+              <a:endParaRPr lang="en-US" dirty="0"/>
+            </a:p>
+          </p:txBody>
+        </p:sp>
+      </p:grpSp>
+      <p:pic>
+        <p:nvPicPr>
+          <p:cNvPr id="12" name="Picture 11">
+            <a:extLst>
+              <a:ext uri="{FF2B5EF4-FFF2-40B4-BE49-F238E27FC236}">
+                <a16:creationId xmlns:a16="http://schemas.microsoft.com/office/drawing/2014/main" id="{E8019EE2-8884-29E6-0885-24C6461503F0}"/>
+              </a:ext>
+            </a:extLst>
+          </p:cNvPr>
+          <p:cNvPicPr>
+            <a:picLocks noChangeAspect="1"/>
+          </p:cNvPicPr>
+          <p:nvPr/>
+        </p:nvPicPr>
+        <p:blipFill>
+          <a:blip r:embed="rId7"/>
+          <a:stretch>
+            <a:fillRect/>
+          </a:stretch>
+        </p:blipFill>
+        <p:spPr>
+          <a:xfrm>
+            <a:off x="100139" y="4073106"/>
+            <a:ext cx="5819494" cy="450000"/>
+          </a:xfrm>
+          <a:prstGeom prst="rect">
+            <a:avLst/>
+          </a:prstGeom>
+        </p:spPr>
+      </p:pic>
+      <p:grpSp>
+        <p:nvGrpSpPr>
+          <p:cNvPr id="14" name="Group 13">
+            <a:extLst>
+              <a:ext uri="{FF2B5EF4-FFF2-40B4-BE49-F238E27FC236}">
+                <a16:creationId xmlns:a16="http://schemas.microsoft.com/office/drawing/2014/main" id="{3DADA1C0-3C7D-DBB4-BDA0-329E0718AC11}"/>
+              </a:ext>
+            </a:extLst>
+          </p:cNvPr>
+          <p:cNvGrpSpPr/>
+          <p:nvPr/>
+        </p:nvGrpSpPr>
+        <p:grpSpPr>
+          <a:xfrm>
+            <a:off x="6096000" y="4074264"/>
+            <a:ext cx="2140370" cy="369332"/>
+            <a:chOff x="8014632" y="2386349"/>
+            <a:chExt cx="2140370" cy="369332"/>
+          </a:xfrm>
+        </p:grpSpPr>
+        <p:sp>
+          <p:nvSpPr>
+            <p:cNvPr id="16" name="TextBox 15">
+              <a:extLst>
+                <a:ext uri="{FF2B5EF4-FFF2-40B4-BE49-F238E27FC236}">
+                  <a16:creationId xmlns:a16="http://schemas.microsoft.com/office/drawing/2014/main" id="{4CD8EE46-4421-382B-5A8B-350EBA9813BC}"/>
+                </a:ext>
+              </a:extLst>
+            </p:cNvPr>
+            <p:cNvSpPr txBox="1"/>
+            <p:nvPr/>
+          </p:nvSpPr>
+          <p:spPr>
+            <a:xfrm>
+              <a:off x="8691651" y="2386349"/>
+              <a:ext cx="1463351" cy="369332"/>
+            </a:xfrm>
+            <a:prstGeom prst="rect">
+              <a:avLst/>
+            </a:prstGeom>
+            <a:noFill/>
+          </p:spPr>
+          <p:txBody>
+            <a:bodyPr wrap="square" rtlCol="0">
+              <a:spAutoFit/>
+            </a:bodyPr>
+            <a:lstStyle/>
+            <a:p>
+              <a:r>
+                <a:rPr lang="en-US" dirty="0">
+                  <a:solidFill>
+                    <a:srgbClr val="FFFF00"/>
+                  </a:solidFill>
+                </a:rPr>
+                <a:t>Input Data</a:t>
+              </a:r>
+            </a:p>
+          </p:txBody>
+        </p:sp>
+        <p:sp>
+          <p:nvSpPr>
+            <p:cNvPr id="17" name="Right Arrow 16">
+              <a:extLst>
+                <a:ext uri="{FF2B5EF4-FFF2-40B4-BE49-F238E27FC236}">
+                  <a16:creationId xmlns:a16="http://schemas.microsoft.com/office/drawing/2014/main" id="{565AFCEA-F0CA-6F72-5462-FC28680E7CC1}"/>
+                </a:ext>
+              </a:extLst>
+            </p:cNvPr>
+            <p:cNvSpPr/>
+            <p:nvPr/>
+          </p:nvSpPr>
+          <p:spPr>
+            <a:xfrm>
+              <a:off x="8014632" y="2455257"/>
+              <a:ext cx="534109" cy="287729"/>
+            </a:xfrm>
+            <a:prstGeom prst="rightArrow">
+              <a:avLst/>
+            </a:prstGeom>
+          </p:spPr>
+          <p:style>
+            <a:lnRef idx="2">
+              <a:schemeClr val="accent1">
+                <a:shade val="15000"/>
+              </a:schemeClr>
+            </a:lnRef>
+            <a:fillRef idx="1">
+              <a:schemeClr val="accent1"/>
+            </a:fillRef>
+            <a:effectRef idx="0">
+              <a:schemeClr val="accent1"/>
+            </a:effectRef>
+            <a:fontRef idx="minor">
+              <a:schemeClr val="lt1"/>
+            </a:fontRef>
+          </p:style>
+          <p:txBody>
+            <a:bodyPr rtlCol="0" anchor="ctr"/>
+            <a:lstStyle/>
+            <a:p>
+              <a:pPr algn="ctr"/>
+              <a:endParaRPr lang="en-US" dirty="0"/>
+            </a:p>
+          </p:txBody>
+        </p:sp>
+      </p:grpSp>
+      <p:grpSp>
+        <p:nvGrpSpPr>
+          <p:cNvPr id="18" name="Group 17">
+            <a:extLst>
+              <a:ext uri="{FF2B5EF4-FFF2-40B4-BE49-F238E27FC236}">
+                <a16:creationId xmlns:a16="http://schemas.microsoft.com/office/drawing/2014/main" id="{2593398B-9A3A-3A26-5126-5846B0493D7E}"/>
+              </a:ext>
+            </a:extLst>
+          </p:cNvPr>
+          <p:cNvGrpSpPr/>
+          <p:nvPr/>
+        </p:nvGrpSpPr>
+        <p:grpSpPr>
+          <a:xfrm>
+            <a:off x="8019784" y="4579408"/>
+            <a:ext cx="2326173" cy="369332"/>
+            <a:chOff x="8014632" y="2933704"/>
+            <a:chExt cx="2326173" cy="369332"/>
+          </a:xfrm>
+        </p:grpSpPr>
+        <p:sp>
+          <p:nvSpPr>
+            <p:cNvPr id="19" name="TextBox 18">
+              <a:extLst>
+                <a:ext uri="{FF2B5EF4-FFF2-40B4-BE49-F238E27FC236}">
+                  <a16:creationId xmlns:a16="http://schemas.microsoft.com/office/drawing/2014/main" id="{4A1A1473-45DA-7213-9AAF-00C98A950EED}"/>
+                </a:ext>
+              </a:extLst>
+            </p:cNvPr>
+            <p:cNvSpPr txBox="1"/>
+            <p:nvPr/>
+          </p:nvSpPr>
+          <p:spPr>
+            <a:xfrm>
+              <a:off x="8622203" y="2933704"/>
+              <a:ext cx="1718602" cy="369332"/>
+            </a:xfrm>
+            <a:prstGeom prst="rect">
+              <a:avLst/>
+            </a:prstGeom>
+            <a:noFill/>
+          </p:spPr>
+          <p:txBody>
+            <a:bodyPr wrap="square" rtlCol="0">
+              <a:spAutoFit/>
+            </a:bodyPr>
+            <a:lstStyle/>
+            <a:p>
+              <a:r>
+                <a:rPr lang="en-US" dirty="0">
+                  <a:solidFill>
+                    <a:srgbClr val="FFFF00"/>
+                  </a:solidFill>
+                </a:rPr>
+                <a:t>Output Data</a:t>
+              </a:r>
+            </a:p>
+          </p:txBody>
+        </p:sp>
+        <p:sp>
+          <p:nvSpPr>
+            <p:cNvPr id="21" name="Right Arrow 20">
+              <a:extLst>
+                <a:ext uri="{FF2B5EF4-FFF2-40B4-BE49-F238E27FC236}">
+                  <a16:creationId xmlns:a16="http://schemas.microsoft.com/office/drawing/2014/main" id="{FC947630-928D-02DE-8748-124857593225}"/>
+                </a:ext>
+              </a:extLst>
+            </p:cNvPr>
+            <p:cNvSpPr/>
+            <p:nvPr/>
+          </p:nvSpPr>
+          <p:spPr>
+            <a:xfrm>
+              <a:off x="8014632" y="2960027"/>
+              <a:ext cx="534109" cy="287729"/>
+            </a:xfrm>
+            <a:prstGeom prst="rightArrow">
+              <a:avLst/>
+            </a:prstGeom>
+          </p:spPr>
+          <p:style>
+            <a:lnRef idx="2">
+              <a:schemeClr val="accent1">
+                <a:shade val="15000"/>
+              </a:schemeClr>
+            </a:lnRef>
+            <a:fillRef idx="1">
+              <a:schemeClr val="accent1"/>
+            </a:fillRef>
+            <a:effectRef idx="0">
+              <a:schemeClr val="accent1"/>
+            </a:effectRef>
+            <a:fontRef idx="minor">
+              <a:schemeClr val="lt1"/>
+            </a:fontRef>
+          </p:style>
+          <p:txBody>
+            <a:bodyPr rtlCol="0" anchor="ctr"/>
+            <a:lstStyle/>
+            <a:p>
+              <a:pPr algn="ctr"/>
+              <a:endParaRPr lang="en-US" dirty="0"/>
+            </a:p>
+          </p:txBody>
+        </p:sp>
+      </p:grpSp>
+      <p:pic>
+        <p:nvPicPr>
+          <p:cNvPr id="24" name="Picture 23">
+            <a:extLst>
+              <a:ext uri="{FF2B5EF4-FFF2-40B4-BE49-F238E27FC236}">
+                <a16:creationId xmlns:a16="http://schemas.microsoft.com/office/drawing/2014/main" id="{11E69F94-DDF7-FD2A-AE47-D31A3B3317A9}"/>
+              </a:ext>
+            </a:extLst>
+          </p:cNvPr>
+          <p:cNvPicPr>
+            <a:picLocks noChangeAspect="1"/>
+          </p:cNvPicPr>
+          <p:nvPr/>
+        </p:nvPicPr>
+        <p:blipFill>
+          <a:blip r:embed="rId8"/>
+          <a:stretch>
+            <a:fillRect/>
+          </a:stretch>
+        </p:blipFill>
+        <p:spPr>
+          <a:xfrm>
+            <a:off x="94290" y="5815767"/>
+            <a:ext cx="6300005" cy="450000"/>
+          </a:xfrm>
+          <a:prstGeom prst="rect">
+            <a:avLst/>
+          </a:prstGeom>
+        </p:spPr>
+      </p:pic>
+      <p:grpSp>
+        <p:nvGrpSpPr>
+          <p:cNvPr id="26" name="Group 25">
+            <a:extLst>
+              <a:ext uri="{FF2B5EF4-FFF2-40B4-BE49-F238E27FC236}">
+                <a16:creationId xmlns:a16="http://schemas.microsoft.com/office/drawing/2014/main" id="{46391756-DA2D-3393-4266-F4B64C260669}"/>
+              </a:ext>
+            </a:extLst>
+          </p:cNvPr>
+          <p:cNvGrpSpPr/>
+          <p:nvPr/>
+        </p:nvGrpSpPr>
+        <p:grpSpPr>
+          <a:xfrm>
+            <a:off x="6486985" y="5794132"/>
+            <a:ext cx="2140370" cy="369332"/>
+            <a:chOff x="8014632" y="2386349"/>
+            <a:chExt cx="2140370" cy="369332"/>
+          </a:xfrm>
+        </p:grpSpPr>
+        <p:sp>
+          <p:nvSpPr>
+            <p:cNvPr id="29" name="TextBox 28">
+              <a:extLst>
+                <a:ext uri="{FF2B5EF4-FFF2-40B4-BE49-F238E27FC236}">
+                  <a16:creationId xmlns:a16="http://schemas.microsoft.com/office/drawing/2014/main" id="{E3B82BAA-CE59-4156-C14A-BA988E205937}"/>
+                </a:ext>
+              </a:extLst>
+            </p:cNvPr>
+            <p:cNvSpPr txBox="1"/>
+            <p:nvPr/>
+          </p:nvSpPr>
+          <p:spPr>
+            <a:xfrm>
+              <a:off x="8691651" y="2386349"/>
+              <a:ext cx="1463351" cy="369332"/>
+            </a:xfrm>
+            <a:prstGeom prst="rect">
+              <a:avLst/>
+            </a:prstGeom>
+            <a:noFill/>
+          </p:spPr>
+          <p:txBody>
+            <a:bodyPr wrap="square" rtlCol="0">
+              <a:spAutoFit/>
+            </a:bodyPr>
+            <a:lstStyle/>
+            <a:p>
+              <a:r>
+                <a:rPr lang="en-US" dirty="0">
+                  <a:solidFill>
+                    <a:srgbClr val="FFFF00"/>
+                  </a:solidFill>
+                </a:rPr>
+                <a:t>Input Data</a:t>
+              </a:r>
+            </a:p>
+          </p:txBody>
+        </p:sp>
+        <p:sp>
+          <p:nvSpPr>
+            <p:cNvPr id="30" name="Right Arrow 29">
+              <a:extLst>
+                <a:ext uri="{FF2B5EF4-FFF2-40B4-BE49-F238E27FC236}">
+                  <a16:creationId xmlns:a16="http://schemas.microsoft.com/office/drawing/2014/main" id="{F8251B3B-891D-8E95-6B20-850F8CBC6A0E}"/>
+                </a:ext>
+              </a:extLst>
+            </p:cNvPr>
+            <p:cNvSpPr/>
+            <p:nvPr/>
+          </p:nvSpPr>
+          <p:spPr>
+            <a:xfrm>
+              <a:off x="8014632" y="2455257"/>
+              <a:ext cx="534109" cy="287729"/>
+            </a:xfrm>
+            <a:prstGeom prst="rightArrow">
+              <a:avLst/>
+            </a:prstGeom>
+          </p:spPr>
+          <p:style>
+            <a:lnRef idx="2">
+              <a:schemeClr val="accent1">
+                <a:shade val="15000"/>
+              </a:schemeClr>
+            </a:lnRef>
+            <a:fillRef idx="1">
+              <a:schemeClr val="accent1"/>
+            </a:fillRef>
+            <a:effectRef idx="0">
+              <a:schemeClr val="accent1"/>
+            </a:effectRef>
+            <a:fontRef idx="minor">
+              <a:schemeClr val="lt1"/>
+            </a:fontRef>
+          </p:style>
+          <p:txBody>
+            <a:bodyPr rtlCol="0" anchor="ctr"/>
+            <a:lstStyle/>
+            <a:p>
+              <a:pPr algn="ctr"/>
+              <a:endParaRPr lang="en-US" dirty="0"/>
+            </a:p>
+          </p:txBody>
+        </p:sp>
+      </p:grpSp>
+      <p:grpSp>
+        <p:nvGrpSpPr>
+          <p:cNvPr id="31" name="Group 30">
+            <a:extLst>
+              <a:ext uri="{FF2B5EF4-FFF2-40B4-BE49-F238E27FC236}">
+                <a16:creationId xmlns:a16="http://schemas.microsoft.com/office/drawing/2014/main" id="{ABFD1D80-761C-4721-2638-3B5D3C1A74E4}"/>
+              </a:ext>
+            </a:extLst>
+          </p:cNvPr>
+          <p:cNvGrpSpPr/>
+          <p:nvPr/>
+        </p:nvGrpSpPr>
+        <p:grpSpPr>
+          <a:xfrm>
+            <a:off x="8019784" y="6342354"/>
+            <a:ext cx="2326173" cy="369332"/>
+            <a:chOff x="8014632" y="2933704"/>
+            <a:chExt cx="2326173" cy="369332"/>
+          </a:xfrm>
+        </p:grpSpPr>
+        <p:sp>
+          <p:nvSpPr>
+            <p:cNvPr id="32" name="TextBox 31">
+              <a:extLst>
+                <a:ext uri="{FF2B5EF4-FFF2-40B4-BE49-F238E27FC236}">
+                  <a16:creationId xmlns:a16="http://schemas.microsoft.com/office/drawing/2014/main" id="{5D21EC6B-1499-C35B-9F43-F9FAA52737AA}"/>
+                </a:ext>
+              </a:extLst>
+            </p:cNvPr>
+            <p:cNvSpPr txBox="1"/>
+            <p:nvPr/>
+          </p:nvSpPr>
+          <p:spPr>
+            <a:xfrm>
+              <a:off x="8622203" y="2933704"/>
+              <a:ext cx="1718602" cy="369332"/>
+            </a:xfrm>
+            <a:prstGeom prst="rect">
+              <a:avLst/>
+            </a:prstGeom>
+            <a:noFill/>
+          </p:spPr>
+          <p:txBody>
+            <a:bodyPr wrap="square" rtlCol="0">
+              <a:spAutoFit/>
+            </a:bodyPr>
+            <a:lstStyle/>
+            <a:p>
+              <a:r>
+                <a:rPr lang="en-US" dirty="0">
+                  <a:solidFill>
+                    <a:srgbClr val="FFFF00"/>
+                  </a:solidFill>
+                </a:rPr>
+                <a:t>Output Data</a:t>
+              </a:r>
+            </a:p>
+          </p:txBody>
+        </p:sp>
+        <p:sp>
+          <p:nvSpPr>
+            <p:cNvPr id="33" name="Right Arrow 32">
+              <a:extLst>
+                <a:ext uri="{FF2B5EF4-FFF2-40B4-BE49-F238E27FC236}">
+                  <a16:creationId xmlns:a16="http://schemas.microsoft.com/office/drawing/2014/main" id="{DE115BA1-9584-F324-330B-2D947468D7DC}"/>
+                </a:ext>
+              </a:extLst>
+            </p:cNvPr>
+            <p:cNvSpPr/>
+            <p:nvPr/>
+          </p:nvSpPr>
+          <p:spPr>
+            <a:xfrm>
+              <a:off x="8014632" y="2960027"/>
+              <a:ext cx="534109" cy="287729"/>
+            </a:xfrm>
+            <a:prstGeom prst="rightArrow">
+              <a:avLst/>
+            </a:prstGeom>
+          </p:spPr>
+          <p:style>
+            <a:lnRef idx="2">
+              <a:schemeClr val="accent1">
+                <a:shade val="15000"/>
+              </a:schemeClr>
+            </a:lnRef>
+            <a:fillRef idx="1">
+              <a:schemeClr val="accent1"/>
+            </a:fillRef>
+            <a:effectRef idx="0">
+              <a:schemeClr val="accent1"/>
+            </a:effectRef>
+            <a:fontRef idx="minor">
+              <a:schemeClr val="lt1"/>
+            </a:fontRef>
+          </p:style>
+          <p:txBody>
+            <a:bodyPr rtlCol="0" anchor="ctr"/>
+            <a:lstStyle/>
+            <a:p>
+              <a:pPr algn="ctr"/>
+              <a:endParaRPr lang="en-US" dirty="0"/>
+            </a:p>
+          </p:txBody>
+        </p:sp>
+      </p:grpSp>
+      <p:sp>
+        <p:nvSpPr>
+          <p:cNvPr id="34" name="TextBox 33">
+            <a:extLst>
+              <a:ext uri="{FF2B5EF4-FFF2-40B4-BE49-F238E27FC236}">
+                <a16:creationId xmlns:a16="http://schemas.microsoft.com/office/drawing/2014/main" id="{115F0524-3359-81A0-8F71-01882363DE91}"/>
+              </a:ext>
+            </a:extLst>
+          </p:cNvPr>
+          <p:cNvSpPr txBox="1"/>
+          <p:nvPr/>
+        </p:nvSpPr>
+        <p:spPr>
+          <a:xfrm>
+            <a:off x="-821803" y="1157468"/>
+            <a:ext cx="184731" cy="369332"/>
+          </a:xfrm>
+          <a:prstGeom prst="rect">
+            <a:avLst/>
+          </a:prstGeom>
+          <a:noFill/>
+        </p:spPr>
+        <p:txBody>
+          <a:bodyPr wrap="none" rtlCol="0">
+            <a:spAutoFit/>
+          </a:bodyPr>
+          <a:lstStyle/>
+          <a:p>
+            <a:endParaRPr lang="en-US"/>
+          </a:p>
+        </p:txBody>
+      </p:sp>
     </p:spTree>
     <p:extLst>
       <p:ext uri="{BB962C8B-B14F-4D97-AF65-F5344CB8AC3E}">
